--- a/x_memory/docs2/논문연구I-발표자료.pptx
+++ b/x_memory/docs2/논문연구I-발표자료.pptx
@@ -108,6 +108,11 @@
       </a:defRPr>
     </a:lvl9pPr>
   </p:defaultTextStyle>
+  <p:extLst>
+    <p:ext uri="{EFAFB233-063F-42B5-8137-9DF3F51BA10A}">
+      <p15:sldGuideLst xmlns:p15="http://schemas.microsoft.com/office/powerpoint/2012/main"/>
+    </p:ext>
+  </p:extLst>
 </p:presentation>
 </file>
 
@@ -3805,16 +3810,12 @@
               <a:t>- </a:t>
             </a:r>
             <a:r>
-              <a:rPr lang="ko-KR" altLang="en-US" b="1" dirty="0" err="1">
-                <a:latin typeface="+mj-lt"/>
-              </a:rPr>
-              <a:t>드론</a:t>
-            </a:r>
-            <a:r>
-              <a:rPr lang="ko-KR" altLang="en-US" b="1" dirty="0">
-                <a:latin typeface="+mj-lt"/>
-              </a:rPr>
-              <a:t> 자세 제어 및 고주파 센서 동작 원리</a:t>
+              <a:rPr lang="ko-KR" altLang="en-US" b="1" dirty="0" err="1"/>
+              <a:t>쿼드콥터</a:t>
+            </a:r>
+            <a:r>
+              <a:rPr lang="ko-KR" altLang="en-US" b="1" dirty="0"/>
+              <a:t> 자세 제어 루프의 실시간성 요구사항</a:t>
             </a:r>
           </a:p>
         </p:txBody>
@@ -3872,7 +3873,7 @@
             </a:br>
             <a:r>
               <a:rPr lang="en-US" altLang="ko-KR" sz="1600" dirty="0"/>
-              <a:t>(Gyro, Accel)</a:t>
+              <a:t>(Gyro + Accel)</a:t>
             </a:r>
             <a:endParaRPr lang="ko-KR" altLang="en-US" sz="1600" dirty="0"/>
           </a:p>
@@ -4107,7 +4108,7 @@
               <a:rPr lang="en-US" altLang="ko-KR" sz="1200" dirty="0"/>
               <a:t>1 kHz</a:t>
             </a:r>
-            <a:endParaRPr lang="ko-KR" altLang="en-US" sz="1200" dirty="0"/>
+            <a:endParaRPr lang="en-US" altLang="ko-KR" sz="1200" b="1" dirty="0"/>
           </a:p>
         </p:txBody>
       </p:sp>
@@ -4436,8 +4437,8 @@
         </p:nvSpPr>
         <p:spPr>
           <a:xfrm>
-            <a:off x="422746" y="2492347"/>
-            <a:ext cx="11330939" cy="830997"/>
+            <a:off x="398159" y="2395539"/>
+            <a:ext cx="11330939" cy="584775"/>
           </a:xfrm>
           <a:prstGeom prst="rect">
             <a:avLst/>
@@ -4451,65 +4452,56 @@
           <a:lstStyle/>
           <a:p>
             <a:r>
-              <a:rPr lang="ko-KR" altLang="en-US" sz="1600" dirty="0" err="1"/>
-              <a:t>드론의</a:t>
-            </a:r>
-            <a:r>
               <a:rPr lang="ko-KR" altLang="en-US" sz="1600" dirty="0"/>
-              <a:t> 자세 제어는 </a:t>
+              <a:t>실제 </a:t>
             </a:r>
             <a:r>
               <a:rPr lang="en-US" altLang="ko-KR" sz="1600" dirty="0"/>
-              <a:t>1ms(1000 Hz) </a:t>
+              <a:t>IMU</a:t>
             </a:r>
             <a:r>
               <a:rPr lang="ko-KR" altLang="en-US" sz="1600" dirty="0"/>
-              <a:t>단위로 센서 → 제어 계산 → 모터 제어가 반복되는 실시간 폐 루프 구조입니다</a:t>
+              <a:t>가 </a:t>
+            </a:r>
+            <a:r>
+              <a:rPr lang="en-US" altLang="ko-KR" sz="1600" dirty="0"/>
+              <a:t>1~32 kHz</a:t>
+            </a:r>
+            <a:r>
+              <a:rPr lang="ko-KR" altLang="en-US" sz="1600" dirty="0"/>
+              <a:t>의 고주파로 동작하기 때문에</a:t>
+            </a:r>
+            <a:r>
+              <a:rPr lang="en-US" altLang="ko-KR" sz="1600" dirty="0"/>
+              <a:t>, </a:t>
+            </a:r>
+            <a:r>
+              <a:rPr lang="ko-KR" altLang="en-US" sz="1600" dirty="0"/>
+              <a:t>시뮬레이터에서도 최소 </a:t>
+            </a:r>
+            <a:r>
+              <a:rPr lang="en-US" altLang="ko-KR" sz="1600" dirty="0"/>
+              <a:t>1 kHz </a:t>
+            </a:r>
+            <a:r>
+              <a:rPr lang="ko-KR" altLang="en-US" sz="1600" dirty="0"/>
+              <a:t>이상의 센서</a:t>
+            </a:r>
+            <a:r>
+              <a:rPr lang="en-US" altLang="ko-KR" sz="1600" dirty="0"/>
+              <a:t>·</a:t>
+            </a:r>
+            <a:r>
+              <a:rPr lang="ko-KR" altLang="en-US" sz="1600" dirty="0"/>
+              <a:t>제어 루프를 지원해야 실기체와 동일한 비행을 재현할 수 있습니다</a:t>
             </a:r>
             <a:r>
               <a:rPr lang="en-US" altLang="ko-KR" sz="1600" dirty="0"/>
               <a:t>.</a:t>
             </a:r>
-            <a:br>
-              <a:rPr lang="ko-KR" altLang="en-US" sz="1600" dirty="0"/>
-            </a:br>
-            <a:r>
-              <a:rPr lang="ko-KR" altLang="en-US" sz="1600" dirty="0"/>
-              <a:t>따라서 시뮬레이터가 이 루프의 </a:t>
-            </a:r>
-            <a:r>
-              <a:rPr lang="ko-KR" altLang="en-US" sz="1600" b="1" dirty="0"/>
-              <a:t>주파수</a:t>
-            </a:r>
-            <a:r>
-              <a:rPr lang="en-US" altLang="ko-KR" sz="1600" b="1" dirty="0"/>
-              <a:t>·</a:t>
-            </a:r>
-            <a:r>
-              <a:rPr lang="ko-KR" altLang="en-US" sz="1600" b="1" dirty="0"/>
-              <a:t>지연</a:t>
-            </a:r>
-            <a:r>
-              <a:rPr lang="en-US" altLang="ko-KR" sz="1600" b="1" dirty="0"/>
-              <a:t>·</a:t>
-            </a:r>
-            <a:r>
-              <a:rPr lang="ko-KR" altLang="en-US" sz="1600" b="1" dirty="0"/>
-              <a:t>동작 구조를 그대로 재현하지 못하면</a:t>
-            </a:r>
-            <a:r>
-              <a:rPr lang="en-US" altLang="ko-KR" sz="1600" dirty="0"/>
-              <a:t>, </a:t>
-            </a:r>
-            <a:r>
-              <a:rPr lang="ko-KR" altLang="en-US" sz="1600" dirty="0"/>
-              <a:t>실기체와 완전히 다른 동작 특성을 보이게 됩니다</a:t>
-            </a:r>
-            <a:r>
-              <a:rPr lang="en-US" altLang="ko-KR" sz="1600" dirty="0"/>
-              <a:t>.</a:t>
-            </a:r>
-            <a:endParaRPr lang="ko-KR" altLang="en-US" sz="1600" dirty="0"/>
+            <a:endParaRPr lang="en-US" altLang="ko-KR" sz="1600" dirty="0">
+              <a:effectLst/>
+            </a:endParaRPr>
           </a:p>
         </p:txBody>
       </p:sp>
@@ -4528,14 +4520,14 @@
           <p:nvPr>
             <p:extLst>
               <p:ext uri="{D42A27DB-BD31-4B8C-83A1-F6EECF244321}">
-                <p14:modId xmlns:p14="http://schemas.microsoft.com/office/powerpoint/2010/main" val="14011779"/>
+                <p14:modId xmlns:p14="http://schemas.microsoft.com/office/powerpoint/2010/main" val="2674277964"/>
               </p:ext>
             </p:extLst>
           </p:nvPr>
         </p:nvGraphicFramePr>
         <p:xfrm>
-          <a:off x="697042" y="4083441"/>
-          <a:ext cx="5708030" cy="1752600"/>
+          <a:off x="462901" y="3629653"/>
+          <a:ext cx="4146003" cy="1752600"/>
         </p:xfrm>
         <a:graphic>
           <a:graphicData uri="http://schemas.openxmlformats.org/drawingml/2006/table">
@@ -4544,14 +4536,14 @@
                 <a:tableStyleId>{5C22544A-7EE6-4342-B048-85BDC9FD1C3A}</a:tableStyleId>
               </a:tblPr>
               <a:tblGrid>
-                <a:gridCol w="2843449">
+                <a:gridCol w="1447908">
                   <a:extLst>
                     <a:ext uri="{9D8B030D-6E8A-4147-A177-3AD203B41FA5}">
                       <a16:colId xmlns:a16="http://schemas.microsoft.com/office/drawing/2014/main" val="3861258388"/>
                     </a:ext>
                   </a:extLst>
                 </a:gridCol>
-                <a:gridCol w="2864581">
+                <a:gridCol w="2698095">
                   <a:extLst>
                     <a:ext uri="{9D8B030D-6E8A-4147-A177-3AD203B41FA5}">
                       <a16:colId xmlns:a16="http://schemas.microsoft.com/office/drawing/2014/main" val="319173569"/>
@@ -4568,11 +4560,11 @@
                       <a:pPr algn="ctr" latinLnBrk="1"/>
                       <a:r>
                         <a:rPr lang="en-US" altLang="ko-KR" dirty="0"/>
-                        <a:t>IMU </a:t>
+                        <a:t>IMU</a:t>
                       </a:r>
                       <a:r>
                         <a:rPr lang="ko-KR" altLang="en-US" dirty="0"/>
-                        <a:t>모델</a:t>
+                        <a:t>센서</a:t>
                       </a:r>
                     </a:p>
                   </a:txBody>
@@ -4618,10 +4610,10 @@
                     <a:p>
                       <a:pPr algn="ctr" latinLnBrk="1"/>
                       <a:r>
-                        <a:rPr lang="en-US" altLang="ko-KR" dirty="0"/>
+                        <a:rPr lang="en-US" altLang="ko-KR" sz="1600" dirty="0"/>
                         <a:t>MPU–6000</a:t>
                       </a:r>
-                      <a:endParaRPr lang="ko-KR" altLang="en-US" dirty="0"/>
+                      <a:endParaRPr lang="ko-KR" altLang="en-US" sz="1600" dirty="0"/>
                     </a:p>
                   </a:txBody>
                   <a:tcPr/>
@@ -4633,10 +4625,10 @@
                     <a:p>
                       <a:pPr algn="ctr" latinLnBrk="1"/>
                       <a:r>
-                        <a:rPr lang="en-US" altLang="ko-KR" dirty="0"/>
-                        <a:t>1 kHz</a:t>
+                        <a:rPr lang="en-US" altLang="ko-KR" sz="1600" dirty="0"/>
+                        <a:t>8 kHz</a:t>
                       </a:r>
-                      <a:endParaRPr lang="ko-KR" altLang="en-US" dirty="0"/>
+                      <a:endParaRPr lang="ko-KR" altLang="en-US" sz="1600" dirty="0"/>
                     </a:p>
                   </a:txBody>
                   <a:tcPr/>
@@ -4655,10 +4647,10 @@
                     <a:p>
                       <a:pPr algn="ctr" latinLnBrk="1"/>
                       <a:r>
-                        <a:rPr lang="en-US" altLang="ko-KR" dirty="0"/>
+                        <a:rPr lang="en-US" altLang="ko-KR" sz="1600" dirty="0"/>
                         <a:t>ICM-20689</a:t>
                       </a:r>
-                      <a:endParaRPr lang="ko-KR" altLang="en-US" dirty="0"/>
+                      <a:endParaRPr lang="ko-KR" altLang="en-US" sz="1600" dirty="0"/>
                     </a:p>
                   </a:txBody>
                   <a:tcPr/>
@@ -4670,10 +4662,10 @@
                     <a:p>
                       <a:pPr algn="ctr" latinLnBrk="1"/>
                       <a:r>
-                        <a:rPr lang="en-US" altLang="ko-KR" dirty="0"/>
+                        <a:rPr lang="en-US" altLang="ko-KR" sz="1600" dirty="0"/>
                         <a:t>8 kHz</a:t>
                       </a:r>
-                      <a:endParaRPr lang="ko-KR" altLang="en-US" dirty="0"/>
+                      <a:endParaRPr lang="ko-KR" altLang="en-US" sz="1600" dirty="0"/>
                     </a:p>
                   </a:txBody>
                   <a:tcPr/>
@@ -4692,10 +4684,10 @@
                     <a:p>
                       <a:pPr algn="ctr" latinLnBrk="1"/>
                       <a:r>
-                        <a:rPr lang="en-US" altLang="ko-KR" dirty="0"/>
+                        <a:rPr lang="en-US" altLang="ko-KR" sz="1600" dirty="0"/>
                         <a:t>ICM-20602</a:t>
                       </a:r>
-                      <a:endParaRPr lang="ko-KR" altLang="en-US" dirty="0"/>
+                      <a:endParaRPr lang="ko-KR" altLang="en-US" sz="1600" dirty="0"/>
                     </a:p>
                   </a:txBody>
                   <a:tcPr/>
@@ -4707,10 +4699,10 @@
                     <a:p>
                       <a:pPr algn="ctr" latinLnBrk="1"/>
                       <a:r>
-                        <a:rPr lang="en-US" altLang="ko-KR" dirty="0"/>
+                        <a:rPr lang="en-US" altLang="ko-KR" sz="1600" dirty="0"/>
                         <a:t>32 kHz</a:t>
                       </a:r>
-                      <a:endParaRPr lang="ko-KR" altLang="en-US" dirty="0"/>
+                      <a:endParaRPr lang="ko-KR" altLang="en-US" sz="1600" dirty="0"/>
                     </a:p>
                   </a:txBody>
                   <a:tcPr/>
@@ -4739,8 +4731,8 @@
         </p:nvSpPr>
         <p:spPr>
           <a:xfrm>
-            <a:off x="398162" y="3643566"/>
-            <a:ext cx="11330939" cy="338554"/>
+            <a:off x="398161" y="3291099"/>
+            <a:ext cx="4210744" cy="338554"/>
           </a:xfrm>
           <a:prstGeom prst="rect">
             <a:avLst/>
@@ -4755,15 +4747,7 @@
           <a:p>
             <a:r>
               <a:rPr lang="ko-KR" altLang="en-US" sz="1600" dirty="0"/>
-              <a:t>실제 </a:t>
-            </a:r>
-            <a:r>
-              <a:rPr lang="ko-KR" altLang="en-US" sz="1600" dirty="0" err="1"/>
-              <a:t>드론</a:t>
-            </a:r>
-            <a:r>
-              <a:rPr lang="ko-KR" altLang="en-US" sz="1600" dirty="0"/>
-              <a:t> 주요 </a:t>
+              <a:t>실제 사용 </a:t>
             </a:r>
             <a:r>
               <a:rPr lang="en-US" altLang="ko-KR" sz="1600" dirty="0"/>
@@ -4771,8 +4755,19 @@
             </a:r>
             <a:r>
               <a:rPr lang="ko-KR" altLang="en-US" sz="1600" dirty="0"/>
-              <a:t>센서의 샘플링 주파수 비교</a:t>
-            </a:r>
+              <a:t>최대 </a:t>
+            </a:r>
+            <a:r>
+              <a:rPr lang="en-US" altLang="ko-KR" sz="1600" dirty="0"/>
+              <a:t>ODR </a:t>
+            </a:r>
+            <a:r>
+              <a:rPr lang="ko-KR" altLang="en-US" sz="1600" dirty="0"/>
+              <a:t>비교</a:t>
+            </a:r>
+            <a:endParaRPr lang="ko-KR" altLang="en-US" sz="1600" dirty="0">
+              <a:effectLst/>
+            </a:endParaRPr>
           </a:p>
         </p:txBody>
       </p:sp>
@@ -4790,8 +4785,8 @@
         </p:nvSpPr>
         <p:spPr>
           <a:xfrm>
-            <a:off x="493615" y="5937362"/>
-            <a:ext cx="11330939" cy="276999"/>
+            <a:off x="430530" y="5543719"/>
+            <a:ext cx="11330939" cy="461665"/>
           </a:xfrm>
           <a:prstGeom prst="rect">
             <a:avLst/>
@@ -4810,23 +4805,23 @@
             </a:r>
             <a:r>
               <a:rPr lang="ko-KR" altLang="en-US" sz="1200" dirty="0"/>
-              <a:t>실제 </a:t>
+              <a:t>시뮬레이터에서 실기체와 동일한 동적 특성을 재현하려면 최소 </a:t>
             </a:r>
             <a:r>
               <a:rPr lang="en-US" altLang="ko-KR" sz="1200" dirty="0"/>
-              <a:t>IMU</a:t>
+              <a:t>1 kHz </a:t>
             </a:r>
             <a:r>
               <a:rPr lang="ko-KR" altLang="en-US" sz="1200" dirty="0"/>
-              <a:t>가 </a:t>
+              <a:t>이상의 </a:t>
             </a:r>
             <a:r>
               <a:rPr lang="en-US" altLang="ko-KR" sz="1200" dirty="0"/>
-              <a:t>8~32 kHz</a:t>
+              <a:t>IMU ODR </a:t>
             </a:r>
             <a:r>
               <a:rPr lang="ko-KR" altLang="en-US" sz="1200" dirty="0"/>
-              <a:t>로 동작하기 때문에</a:t>
+              <a:t>및 제어 루프 주기를 지원해야 하며</a:t>
             </a:r>
             <a:r>
               <a:rPr lang="en-US" altLang="ko-KR" sz="1200" dirty="0"/>
@@ -4834,32 +4829,343 @@
             </a:r>
             <a:r>
               <a:rPr lang="ko-KR" altLang="en-US" sz="1200" dirty="0"/>
-              <a:t>시뮬레이터에서도 최소 </a:t>
+              <a:t>고성능 재현을 위해서는 </a:t>
             </a:r>
             <a:r>
               <a:rPr lang="en-US" altLang="ko-KR" sz="1200" dirty="0"/>
-              <a:t>1 kHz </a:t>
+              <a:t>8 kHz </a:t>
             </a:r>
             <a:r>
               <a:rPr lang="ko-KR" altLang="en-US" sz="1200" dirty="0"/>
-              <a:t>이상의 센서</a:t>
-            </a:r>
-            <a:r>
-              <a:rPr lang="en-US" altLang="ko-KR" sz="1200" dirty="0"/>
-              <a:t>/</a:t>
-            </a:r>
-            <a:r>
-              <a:rPr lang="ko-KR" altLang="en-US" sz="1200" dirty="0"/>
-              <a:t>제어 루프가 필요합니다</a:t>
+              <a:t>이상이 바람직하다</a:t>
             </a:r>
             <a:r>
               <a:rPr lang="en-US" altLang="ko-KR" sz="1200" dirty="0"/>
               <a:t>.</a:t>
             </a:r>
-            <a:endParaRPr lang="ko-KR" altLang="en-US" sz="1200" dirty="0"/>
-          </a:p>
-        </p:txBody>
-      </p:sp>
+          </a:p>
+        </p:txBody>
+      </p:sp>
+      <p:sp>
+        <p:nvSpPr>
+          <p:cNvPr id="3" name="TextBox 2">
+            <a:extLst>
+              <a:ext uri="{FF2B5EF4-FFF2-40B4-BE49-F238E27FC236}">
+                <a16:creationId xmlns:a16="http://schemas.microsoft.com/office/drawing/2014/main" id="{E07A8B1A-2753-7920-C857-61C0371288A2}"/>
+              </a:ext>
+            </a:extLst>
+          </p:cNvPr>
+          <p:cNvSpPr txBox="1"/>
+          <p:nvPr/>
+        </p:nvSpPr>
+        <p:spPr>
+          <a:xfrm>
+            <a:off x="0" y="6457890"/>
+            <a:ext cx="6095316" cy="400110"/>
+          </a:xfrm>
+          <a:prstGeom prst="rect">
+            <a:avLst/>
+          </a:prstGeom>
+          <a:noFill/>
+        </p:spPr>
+        <p:txBody>
+          <a:bodyPr wrap="square">
+            <a:spAutoFit/>
+          </a:bodyPr>
+          <a:lstStyle/>
+          <a:p>
+            <a:r>
+              <a:rPr lang="en-US" altLang="ko-KR" sz="1000" dirty="0"/>
+              <a:t>[1] </a:t>
+            </a:r>
+            <a:r>
+              <a:rPr lang="en-US" altLang="ko-KR" sz="1000" dirty="0" err="1"/>
+              <a:t>Betaflight</a:t>
+            </a:r>
+            <a:r>
+              <a:rPr lang="en-US" altLang="ko-KR" sz="1000" dirty="0"/>
+              <a:t> default gyro sync 1 kHz (8 k/32 k </a:t>
+            </a:r>
+            <a:r>
+              <a:rPr lang="ko-KR" altLang="en-US" sz="1000" dirty="0"/>
+              <a:t>옵션 지원</a:t>
+            </a:r>
+            <a:r>
+              <a:rPr lang="en-US" altLang="ko-KR" sz="1000" dirty="0"/>
+              <a:t>) </a:t>
+            </a:r>
+          </a:p>
+          <a:p>
+            <a:r>
+              <a:rPr lang="en-US" altLang="ko-KR" sz="1000" dirty="0"/>
+              <a:t>[2] </a:t>
+            </a:r>
+            <a:r>
+              <a:rPr lang="en-US" altLang="ko-KR" sz="1000" dirty="0" err="1"/>
+              <a:t>ArduPilot</a:t>
+            </a:r>
+            <a:r>
+              <a:rPr lang="en-US" altLang="ko-KR" sz="1000" dirty="0"/>
+              <a:t> 4.x Quadcopter </a:t>
+            </a:r>
+            <a:r>
+              <a:rPr lang="ko-KR" altLang="en-US" sz="1000" dirty="0"/>
+              <a:t>기본 </a:t>
+            </a:r>
+            <a:r>
+              <a:rPr lang="en-US" altLang="ko-KR" sz="1000" dirty="0"/>
+              <a:t>1 kHz loop, PX4 1~8 kHz </a:t>
+            </a:r>
+            <a:r>
+              <a:rPr lang="ko-KR" altLang="en-US" sz="1000" dirty="0"/>
+              <a:t>지원</a:t>
+            </a:r>
+            <a:endParaRPr lang="ko-KR" altLang="en-US" sz="1000" dirty="0">
+              <a:effectLst/>
+            </a:endParaRPr>
+          </a:p>
+        </p:txBody>
+      </p:sp>
+      <p:sp>
+        <p:nvSpPr>
+          <p:cNvPr id="2" name="TextBox 1">
+            <a:extLst>
+              <a:ext uri="{FF2B5EF4-FFF2-40B4-BE49-F238E27FC236}">
+                <a16:creationId xmlns:a16="http://schemas.microsoft.com/office/drawing/2014/main" id="{7847334D-8D6C-0BBA-0A70-ADEB9A79A7CF}"/>
+              </a:ext>
+            </a:extLst>
+          </p:cNvPr>
+          <p:cNvSpPr txBox="1"/>
+          <p:nvPr/>
+        </p:nvSpPr>
+        <p:spPr>
+          <a:xfrm>
+            <a:off x="5582155" y="3259723"/>
+            <a:ext cx="4591057" cy="338554"/>
+          </a:xfrm>
+          <a:prstGeom prst="rect">
+            <a:avLst/>
+          </a:prstGeom>
+          <a:noFill/>
+        </p:spPr>
+        <p:txBody>
+          <a:bodyPr wrap="square" rtlCol="0">
+            <a:spAutoFit/>
+          </a:bodyPr>
+          <a:lstStyle/>
+          <a:p>
+            <a:r>
+              <a:rPr lang="en-US" altLang="ko-KR" sz="1600" dirty="0"/>
+              <a:t>FC(Flight Controller)</a:t>
+            </a:r>
+            <a:r>
+              <a:rPr lang="ko-KR" altLang="en-US" sz="1600" dirty="0"/>
+              <a:t>별 </a:t>
+            </a:r>
+            <a:r>
+              <a:rPr lang="en-US" altLang="ko-KR" sz="1600" dirty="0"/>
+              <a:t>IMU </a:t>
+            </a:r>
+            <a:r>
+              <a:rPr lang="ko-KR" altLang="en-US" sz="1600" dirty="0"/>
+              <a:t>샘플링 속도</a:t>
+            </a:r>
+            <a:endParaRPr lang="ko-KR" altLang="en-US" sz="1600" dirty="0">
+              <a:effectLst/>
+            </a:endParaRPr>
+          </a:p>
+        </p:txBody>
+      </p:sp>
+      <p:graphicFrame>
+        <p:nvGraphicFramePr>
+          <p:cNvPr id="7" name="표 6">
+            <a:extLst>
+              <a:ext uri="{FF2B5EF4-FFF2-40B4-BE49-F238E27FC236}">
+                <a16:creationId xmlns:a16="http://schemas.microsoft.com/office/drawing/2014/main" id="{7957626F-0D6B-DD64-055A-B5ABE26F6672}"/>
+              </a:ext>
+            </a:extLst>
+          </p:cNvPr>
+          <p:cNvGraphicFramePr>
+            <a:graphicFrameLocks noGrp="1"/>
+          </p:cNvGraphicFramePr>
+          <p:nvPr>
+            <p:extLst>
+              <p:ext uri="{D42A27DB-BD31-4B8C-83A1-F6EECF244321}">
+                <p14:modId xmlns:p14="http://schemas.microsoft.com/office/powerpoint/2010/main" val="2238271757"/>
+              </p:ext>
+            </p:extLst>
+          </p:nvPr>
+        </p:nvGraphicFramePr>
+        <p:xfrm>
+          <a:off x="5582155" y="3640138"/>
+          <a:ext cx="5847846" cy="1483360"/>
+        </p:xfrm>
+        <a:graphic>
+          <a:graphicData uri="http://schemas.openxmlformats.org/drawingml/2006/table">
+            <a:tbl>
+              <a:tblPr firstRow="1" bandRow="1">
+                <a:tableStyleId>{5C22544A-7EE6-4342-B048-85BDC9FD1C3A}</a:tableStyleId>
+              </a:tblPr>
+              <a:tblGrid>
+                <a:gridCol w="2923923">
+                  <a:extLst>
+                    <a:ext uri="{9D8B030D-6E8A-4147-A177-3AD203B41FA5}">
+                      <a16:colId xmlns:a16="http://schemas.microsoft.com/office/drawing/2014/main" val="2050726570"/>
+                    </a:ext>
+                  </a:extLst>
+                </a:gridCol>
+                <a:gridCol w="2923923">
+                  <a:extLst>
+                    <a:ext uri="{9D8B030D-6E8A-4147-A177-3AD203B41FA5}">
+                      <a16:colId xmlns:a16="http://schemas.microsoft.com/office/drawing/2014/main" val="3019296922"/>
+                    </a:ext>
+                  </a:extLst>
+                </a:gridCol>
+              </a:tblGrid>
+              <a:tr h="370840">
+                <a:tc>
+                  <a:txBody>
+                    <a:bodyPr/>
+                    <a:lstStyle/>
+                    <a:p>
+                      <a:pPr latinLnBrk="1"/>
+                      <a:r>
+                        <a:rPr lang="en-US" altLang="ko-KR" dirty="0"/>
+                        <a:t>FC</a:t>
+                      </a:r>
+                      <a:r>
+                        <a:rPr lang="ko-KR" altLang="en-US" dirty="0"/>
+                        <a:t> </a:t>
+                      </a:r>
+                      <a:r>
+                        <a:rPr lang="en-US" altLang="ko-KR" dirty="0"/>
+                        <a:t>Application</a:t>
+                      </a:r>
+                      <a:endParaRPr lang="ko-KR" altLang="en-US" dirty="0"/>
+                    </a:p>
+                  </a:txBody>
+                  <a:tcPr/>
+                </a:tc>
+                <a:tc>
+                  <a:txBody>
+                    <a:bodyPr/>
+                    <a:lstStyle/>
+                    <a:p>
+                      <a:pPr latinLnBrk="1"/>
+                      <a:endParaRPr lang="ko-KR" altLang="en-US"/>
+                    </a:p>
+                  </a:txBody>
+                  <a:tcPr/>
+                </a:tc>
+                <a:extLst>
+                  <a:ext uri="{0D108BD9-81ED-4DB2-BD59-A6C34878D82A}">
+                    <a16:rowId xmlns:a16="http://schemas.microsoft.com/office/drawing/2014/main" val="1500903589"/>
+                  </a:ext>
+                </a:extLst>
+              </a:tr>
+              <a:tr h="370840">
+                <a:tc>
+                  <a:txBody>
+                    <a:bodyPr/>
+                    <a:lstStyle/>
+                    <a:p>
+                      <a:pPr latinLnBrk="1"/>
+                      <a:r>
+                        <a:rPr lang="en-US" altLang="ko-KR" dirty="0" err="1"/>
+                        <a:t>Ardupilot</a:t>
+                      </a:r>
+                      <a:endParaRPr lang="ko-KR" altLang="en-US" dirty="0"/>
+                    </a:p>
+                  </a:txBody>
+                  <a:tcPr/>
+                </a:tc>
+                <a:tc>
+                  <a:txBody>
+                    <a:bodyPr/>
+                    <a:lstStyle/>
+                    <a:p>
+                      <a:pPr latinLnBrk="1"/>
+                      <a:endParaRPr lang="ko-KR" altLang="en-US"/>
+                    </a:p>
+                  </a:txBody>
+                  <a:tcPr/>
+                </a:tc>
+                <a:extLst>
+                  <a:ext uri="{0D108BD9-81ED-4DB2-BD59-A6C34878D82A}">
+                    <a16:rowId xmlns:a16="http://schemas.microsoft.com/office/drawing/2014/main" val="1459727570"/>
+                  </a:ext>
+                </a:extLst>
+              </a:tr>
+              <a:tr h="370840">
+                <a:tc>
+                  <a:txBody>
+                    <a:bodyPr/>
+                    <a:lstStyle/>
+                    <a:p>
+                      <a:pPr latinLnBrk="1"/>
+                      <a:r>
+                        <a:rPr lang="en-US" altLang="ko-KR" dirty="0"/>
+                        <a:t>PX4</a:t>
+                      </a:r>
+                      <a:endParaRPr lang="ko-KR" altLang="en-US" dirty="0"/>
+                    </a:p>
+                  </a:txBody>
+                  <a:tcPr/>
+                </a:tc>
+                <a:tc>
+                  <a:txBody>
+                    <a:bodyPr/>
+                    <a:lstStyle/>
+                    <a:p>
+                      <a:pPr latinLnBrk="1"/>
+                      <a:endParaRPr lang="ko-KR" altLang="en-US" dirty="0"/>
+                    </a:p>
+                  </a:txBody>
+                  <a:tcPr/>
+                </a:tc>
+                <a:extLst>
+                  <a:ext uri="{0D108BD9-81ED-4DB2-BD59-A6C34878D82A}">
+                    <a16:rowId xmlns:a16="http://schemas.microsoft.com/office/drawing/2014/main" val="1919737411"/>
+                  </a:ext>
+                </a:extLst>
+              </a:tr>
+              <a:tr h="370840">
+                <a:tc>
+                  <a:txBody>
+                    <a:bodyPr/>
+                    <a:lstStyle/>
+                    <a:p>
+                      <a:pPr latinLnBrk="1"/>
+                      <a:r>
+                        <a:rPr lang="en-US" altLang="ko-KR" dirty="0" err="1"/>
+                        <a:t>Betaflight</a:t>
+                      </a:r>
+                      <a:endParaRPr lang="ko-KR" altLang="en-US" dirty="0"/>
+                    </a:p>
+                  </a:txBody>
+                  <a:tcPr/>
+                </a:tc>
+                <a:tc>
+                  <a:txBody>
+                    <a:bodyPr/>
+                    <a:lstStyle/>
+                    <a:p>
+                      <a:pPr latinLnBrk="1"/>
+                      <a:endParaRPr lang="ko-KR" altLang="en-US" dirty="0"/>
+                    </a:p>
+                  </a:txBody>
+                  <a:tcPr/>
+                </a:tc>
+                <a:extLst>
+                  <a:ext uri="{0D108BD9-81ED-4DB2-BD59-A6C34878D82A}">
+                    <a16:rowId xmlns:a16="http://schemas.microsoft.com/office/drawing/2014/main" val="1025272033"/>
+                  </a:ext>
+                </a:extLst>
+              </a:tr>
+            </a:tbl>
+          </a:graphicData>
+        </a:graphic>
+      </p:graphicFrame>
     </p:spTree>
     <p:extLst>
       <p:ext uri="{BB962C8B-B14F-4D97-AF65-F5344CB8AC3E}">

--- a/x_memory/docs2/논문연구I-발표자료.pptx
+++ b/x_memory/docs2/논문연구I-발표자료.pptx
@@ -5,11 +5,15 @@
     <p:sldMasterId id="2147483648" r:id="rId1"/>
   </p:sldMasterIdLst>
   <p:notesMasterIdLst>
-    <p:notesMasterId r:id="rId4"/>
+    <p:notesMasterId r:id="rId8"/>
   </p:notesMasterIdLst>
   <p:sldIdLst>
-    <p:sldId id="256" r:id="rId2"/>
-    <p:sldId id="257" r:id="rId3"/>
+    <p:sldId id="259" r:id="rId2"/>
+    <p:sldId id="260" r:id="rId3"/>
+    <p:sldId id="256" r:id="rId4"/>
+    <p:sldId id="257" r:id="rId5"/>
+    <p:sldId id="258" r:id="rId6"/>
+    <p:sldId id="261" r:id="rId7"/>
   </p:sldIdLst>
   <p:sldSz cx="12192000" cy="6858000"/>
   <p:notesSz cx="6858000" cy="9144000"/>
@@ -198,7 +202,7 @@
           <a:p>
             <a:fld id="{1FB9BF83-B5BE-4DD4-A332-58395F2573B7}" type="datetimeFigureOut">
               <a:rPr lang="ko-KR" altLang="en-US" smtClean="0"/>
-              <a:t>2025-12-09</a:t>
+              <a:t>2025-12-10</a:t>
             </a:fld>
             <a:endParaRPr lang="ko-KR" altLang="en-US"/>
           </a:p>
@@ -470,6 +474,222 @@
   <p:cSld>
     <p:spTree>
       <p:nvGrpSpPr>
+        <p:cNvPr id="1" name="">
+          <a:extLst>
+            <a:ext uri="{FF2B5EF4-FFF2-40B4-BE49-F238E27FC236}">
+              <a16:creationId xmlns:a16="http://schemas.microsoft.com/office/drawing/2014/main" id="{E3BFBD7E-A3BC-6889-5459-018029522C27}"/>
+            </a:ext>
+          </a:extLst>
+        </p:cNvPr>
+        <p:cNvGrpSpPr/>
+        <p:nvPr/>
+      </p:nvGrpSpPr>
+      <p:grpSpPr>
+        <a:xfrm>
+          <a:off x="0" y="0"/>
+          <a:ext cx="0" cy="0"/>
+          <a:chOff x="0" y="0"/>
+          <a:chExt cx="0" cy="0"/>
+        </a:xfrm>
+      </p:grpSpPr>
+      <p:sp>
+        <p:nvSpPr>
+          <p:cNvPr id="2" name="슬라이드 이미지 개체 틀 1">
+            <a:extLst>
+              <a:ext uri="{FF2B5EF4-FFF2-40B4-BE49-F238E27FC236}">
+                <a16:creationId xmlns:a16="http://schemas.microsoft.com/office/drawing/2014/main" id="{6FA1F2BC-C11E-788E-D978-44D0BE54833E}"/>
+              </a:ext>
+            </a:extLst>
+          </p:cNvPr>
+          <p:cNvSpPr>
+            <a:spLocks noGrp="1" noRot="1" noChangeAspect="1"/>
+          </p:cNvSpPr>
+          <p:nvPr>
+            <p:ph type="sldImg"/>
+          </p:nvPr>
+        </p:nvSpPr>
+        <p:spPr/>
+      </p:sp>
+      <p:sp>
+        <p:nvSpPr>
+          <p:cNvPr id="3" name="슬라이드 노트 개체 틀 2">
+            <a:extLst>
+              <a:ext uri="{FF2B5EF4-FFF2-40B4-BE49-F238E27FC236}">
+                <a16:creationId xmlns:a16="http://schemas.microsoft.com/office/drawing/2014/main" id="{6E08AA1E-F4D2-60C7-95BB-B249DC715259}"/>
+              </a:ext>
+            </a:extLst>
+          </p:cNvPr>
+          <p:cNvSpPr>
+            <a:spLocks noGrp="1"/>
+          </p:cNvSpPr>
+          <p:nvPr>
+            <p:ph type="body" idx="1"/>
+          </p:nvPr>
+        </p:nvSpPr>
+        <p:spPr/>
+        <p:txBody>
+          <a:bodyPr/>
+          <a:lstStyle/>
+          <a:p>
+            <a:endParaRPr lang="ko-KR" altLang="en-US" dirty="0"/>
+          </a:p>
+        </p:txBody>
+      </p:sp>
+      <p:sp>
+        <p:nvSpPr>
+          <p:cNvPr id="4" name="슬라이드 번호 개체 틀 3">
+            <a:extLst>
+              <a:ext uri="{FF2B5EF4-FFF2-40B4-BE49-F238E27FC236}">
+                <a16:creationId xmlns:a16="http://schemas.microsoft.com/office/drawing/2014/main" id="{4CFDA875-124B-0410-25F1-333EC25833C8}"/>
+              </a:ext>
+            </a:extLst>
+          </p:cNvPr>
+          <p:cNvSpPr>
+            <a:spLocks noGrp="1"/>
+          </p:cNvSpPr>
+          <p:nvPr>
+            <p:ph type="sldNum" sz="quarter" idx="5"/>
+          </p:nvPr>
+        </p:nvSpPr>
+        <p:spPr/>
+        <p:txBody>
+          <a:bodyPr/>
+          <a:lstStyle/>
+          <a:p>
+            <a:fld id="{0098AE32-E7AE-48A5-9392-CCB4D2CF538A}" type="slidenum">
+              <a:rPr lang="ko-KR" altLang="en-US" smtClean="0"/>
+              <a:t>1</a:t>
+            </a:fld>
+            <a:endParaRPr lang="ko-KR" altLang="en-US"/>
+          </a:p>
+        </p:txBody>
+      </p:sp>
+    </p:spTree>
+    <p:extLst>
+      <p:ext uri="{BB962C8B-B14F-4D97-AF65-F5344CB8AC3E}">
+        <p14:creationId xmlns:p14="http://schemas.microsoft.com/office/powerpoint/2010/main" val="584114243"/>
+      </p:ext>
+    </p:extLst>
+  </p:cSld>
+  <p:clrMapOvr>
+    <a:masterClrMapping/>
+  </p:clrMapOvr>
+</p:notes>
+</file>
+
+<file path=ppt/notesSlides/notesSlide2.xml><?xml version="1.0" encoding="utf-8"?>
+<p:notes xmlns:a="http://schemas.openxmlformats.org/drawingml/2006/main" xmlns:r="http://schemas.openxmlformats.org/officeDocument/2006/relationships" xmlns:p="http://schemas.openxmlformats.org/presentationml/2006/main">
+  <p:cSld>
+    <p:spTree>
+      <p:nvGrpSpPr>
+        <p:cNvPr id="1" name="">
+          <a:extLst>
+            <a:ext uri="{FF2B5EF4-FFF2-40B4-BE49-F238E27FC236}">
+              <a16:creationId xmlns:a16="http://schemas.microsoft.com/office/drawing/2014/main" id="{35C037FE-E336-289B-E67B-42FACD4D480B}"/>
+            </a:ext>
+          </a:extLst>
+        </p:cNvPr>
+        <p:cNvGrpSpPr/>
+        <p:nvPr/>
+      </p:nvGrpSpPr>
+      <p:grpSpPr>
+        <a:xfrm>
+          <a:off x="0" y="0"/>
+          <a:ext cx="0" cy="0"/>
+          <a:chOff x="0" y="0"/>
+          <a:chExt cx="0" cy="0"/>
+        </a:xfrm>
+      </p:grpSpPr>
+      <p:sp>
+        <p:nvSpPr>
+          <p:cNvPr id="2" name="슬라이드 이미지 개체 틀 1">
+            <a:extLst>
+              <a:ext uri="{FF2B5EF4-FFF2-40B4-BE49-F238E27FC236}">
+                <a16:creationId xmlns:a16="http://schemas.microsoft.com/office/drawing/2014/main" id="{234B3AF4-9EE8-4550-5EF4-F2DEBFC0806F}"/>
+              </a:ext>
+            </a:extLst>
+          </p:cNvPr>
+          <p:cNvSpPr>
+            <a:spLocks noGrp="1" noRot="1" noChangeAspect="1"/>
+          </p:cNvSpPr>
+          <p:nvPr>
+            <p:ph type="sldImg"/>
+          </p:nvPr>
+        </p:nvSpPr>
+        <p:spPr/>
+      </p:sp>
+      <p:sp>
+        <p:nvSpPr>
+          <p:cNvPr id="3" name="슬라이드 노트 개체 틀 2">
+            <a:extLst>
+              <a:ext uri="{FF2B5EF4-FFF2-40B4-BE49-F238E27FC236}">
+                <a16:creationId xmlns:a16="http://schemas.microsoft.com/office/drawing/2014/main" id="{DBA857F6-7572-4F04-F1A8-6A52BBA69BFF}"/>
+              </a:ext>
+            </a:extLst>
+          </p:cNvPr>
+          <p:cNvSpPr>
+            <a:spLocks noGrp="1"/>
+          </p:cNvSpPr>
+          <p:nvPr>
+            <p:ph type="body" idx="1"/>
+          </p:nvPr>
+        </p:nvSpPr>
+        <p:spPr/>
+        <p:txBody>
+          <a:bodyPr/>
+          <a:lstStyle/>
+          <a:p>
+            <a:endParaRPr lang="ko-KR" altLang="en-US" dirty="0"/>
+          </a:p>
+        </p:txBody>
+      </p:sp>
+      <p:sp>
+        <p:nvSpPr>
+          <p:cNvPr id="4" name="슬라이드 번호 개체 틀 3">
+            <a:extLst>
+              <a:ext uri="{FF2B5EF4-FFF2-40B4-BE49-F238E27FC236}">
+                <a16:creationId xmlns:a16="http://schemas.microsoft.com/office/drawing/2014/main" id="{87EFDE07-6546-9F56-1DDE-AC10DA20FEC8}"/>
+              </a:ext>
+            </a:extLst>
+          </p:cNvPr>
+          <p:cNvSpPr>
+            <a:spLocks noGrp="1"/>
+          </p:cNvSpPr>
+          <p:nvPr>
+            <p:ph type="sldNum" sz="quarter" idx="5"/>
+          </p:nvPr>
+        </p:nvSpPr>
+        <p:spPr/>
+        <p:txBody>
+          <a:bodyPr/>
+          <a:lstStyle/>
+          <a:p>
+            <a:fld id="{0098AE32-E7AE-48A5-9392-CCB4D2CF538A}" type="slidenum">
+              <a:rPr lang="ko-KR" altLang="en-US" smtClean="0"/>
+              <a:t>2</a:t>
+            </a:fld>
+            <a:endParaRPr lang="ko-KR" altLang="en-US"/>
+          </a:p>
+        </p:txBody>
+      </p:sp>
+    </p:spTree>
+    <p:extLst>
+      <p:ext uri="{BB962C8B-B14F-4D97-AF65-F5344CB8AC3E}">
+        <p14:creationId xmlns:p14="http://schemas.microsoft.com/office/powerpoint/2010/main" val="2340762437"/>
+      </p:ext>
+    </p:extLst>
+  </p:cSld>
+  <p:clrMapOvr>
+    <a:masterClrMapping/>
+  </p:clrMapOvr>
+</p:notes>
+</file>
+
+<file path=ppt/notesSlides/notesSlide3.xml><?xml version="1.0" encoding="utf-8"?>
+<p:notes xmlns:a="http://schemas.openxmlformats.org/drawingml/2006/main" xmlns:r="http://schemas.openxmlformats.org/officeDocument/2006/relationships" xmlns:p="http://schemas.openxmlformats.org/presentationml/2006/main">
+  <p:cSld>
+    <p:spTree>
+      <p:nvGrpSpPr>
         <p:cNvPr id="1" name=""/>
         <p:cNvGrpSpPr/>
         <p:nvPr/>
@@ -509,7 +729,7 @@
           <a:bodyPr/>
           <a:lstStyle/>
           <a:p>
-            <a:endParaRPr lang="ko-KR" altLang="en-US"/>
+            <a:endParaRPr lang="ko-KR" altLang="en-US" dirty="0"/>
           </a:p>
         </p:txBody>
       </p:sp>
@@ -530,7 +750,7 @@
           <a:p>
             <a:fld id="{0098AE32-E7AE-48A5-9392-CCB4D2CF538A}" type="slidenum">
               <a:rPr lang="ko-KR" altLang="en-US" smtClean="0"/>
-              <a:t>1</a:t>
+              <a:t>3</a:t>
             </a:fld>
             <a:endParaRPr lang="ko-KR" altLang="en-US"/>
           </a:p>
@@ -540,6 +760,306 @@
     <p:extLst>
       <p:ext uri="{BB962C8B-B14F-4D97-AF65-F5344CB8AC3E}">
         <p14:creationId xmlns:p14="http://schemas.microsoft.com/office/powerpoint/2010/main" val="4252559566"/>
+      </p:ext>
+    </p:extLst>
+  </p:cSld>
+  <p:clrMapOvr>
+    <a:masterClrMapping/>
+  </p:clrMapOvr>
+</p:notes>
+</file>
+
+<file path=ppt/notesSlides/notesSlide4.xml><?xml version="1.0" encoding="utf-8"?>
+<p:notes xmlns:a="http://schemas.openxmlformats.org/drawingml/2006/main" xmlns:r="http://schemas.openxmlformats.org/officeDocument/2006/relationships" xmlns:p="http://schemas.openxmlformats.org/presentationml/2006/main">
+  <p:cSld>
+    <p:spTree>
+      <p:nvGrpSpPr>
+        <p:cNvPr id="1" name=""/>
+        <p:cNvGrpSpPr/>
+        <p:nvPr/>
+      </p:nvGrpSpPr>
+      <p:grpSpPr>
+        <a:xfrm>
+          <a:off x="0" y="0"/>
+          <a:ext cx="0" cy="0"/>
+          <a:chOff x="0" y="0"/>
+          <a:chExt cx="0" cy="0"/>
+        </a:xfrm>
+      </p:grpSpPr>
+      <p:sp>
+        <p:nvSpPr>
+          <p:cNvPr id="2" name="슬라이드 이미지 개체 틀 1"/>
+          <p:cNvSpPr>
+            <a:spLocks noGrp="1" noRot="1" noChangeAspect="1"/>
+          </p:cNvSpPr>
+          <p:nvPr>
+            <p:ph type="sldImg"/>
+          </p:nvPr>
+        </p:nvSpPr>
+        <p:spPr/>
+      </p:sp>
+      <p:sp>
+        <p:nvSpPr>
+          <p:cNvPr id="3" name="슬라이드 노트 개체 틀 2"/>
+          <p:cNvSpPr>
+            <a:spLocks noGrp="1"/>
+          </p:cNvSpPr>
+          <p:nvPr>
+            <p:ph type="body" idx="1"/>
+          </p:nvPr>
+        </p:nvSpPr>
+        <p:spPr/>
+        <p:txBody>
+          <a:bodyPr/>
+          <a:lstStyle/>
+          <a:p>
+            <a:endParaRPr lang="ko-KR" altLang="en-US" dirty="0"/>
+          </a:p>
+        </p:txBody>
+      </p:sp>
+      <p:sp>
+        <p:nvSpPr>
+          <p:cNvPr id="4" name="슬라이드 번호 개체 틀 3"/>
+          <p:cNvSpPr>
+            <a:spLocks noGrp="1"/>
+          </p:cNvSpPr>
+          <p:nvPr>
+            <p:ph type="sldNum" sz="quarter" idx="5"/>
+          </p:nvPr>
+        </p:nvSpPr>
+        <p:spPr/>
+        <p:txBody>
+          <a:bodyPr/>
+          <a:lstStyle/>
+          <a:p>
+            <a:fld id="{0098AE32-E7AE-48A5-9392-CCB4D2CF538A}" type="slidenum">
+              <a:rPr lang="ko-KR" altLang="en-US" smtClean="0"/>
+              <a:t>4</a:t>
+            </a:fld>
+            <a:endParaRPr lang="ko-KR" altLang="en-US"/>
+          </a:p>
+        </p:txBody>
+      </p:sp>
+    </p:spTree>
+    <p:extLst>
+      <p:ext uri="{BB962C8B-B14F-4D97-AF65-F5344CB8AC3E}">
+        <p14:creationId xmlns:p14="http://schemas.microsoft.com/office/powerpoint/2010/main" val="4227203635"/>
+      </p:ext>
+    </p:extLst>
+  </p:cSld>
+  <p:clrMapOvr>
+    <a:masterClrMapping/>
+  </p:clrMapOvr>
+</p:notes>
+</file>
+
+<file path=ppt/notesSlides/notesSlide5.xml><?xml version="1.0" encoding="utf-8"?>
+<p:notes xmlns:a="http://schemas.openxmlformats.org/drawingml/2006/main" xmlns:r="http://schemas.openxmlformats.org/officeDocument/2006/relationships" xmlns:p="http://schemas.openxmlformats.org/presentationml/2006/main">
+  <p:cSld>
+    <p:spTree>
+      <p:nvGrpSpPr>
+        <p:cNvPr id="1" name="">
+          <a:extLst>
+            <a:ext uri="{FF2B5EF4-FFF2-40B4-BE49-F238E27FC236}">
+              <a16:creationId xmlns:a16="http://schemas.microsoft.com/office/drawing/2014/main" id="{0D3BFFEA-B934-DA44-3F2F-0680FF215A0C}"/>
+            </a:ext>
+          </a:extLst>
+        </p:cNvPr>
+        <p:cNvGrpSpPr/>
+        <p:nvPr/>
+      </p:nvGrpSpPr>
+      <p:grpSpPr>
+        <a:xfrm>
+          <a:off x="0" y="0"/>
+          <a:ext cx="0" cy="0"/>
+          <a:chOff x="0" y="0"/>
+          <a:chExt cx="0" cy="0"/>
+        </a:xfrm>
+      </p:grpSpPr>
+      <p:sp>
+        <p:nvSpPr>
+          <p:cNvPr id="2" name="슬라이드 이미지 개체 틀 1">
+            <a:extLst>
+              <a:ext uri="{FF2B5EF4-FFF2-40B4-BE49-F238E27FC236}">
+                <a16:creationId xmlns:a16="http://schemas.microsoft.com/office/drawing/2014/main" id="{3BF45ABC-D864-A051-CD99-CAFE932D3DC5}"/>
+              </a:ext>
+            </a:extLst>
+          </p:cNvPr>
+          <p:cNvSpPr>
+            <a:spLocks noGrp="1" noRot="1" noChangeAspect="1"/>
+          </p:cNvSpPr>
+          <p:nvPr>
+            <p:ph type="sldImg"/>
+          </p:nvPr>
+        </p:nvSpPr>
+        <p:spPr/>
+      </p:sp>
+      <p:sp>
+        <p:nvSpPr>
+          <p:cNvPr id="3" name="슬라이드 노트 개체 틀 2">
+            <a:extLst>
+              <a:ext uri="{FF2B5EF4-FFF2-40B4-BE49-F238E27FC236}">
+                <a16:creationId xmlns:a16="http://schemas.microsoft.com/office/drawing/2014/main" id="{CB941332-38E3-900D-7857-B04BC4C540BE}"/>
+              </a:ext>
+            </a:extLst>
+          </p:cNvPr>
+          <p:cNvSpPr>
+            <a:spLocks noGrp="1"/>
+          </p:cNvSpPr>
+          <p:nvPr>
+            <p:ph type="body" idx="1"/>
+          </p:nvPr>
+        </p:nvSpPr>
+        <p:spPr/>
+        <p:txBody>
+          <a:bodyPr/>
+          <a:lstStyle/>
+          <a:p>
+            <a:endParaRPr lang="ko-KR" altLang="en-US" dirty="0"/>
+          </a:p>
+        </p:txBody>
+      </p:sp>
+      <p:sp>
+        <p:nvSpPr>
+          <p:cNvPr id="4" name="슬라이드 번호 개체 틀 3">
+            <a:extLst>
+              <a:ext uri="{FF2B5EF4-FFF2-40B4-BE49-F238E27FC236}">
+                <a16:creationId xmlns:a16="http://schemas.microsoft.com/office/drawing/2014/main" id="{799866E6-F1FC-07B9-68DA-050AF91EFFDC}"/>
+              </a:ext>
+            </a:extLst>
+          </p:cNvPr>
+          <p:cNvSpPr>
+            <a:spLocks noGrp="1"/>
+          </p:cNvSpPr>
+          <p:nvPr>
+            <p:ph type="sldNum" sz="quarter" idx="5"/>
+          </p:nvPr>
+        </p:nvSpPr>
+        <p:spPr/>
+        <p:txBody>
+          <a:bodyPr/>
+          <a:lstStyle/>
+          <a:p>
+            <a:fld id="{0098AE32-E7AE-48A5-9392-CCB4D2CF538A}" type="slidenum">
+              <a:rPr lang="ko-KR" altLang="en-US" smtClean="0"/>
+              <a:t>5</a:t>
+            </a:fld>
+            <a:endParaRPr lang="ko-KR" altLang="en-US"/>
+          </a:p>
+        </p:txBody>
+      </p:sp>
+    </p:spTree>
+    <p:extLst>
+      <p:ext uri="{BB962C8B-B14F-4D97-AF65-F5344CB8AC3E}">
+        <p14:creationId xmlns:p14="http://schemas.microsoft.com/office/powerpoint/2010/main" val="343592086"/>
+      </p:ext>
+    </p:extLst>
+  </p:cSld>
+  <p:clrMapOvr>
+    <a:masterClrMapping/>
+  </p:clrMapOvr>
+</p:notes>
+</file>
+
+<file path=ppt/notesSlides/notesSlide6.xml><?xml version="1.0" encoding="utf-8"?>
+<p:notes xmlns:a="http://schemas.openxmlformats.org/drawingml/2006/main" xmlns:r="http://schemas.openxmlformats.org/officeDocument/2006/relationships" xmlns:p="http://schemas.openxmlformats.org/presentationml/2006/main">
+  <p:cSld>
+    <p:spTree>
+      <p:nvGrpSpPr>
+        <p:cNvPr id="1" name="">
+          <a:extLst>
+            <a:ext uri="{FF2B5EF4-FFF2-40B4-BE49-F238E27FC236}">
+              <a16:creationId xmlns:a16="http://schemas.microsoft.com/office/drawing/2014/main" id="{368CCDCF-AF50-3F5C-E694-ABC01B218256}"/>
+            </a:ext>
+          </a:extLst>
+        </p:cNvPr>
+        <p:cNvGrpSpPr/>
+        <p:nvPr/>
+      </p:nvGrpSpPr>
+      <p:grpSpPr>
+        <a:xfrm>
+          <a:off x="0" y="0"/>
+          <a:ext cx="0" cy="0"/>
+          <a:chOff x="0" y="0"/>
+          <a:chExt cx="0" cy="0"/>
+        </a:xfrm>
+      </p:grpSpPr>
+      <p:sp>
+        <p:nvSpPr>
+          <p:cNvPr id="2" name="슬라이드 이미지 개체 틀 1">
+            <a:extLst>
+              <a:ext uri="{FF2B5EF4-FFF2-40B4-BE49-F238E27FC236}">
+                <a16:creationId xmlns:a16="http://schemas.microsoft.com/office/drawing/2014/main" id="{9D284E67-05D9-99AC-3247-A49858367F70}"/>
+              </a:ext>
+            </a:extLst>
+          </p:cNvPr>
+          <p:cNvSpPr>
+            <a:spLocks noGrp="1" noRot="1" noChangeAspect="1"/>
+          </p:cNvSpPr>
+          <p:nvPr>
+            <p:ph type="sldImg"/>
+          </p:nvPr>
+        </p:nvSpPr>
+        <p:spPr/>
+      </p:sp>
+      <p:sp>
+        <p:nvSpPr>
+          <p:cNvPr id="3" name="슬라이드 노트 개체 틀 2">
+            <a:extLst>
+              <a:ext uri="{FF2B5EF4-FFF2-40B4-BE49-F238E27FC236}">
+                <a16:creationId xmlns:a16="http://schemas.microsoft.com/office/drawing/2014/main" id="{F2A1C473-F509-C3DE-542F-DE9AD1A39BDF}"/>
+              </a:ext>
+            </a:extLst>
+          </p:cNvPr>
+          <p:cNvSpPr>
+            <a:spLocks noGrp="1"/>
+          </p:cNvSpPr>
+          <p:nvPr>
+            <p:ph type="body" idx="1"/>
+          </p:nvPr>
+        </p:nvSpPr>
+        <p:spPr/>
+        <p:txBody>
+          <a:bodyPr/>
+          <a:lstStyle/>
+          <a:p>
+            <a:endParaRPr lang="ko-KR" altLang="en-US" dirty="0"/>
+          </a:p>
+        </p:txBody>
+      </p:sp>
+      <p:sp>
+        <p:nvSpPr>
+          <p:cNvPr id="4" name="슬라이드 번호 개체 틀 3">
+            <a:extLst>
+              <a:ext uri="{FF2B5EF4-FFF2-40B4-BE49-F238E27FC236}">
+                <a16:creationId xmlns:a16="http://schemas.microsoft.com/office/drawing/2014/main" id="{A9419462-84B4-28A6-DB3B-998950A377D1}"/>
+              </a:ext>
+            </a:extLst>
+          </p:cNvPr>
+          <p:cNvSpPr>
+            <a:spLocks noGrp="1"/>
+          </p:cNvSpPr>
+          <p:nvPr>
+            <p:ph type="sldNum" sz="quarter" idx="5"/>
+          </p:nvPr>
+        </p:nvSpPr>
+        <p:spPr/>
+        <p:txBody>
+          <a:bodyPr/>
+          <a:lstStyle/>
+          <a:p>
+            <a:fld id="{0098AE32-E7AE-48A5-9392-CCB4D2CF538A}" type="slidenum">
+              <a:rPr lang="ko-KR" altLang="en-US" smtClean="0"/>
+              <a:t>6</a:t>
+            </a:fld>
+            <a:endParaRPr lang="ko-KR" altLang="en-US"/>
+          </a:p>
+        </p:txBody>
+      </p:sp>
+    </p:spTree>
+    <p:extLst>
+      <p:ext uri="{BB962C8B-B14F-4D97-AF65-F5344CB8AC3E}">
+        <p14:creationId xmlns:p14="http://schemas.microsoft.com/office/powerpoint/2010/main" val="257321211"/>
       </p:ext>
     </p:extLst>
   </p:cSld>
@@ -696,7 +1216,7 @@
           <a:p>
             <a:fld id="{36209A1A-9265-4240-B6C3-FDC5AC5FF33D}" type="datetimeFigureOut">
               <a:rPr lang="ko-KR" altLang="en-US" smtClean="0"/>
-              <a:t>2025-12-09</a:t>
+              <a:t>2025-12-10</a:t>
             </a:fld>
             <a:endParaRPr lang="ko-KR" altLang="en-US"/>
           </a:p>
@@ -894,7 +1414,7 @@
           <a:p>
             <a:fld id="{36209A1A-9265-4240-B6C3-FDC5AC5FF33D}" type="datetimeFigureOut">
               <a:rPr lang="ko-KR" altLang="en-US" smtClean="0"/>
-              <a:t>2025-12-09</a:t>
+              <a:t>2025-12-10</a:t>
             </a:fld>
             <a:endParaRPr lang="ko-KR" altLang="en-US"/>
           </a:p>
@@ -1102,7 +1622,7 @@
           <a:p>
             <a:fld id="{36209A1A-9265-4240-B6C3-FDC5AC5FF33D}" type="datetimeFigureOut">
               <a:rPr lang="ko-KR" altLang="en-US" smtClean="0"/>
-              <a:t>2025-12-09</a:t>
+              <a:t>2025-12-10</a:t>
             </a:fld>
             <a:endParaRPr lang="ko-KR" altLang="en-US"/>
           </a:p>
@@ -1300,7 +1820,7 @@
           <a:p>
             <a:fld id="{36209A1A-9265-4240-B6C3-FDC5AC5FF33D}" type="datetimeFigureOut">
               <a:rPr lang="ko-KR" altLang="en-US" smtClean="0"/>
-              <a:t>2025-12-09</a:t>
+              <a:t>2025-12-10</a:t>
             </a:fld>
             <a:endParaRPr lang="ko-KR" altLang="en-US"/>
           </a:p>
@@ -1575,7 +2095,7 @@
           <a:p>
             <a:fld id="{36209A1A-9265-4240-B6C3-FDC5AC5FF33D}" type="datetimeFigureOut">
               <a:rPr lang="ko-KR" altLang="en-US" smtClean="0"/>
-              <a:t>2025-12-09</a:t>
+              <a:t>2025-12-10</a:t>
             </a:fld>
             <a:endParaRPr lang="ko-KR" altLang="en-US"/>
           </a:p>
@@ -1840,7 +2360,7 @@
           <a:p>
             <a:fld id="{36209A1A-9265-4240-B6C3-FDC5AC5FF33D}" type="datetimeFigureOut">
               <a:rPr lang="ko-KR" altLang="en-US" smtClean="0"/>
-              <a:t>2025-12-09</a:t>
+              <a:t>2025-12-10</a:t>
             </a:fld>
             <a:endParaRPr lang="ko-KR" altLang="en-US"/>
           </a:p>
@@ -2252,7 +2772,7 @@
           <a:p>
             <a:fld id="{36209A1A-9265-4240-B6C3-FDC5AC5FF33D}" type="datetimeFigureOut">
               <a:rPr lang="ko-KR" altLang="en-US" smtClean="0"/>
-              <a:t>2025-12-09</a:t>
+              <a:t>2025-12-10</a:t>
             </a:fld>
             <a:endParaRPr lang="ko-KR" altLang="en-US"/>
           </a:p>
@@ -2393,7 +2913,7 @@
           <a:p>
             <a:fld id="{36209A1A-9265-4240-B6C3-FDC5AC5FF33D}" type="datetimeFigureOut">
               <a:rPr lang="ko-KR" altLang="en-US" smtClean="0"/>
-              <a:t>2025-12-09</a:t>
+              <a:t>2025-12-10</a:t>
             </a:fld>
             <a:endParaRPr lang="ko-KR" altLang="en-US"/>
           </a:p>
@@ -2506,7 +3026,7 @@
           <a:p>
             <a:fld id="{36209A1A-9265-4240-B6C3-FDC5AC5FF33D}" type="datetimeFigureOut">
               <a:rPr lang="ko-KR" altLang="en-US" smtClean="0"/>
-              <a:t>2025-12-09</a:t>
+              <a:t>2025-12-10</a:t>
             </a:fld>
             <a:endParaRPr lang="ko-KR" altLang="en-US"/>
           </a:p>
@@ -2817,7 +3337,7 @@
           <a:p>
             <a:fld id="{36209A1A-9265-4240-B6C3-FDC5AC5FF33D}" type="datetimeFigureOut">
               <a:rPr lang="ko-KR" altLang="en-US" smtClean="0"/>
-              <a:t>2025-12-09</a:t>
+              <a:t>2025-12-10</a:t>
             </a:fld>
             <a:endParaRPr lang="ko-KR" altLang="en-US"/>
           </a:p>
@@ -3105,7 +3625,7 @@
           <a:p>
             <a:fld id="{36209A1A-9265-4240-B6C3-FDC5AC5FF33D}" type="datetimeFigureOut">
               <a:rPr lang="ko-KR" altLang="en-US" smtClean="0"/>
-              <a:t>2025-12-09</a:t>
+              <a:t>2025-12-10</a:t>
             </a:fld>
             <a:endParaRPr lang="ko-KR" altLang="en-US"/>
           </a:p>
@@ -3182,7 +3702,7 @@
 <p:sldMaster xmlns:a="http://schemas.openxmlformats.org/drawingml/2006/main" xmlns:r="http://schemas.openxmlformats.org/officeDocument/2006/relationships" xmlns:p="http://schemas.openxmlformats.org/presentationml/2006/main">
   <p:cSld>
     <p:bg>
-      <p:bgRef idx="1001">
+      <p:bgRef idx="1003">
         <a:schemeClr val="bg1"/>
       </p:bgRef>
     </p:bg>
@@ -3346,7 +3866,7 @@
           <a:p>
             <a:fld id="{36209A1A-9265-4240-B6C3-FDC5AC5FF33D}" type="datetimeFigureOut">
               <a:rPr lang="ko-KR" altLang="en-US" smtClean="0"/>
-              <a:t>2025-12-09</a:t>
+              <a:t>2025-12-10</a:t>
             </a:fld>
             <a:endParaRPr lang="ko-KR" altLang="en-US"/>
           </a:p>
@@ -3449,7 +3969,7 @@
       </p:ext>
     </p:extLst>
   </p:cSld>
-  <p:clrMap bg1="lt1" tx1="dk1" bg2="lt2" tx2="dk2" accent1="accent1" accent2="accent2" accent3="accent3" accent4="accent4" accent5="accent5" accent6="accent6" hlink="hlink" folHlink="folHlink"/>
+  <p:clrMap bg1="dk1" tx1="lt1" bg2="dk2" tx2="lt2" accent1="accent1" accent2="accent2" accent3="accent3" accent4="accent4" accent5="accent5" accent6="accent6" hlink="hlink" folHlink="folHlink"/>
   <p:sldLayoutIdLst>
     <p:sldLayoutId id="2147483649" r:id="rId1"/>
     <p:sldLayoutId id="2147483650" r:id="rId2"/>
@@ -3751,6 +4271,298 @@
   <p:cSld>
     <p:spTree>
       <p:nvGrpSpPr>
+        <p:cNvPr id="1" name="">
+          <a:extLst>
+            <a:ext uri="{FF2B5EF4-FFF2-40B4-BE49-F238E27FC236}">
+              <a16:creationId xmlns:a16="http://schemas.microsoft.com/office/drawing/2014/main" id="{6760D866-960D-BB98-E567-A212C87CDE5D}"/>
+            </a:ext>
+          </a:extLst>
+        </p:cNvPr>
+        <p:cNvGrpSpPr/>
+        <p:nvPr/>
+      </p:nvGrpSpPr>
+      <p:grpSpPr>
+        <a:xfrm>
+          <a:off x="0" y="0"/>
+          <a:ext cx="0" cy="0"/>
+          <a:chOff x="0" y="0"/>
+          <a:chExt cx="0" cy="0"/>
+        </a:xfrm>
+      </p:grpSpPr>
+      <p:sp>
+        <p:nvSpPr>
+          <p:cNvPr id="3" name="TextBox 2">
+            <a:extLst>
+              <a:ext uri="{FF2B5EF4-FFF2-40B4-BE49-F238E27FC236}">
+                <a16:creationId xmlns:a16="http://schemas.microsoft.com/office/drawing/2014/main" id="{9EF3DAEB-06FC-47EE-A2B6-67730988918D}"/>
+              </a:ext>
+            </a:extLst>
+          </p:cNvPr>
+          <p:cNvSpPr txBox="1"/>
+          <p:nvPr/>
+        </p:nvSpPr>
+        <p:spPr>
+          <a:xfrm>
+            <a:off x="0" y="3059668"/>
+            <a:ext cx="12192000" cy="400110"/>
+          </a:xfrm>
+          <a:prstGeom prst="rect">
+            <a:avLst/>
+          </a:prstGeom>
+          <a:noFill/>
+        </p:spPr>
+        <p:txBody>
+          <a:bodyPr wrap="square" rtlCol="0">
+            <a:spAutoFit/>
+          </a:bodyPr>
+          <a:lstStyle/>
+          <a:p>
+            <a:pPr algn="ctr"/>
+            <a:r>
+              <a:rPr lang="ko-KR" altLang="en-US" sz="2000" b="1" dirty="0"/>
+              <a:t>실시간 고주파 센서</a:t>
+            </a:r>
+            <a:r>
+              <a:rPr lang="en-US" altLang="ko-KR" sz="2000" b="1" dirty="0"/>
+              <a:t>·</a:t>
+            </a:r>
+            <a:r>
+              <a:rPr lang="ko-KR" altLang="en-US" sz="2000" b="1" dirty="0"/>
+              <a:t>제어 루프 처리를 위한 </a:t>
+            </a:r>
+            <a:r>
+              <a:rPr lang="ko-KR" altLang="en-US" sz="2000" b="1" dirty="0" err="1"/>
+              <a:t>드론</a:t>
+            </a:r>
+            <a:r>
+              <a:rPr lang="ko-KR" altLang="en-US" sz="2000" b="1" dirty="0"/>
+              <a:t> 시뮬레이션 플랫폼</a:t>
+            </a:r>
+            <a:endParaRPr lang="ko-KR" altLang="en-US" sz="2000" b="1" dirty="0">
+              <a:latin typeface="+mj-lt"/>
+            </a:endParaRPr>
+          </a:p>
+        </p:txBody>
+      </p:sp>
+      <p:sp>
+        <p:nvSpPr>
+          <p:cNvPr id="2" name="TextBox 1">
+            <a:extLst>
+              <a:ext uri="{FF2B5EF4-FFF2-40B4-BE49-F238E27FC236}">
+                <a16:creationId xmlns:a16="http://schemas.microsoft.com/office/drawing/2014/main" id="{1873F874-25EC-3F37-2025-19D2EBEA48CF}"/>
+              </a:ext>
+            </a:extLst>
+          </p:cNvPr>
+          <p:cNvSpPr txBox="1"/>
+          <p:nvPr/>
+        </p:nvSpPr>
+        <p:spPr>
+          <a:xfrm>
+            <a:off x="10483850" y="6581001"/>
+            <a:ext cx="1708150" cy="276999"/>
+          </a:xfrm>
+          <a:prstGeom prst="rect">
+            <a:avLst/>
+          </a:prstGeom>
+          <a:noFill/>
+        </p:spPr>
+        <p:txBody>
+          <a:bodyPr wrap="square" rtlCol="0">
+            <a:spAutoFit/>
+          </a:bodyPr>
+          <a:lstStyle/>
+          <a:p>
+            <a:pPr algn="ctr"/>
+            <a:r>
+              <a:rPr lang="en-US" altLang="ko-KR" sz="1200" dirty="0"/>
+              <a:t>2025. 12. 10</a:t>
+            </a:r>
+            <a:endParaRPr lang="ko-KR" altLang="en-US" sz="1200" dirty="0"/>
+          </a:p>
+        </p:txBody>
+      </p:sp>
+    </p:spTree>
+    <p:extLst>
+      <p:ext uri="{BB962C8B-B14F-4D97-AF65-F5344CB8AC3E}">
+        <p14:creationId xmlns:p14="http://schemas.microsoft.com/office/powerpoint/2010/main" val="2224488682"/>
+      </p:ext>
+    </p:extLst>
+  </p:cSld>
+  <p:clrMapOvr>
+    <a:masterClrMapping/>
+  </p:clrMapOvr>
+</p:sld>
+</file>
+
+<file path=ppt/slides/slide2.xml><?xml version="1.0" encoding="utf-8"?>
+<p:sld xmlns:a="http://schemas.openxmlformats.org/drawingml/2006/main" xmlns:r="http://schemas.openxmlformats.org/officeDocument/2006/relationships" xmlns:p="http://schemas.openxmlformats.org/presentationml/2006/main">
+  <p:cSld>
+    <p:spTree>
+      <p:nvGrpSpPr>
+        <p:cNvPr id="1" name="">
+          <a:extLst>
+            <a:ext uri="{FF2B5EF4-FFF2-40B4-BE49-F238E27FC236}">
+              <a16:creationId xmlns:a16="http://schemas.microsoft.com/office/drawing/2014/main" id="{8A29F936-E10C-0132-BD2B-2A37F6EE1073}"/>
+            </a:ext>
+          </a:extLst>
+        </p:cNvPr>
+        <p:cNvGrpSpPr/>
+        <p:nvPr/>
+      </p:nvGrpSpPr>
+      <p:grpSpPr>
+        <a:xfrm>
+          <a:off x="0" y="0"/>
+          <a:ext cx="0" cy="0"/>
+          <a:chOff x="0" y="0"/>
+          <a:chExt cx="0" cy="0"/>
+        </a:xfrm>
+      </p:grpSpPr>
+      <p:sp>
+        <p:nvSpPr>
+          <p:cNvPr id="2" name="TextBox 1">
+            <a:extLst>
+              <a:ext uri="{FF2B5EF4-FFF2-40B4-BE49-F238E27FC236}">
+                <a16:creationId xmlns:a16="http://schemas.microsoft.com/office/drawing/2014/main" id="{3C0D8605-EF16-2F55-32A4-F749B94F29A5}"/>
+              </a:ext>
+            </a:extLst>
+          </p:cNvPr>
+          <p:cNvSpPr txBox="1"/>
+          <p:nvPr/>
+        </p:nvSpPr>
+        <p:spPr>
+          <a:xfrm>
+            <a:off x="1212850" y="965200"/>
+            <a:ext cx="5080000" cy="3693319"/>
+          </a:xfrm>
+          <a:prstGeom prst="rect">
+            <a:avLst/>
+          </a:prstGeom>
+          <a:noFill/>
+        </p:spPr>
+        <p:txBody>
+          <a:bodyPr wrap="square" rtlCol="0">
+            <a:spAutoFit/>
+          </a:bodyPr>
+          <a:lstStyle/>
+          <a:p>
+            <a:r>
+              <a:rPr lang="ko-KR" altLang="en-US" b="1" dirty="0"/>
+              <a:t>목차</a:t>
+            </a:r>
+            <a:endParaRPr lang="en-US" altLang="ko-KR" b="1" dirty="0"/>
+          </a:p>
+          <a:p>
+            <a:endParaRPr lang="en-US" altLang="ko-KR" dirty="0"/>
+          </a:p>
+          <a:p>
+            <a:pPr marL="342900" indent="-342900">
+              <a:buAutoNum type="arabicPeriod"/>
+            </a:pPr>
+            <a:r>
+              <a:rPr lang="ko-KR" altLang="en-US" dirty="0"/>
+              <a:t>기술의 배경</a:t>
+            </a:r>
+            <a:endParaRPr lang="en-US" altLang="ko-KR" dirty="0"/>
+          </a:p>
+          <a:p>
+            <a:pPr marL="342900" indent="-342900">
+              <a:buAutoNum type="arabicPeriod"/>
+            </a:pPr>
+            <a:endParaRPr lang="en-US" altLang="ko-KR" dirty="0"/>
+          </a:p>
+          <a:p>
+            <a:pPr marL="342900" indent="-342900">
+              <a:buAutoNum type="arabicPeriod"/>
+            </a:pPr>
+            <a:r>
+              <a:rPr lang="ko-KR" altLang="en-US" dirty="0"/>
+              <a:t>문제점</a:t>
+            </a:r>
+            <a:endParaRPr lang="en-US" altLang="ko-KR" dirty="0"/>
+          </a:p>
+          <a:p>
+            <a:pPr marL="342900" indent="-342900">
+              <a:buAutoNum type="arabicPeriod"/>
+            </a:pPr>
+            <a:endParaRPr lang="en-US" altLang="ko-KR" dirty="0"/>
+          </a:p>
+          <a:p>
+            <a:pPr marL="342900" indent="-342900">
+              <a:buAutoNum type="arabicPeriod"/>
+            </a:pPr>
+            <a:r>
+              <a:rPr lang="ko-KR" altLang="en-US" dirty="0"/>
+              <a:t>연구의 목적</a:t>
+            </a:r>
+            <a:endParaRPr lang="en-US" altLang="ko-KR" dirty="0"/>
+          </a:p>
+          <a:p>
+            <a:pPr marL="342900" indent="-342900">
+              <a:buAutoNum type="arabicPeriod"/>
+            </a:pPr>
+            <a:endParaRPr lang="en-US" altLang="ko-KR" dirty="0"/>
+          </a:p>
+          <a:p>
+            <a:pPr marL="342900" indent="-342900">
+              <a:buAutoNum type="arabicPeriod"/>
+            </a:pPr>
+            <a:r>
+              <a:rPr lang="ko-KR" altLang="en-US" dirty="0"/>
+              <a:t>시뮬레이터 설계</a:t>
+            </a:r>
+            <a:endParaRPr lang="en-US" altLang="ko-KR" dirty="0"/>
+          </a:p>
+          <a:p>
+            <a:pPr marL="342900" indent="-342900">
+              <a:buAutoNum type="arabicPeriod"/>
+            </a:pPr>
+            <a:endParaRPr lang="en-US" altLang="ko-KR" dirty="0"/>
+          </a:p>
+          <a:p>
+            <a:pPr marL="342900" indent="-342900">
+              <a:buAutoNum type="arabicPeriod"/>
+            </a:pPr>
+            <a:r>
+              <a:rPr lang="ko-KR" altLang="en-US" dirty="0"/>
+              <a:t>실험결과</a:t>
+            </a:r>
+            <a:endParaRPr lang="en-US" altLang="ko-KR" dirty="0"/>
+          </a:p>
+          <a:p>
+            <a:pPr marL="342900" indent="-342900">
+              <a:buAutoNum type="arabicPeriod"/>
+            </a:pPr>
+            <a:endParaRPr lang="en-US" altLang="ko-KR" dirty="0"/>
+          </a:p>
+          <a:p>
+            <a:pPr marL="342900" indent="-342900">
+              <a:buAutoNum type="arabicPeriod"/>
+            </a:pPr>
+            <a:r>
+              <a:rPr lang="ko-KR" altLang="en-US" dirty="0"/>
+              <a:t>결론</a:t>
+            </a:r>
+          </a:p>
+        </p:txBody>
+      </p:sp>
+    </p:spTree>
+    <p:extLst>
+      <p:ext uri="{BB962C8B-B14F-4D97-AF65-F5344CB8AC3E}">
+        <p14:creationId xmlns:p14="http://schemas.microsoft.com/office/powerpoint/2010/main" val="1507531874"/>
+      </p:ext>
+    </p:extLst>
+  </p:cSld>
+  <p:clrMapOvr>
+    <a:masterClrMapping/>
+  </p:clrMapOvr>
+</p:sld>
+</file>
+
+<file path=ppt/slides/slide3.xml><?xml version="1.0" encoding="utf-8"?>
+<p:sld xmlns:a="http://schemas.openxmlformats.org/drawingml/2006/main" xmlns:r="http://schemas.openxmlformats.org/officeDocument/2006/relationships" xmlns:p="http://schemas.openxmlformats.org/presentationml/2006/main">
+  <p:cSld>
+    <p:spTree>
+      <p:nvGrpSpPr>
         <p:cNvPr id="1" name=""/>
         <p:cNvGrpSpPr/>
         <p:nvPr/>
@@ -3777,8 +4589,8 @@
         </p:nvSpPr>
         <p:spPr>
           <a:xfrm>
-            <a:off x="422746" y="389942"/>
-            <a:ext cx="6966662" cy="369332"/>
+            <a:off x="394735" y="173013"/>
+            <a:ext cx="11302928" cy="369332"/>
           </a:xfrm>
           <a:prstGeom prst="rect">
             <a:avLst/>
@@ -3807,11 +4619,13 @@
               <a:rPr lang="en-US" altLang="ko-KR" b="1" dirty="0">
                 <a:latin typeface="+mj-lt"/>
               </a:rPr>
-              <a:t>- </a:t>
-            </a:r>
-            <a:r>
-              <a:rPr lang="ko-KR" altLang="en-US" b="1" dirty="0" err="1"/>
-              <a:t>쿼드콥터</a:t>
+              <a:t>– </a:t>
+            </a:r>
+            <a:r>
+              <a:rPr lang="ko-KR" altLang="en-US" b="1" dirty="0" err="1">
+                <a:latin typeface="+mj-lt"/>
+              </a:rPr>
+              <a:t>드론</a:t>
             </a:r>
             <a:r>
               <a:rPr lang="ko-KR" altLang="en-US" b="1" dirty="0"/>
@@ -3834,7 +4648,7 @@
         </p:nvSpPr>
         <p:spPr>
           <a:xfrm>
-            <a:off x="493616" y="1116700"/>
+            <a:off x="465605" y="865257"/>
             <a:ext cx="1861169" cy="809203"/>
           </a:xfrm>
           <a:prstGeom prst="rect">
@@ -3893,7 +4707,7 @@
         </p:nvSpPr>
         <p:spPr>
           <a:xfrm>
-            <a:off x="3551057" y="1116699"/>
+            <a:off x="3523046" y="865256"/>
             <a:ext cx="1861169" cy="809203"/>
           </a:xfrm>
           <a:prstGeom prst="rect">
@@ -3956,7 +4770,7 @@
         </p:nvCxnSpPr>
         <p:spPr>
           <a:xfrm flipV="1">
-            <a:off x="2354785" y="1521301"/>
+            <a:off x="2326774" y="1269858"/>
             <a:ext cx="1196272" cy="1"/>
           </a:xfrm>
           <a:prstGeom prst="straightConnector1">
@@ -3995,7 +4809,7 @@
         </p:nvSpPr>
         <p:spPr>
           <a:xfrm>
-            <a:off x="6721786" y="1116698"/>
+            <a:off x="6693775" y="865255"/>
             <a:ext cx="1861170" cy="809203"/>
           </a:xfrm>
           <a:prstGeom prst="rect">
@@ -4050,7 +4864,7 @@
         </p:nvCxnSpPr>
         <p:spPr>
           <a:xfrm flipV="1">
-            <a:off x="5412226" y="1521300"/>
+            <a:off x="5384215" y="1269857"/>
             <a:ext cx="1309560" cy="1"/>
           </a:xfrm>
           <a:prstGeom prst="straightConnector1">
@@ -4089,7 +4903,7 @@
         </p:nvSpPr>
         <p:spPr>
           <a:xfrm>
-            <a:off x="2469085" y="1209029"/>
+            <a:off x="2441074" y="957586"/>
             <a:ext cx="962952" cy="276999"/>
           </a:xfrm>
           <a:prstGeom prst="rect">
@@ -4126,7 +4940,7 @@
         </p:nvSpPr>
         <p:spPr>
           <a:xfrm>
-            <a:off x="5582156" y="1209029"/>
+            <a:off x="5554145" y="957586"/>
             <a:ext cx="962952" cy="276999"/>
           </a:xfrm>
           <a:prstGeom prst="rect">
@@ -4163,7 +4977,7 @@
         </p:nvSpPr>
         <p:spPr>
           <a:xfrm>
-            <a:off x="493615" y="1925901"/>
+            <a:off x="465604" y="1674458"/>
             <a:ext cx="1861170" cy="276999"/>
           </a:xfrm>
           <a:prstGeom prst="rect">
@@ -4206,7 +5020,7 @@
         </p:nvSpPr>
         <p:spPr>
           <a:xfrm>
-            <a:off x="3551057" y="1925902"/>
+            <a:off x="3523046" y="1674459"/>
             <a:ext cx="1861170" cy="276999"/>
           </a:xfrm>
           <a:prstGeom prst="rect">
@@ -4242,7 +5056,7 @@
         </p:nvSpPr>
         <p:spPr>
           <a:xfrm>
-            <a:off x="9892515" y="1115218"/>
+            <a:off x="9864504" y="863775"/>
             <a:ext cx="1861170" cy="809203"/>
           </a:xfrm>
           <a:prstGeom prst="rect">
@@ -4292,7 +5106,7 @@
         </p:nvCxnSpPr>
         <p:spPr>
           <a:xfrm>
-            <a:off x="8596442" y="1519820"/>
+            <a:off x="8568431" y="1268377"/>
             <a:ext cx="1296073" cy="0"/>
           </a:xfrm>
           <a:prstGeom prst="straightConnector1">
@@ -4331,7 +5145,7 @@
         </p:nvSpPr>
         <p:spPr>
           <a:xfrm>
-            <a:off x="8609929" y="1209030"/>
+            <a:off x="8581918" y="957587"/>
             <a:ext cx="1255614" cy="276998"/>
           </a:xfrm>
           <a:prstGeom prst="rect">
@@ -4368,7 +5182,7 @@
         </p:nvSpPr>
         <p:spPr>
           <a:xfrm>
-            <a:off x="6721786" y="1925902"/>
+            <a:off x="6693775" y="1674459"/>
             <a:ext cx="1861170" cy="276999"/>
           </a:xfrm>
           <a:prstGeom prst="rect">
@@ -4404,7 +5218,7 @@
         </p:nvSpPr>
         <p:spPr>
           <a:xfrm>
-            <a:off x="9892515" y="1924421"/>
+            <a:off x="9864504" y="1672978"/>
             <a:ext cx="1861170" cy="276999"/>
           </a:xfrm>
           <a:prstGeom prst="rect">
@@ -4437,8 +5251,8 @@
         </p:nvSpPr>
         <p:spPr>
           <a:xfrm>
-            <a:off x="398159" y="2395539"/>
-            <a:ext cx="11330939" cy="584775"/>
+            <a:off x="394735" y="2205180"/>
+            <a:ext cx="11330939" cy="1107996"/>
           </a:xfrm>
           <a:prstGeom prst="rect">
             <a:avLst/>
@@ -4453,7 +5267,7 @@
           <a:p>
             <a:r>
               <a:rPr lang="ko-KR" altLang="en-US" sz="1600" dirty="0"/>
-              <a:t>실제 </a:t>
+              <a:t> </a:t>
             </a:r>
             <a:r>
               <a:rPr lang="en-US" altLang="ko-KR" sz="1600" dirty="0"/>
@@ -4461,7 +5275,7 @@
             </a:r>
             <a:r>
               <a:rPr lang="ko-KR" altLang="en-US" sz="1600" dirty="0"/>
-              <a:t>가 </a:t>
+              <a:t>센서는 </a:t>
             </a:r>
             <a:r>
               <a:rPr lang="en-US" altLang="ko-KR" sz="1600" dirty="0"/>
@@ -4469,7 +5283,15 @@
             </a:r>
             <a:r>
               <a:rPr lang="ko-KR" altLang="en-US" sz="1600" dirty="0"/>
-              <a:t>의 고주파로 동작하기 때문에</a:t>
+              <a:t>의 고속 </a:t>
+            </a:r>
+            <a:r>
+              <a:rPr lang="en-US" altLang="ko-KR" sz="1600" dirty="0"/>
+              <a:t>ODR</a:t>
+            </a:r>
+            <a:r>
+              <a:rPr lang="ko-KR" altLang="en-US" sz="1600" dirty="0"/>
+              <a:t>로 동작하며</a:t>
             </a:r>
             <a:r>
               <a:rPr lang="en-US" altLang="ko-KR" sz="1600" dirty="0"/>
@@ -4477,7 +5299,47 @@
             </a:r>
             <a:r>
               <a:rPr lang="ko-KR" altLang="en-US" sz="1600" dirty="0"/>
-              <a:t>시뮬레이터에서도 최소 </a:t>
+              <a:t>각 </a:t>
+            </a:r>
+            <a:r>
+              <a:rPr lang="en-US" altLang="ko-KR" sz="1600" dirty="0"/>
+              <a:t>Flight Controller</a:t>
+            </a:r>
+            <a:r>
+              <a:rPr lang="ko-KR" altLang="en-US" sz="1600" dirty="0"/>
+              <a:t>의 </a:t>
+            </a:r>
+            <a:r>
+              <a:rPr lang="en-US" altLang="ko-KR" sz="1600" dirty="0"/>
+              <a:t>Firmware</a:t>
+            </a:r>
+            <a:r>
+              <a:rPr lang="ko-KR" altLang="en-US" sz="1600" dirty="0"/>
+              <a:t>는 이에 맞춰 </a:t>
+            </a:r>
+            <a:r>
+              <a:rPr lang="en-US" altLang="ko-KR" sz="1600" dirty="0"/>
+              <a:t>1~32 kHz </a:t>
+            </a:r>
+            <a:r>
+              <a:rPr lang="ko-KR" altLang="en-US" sz="1600" dirty="0"/>
+              <a:t>범위의 </a:t>
+            </a:r>
+            <a:r>
+              <a:rPr lang="en-US" altLang="ko-KR" sz="1600" dirty="0"/>
+              <a:t>IMU(Inertial Measurement Unit) </a:t>
+            </a:r>
+            <a:r>
+              <a:rPr lang="ko-KR" altLang="en-US" sz="1600" dirty="0"/>
+              <a:t>처리 속도를 지원합니다</a:t>
+            </a:r>
+            <a:r>
+              <a:rPr lang="en-US" altLang="ko-KR" sz="1600" dirty="0"/>
+              <a:t>. </a:t>
+            </a:r>
+            <a:r>
+              <a:rPr lang="ko-KR" altLang="en-US" sz="1600" dirty="0"/>
+              <a:t>따라서 시뮬레이터에서도 최소 </a:t>
             </a:r>
             <a:r>
               <a:rPr lang="en-US" altLang="ko-KR" sz="1600" dirty="0"/>
@@ -4493,7 +5355,31 @@
             </a:r>
             <a:r>
               <a:rPr lang="ko-KR" altLang="en-US" sz="1600" dirty="0"/>
-              <a:t>제어 루프를 지원해야 실기체와 동일한 비행을 재현할 수 있습니다</a:t>
+              <a:t>제어 루프가 필요하며</a:t>
+            </a:r>
+            <a:r>
+              <a:rPr lang="en-US" altLang="ko-KR" sz="1600" dirty="0"/>
+              <a:t>, </a:t>
+            </a:r>
+            <a:r>
+              <a:rPr lang="ko-KR" altLang="en-US" sz="1600" dirty="0"/>
+              <a:t>고성능 재현을 위해서는 펌웨어 수준의 고주파 </a:t>
+            </a:r>
+            <a:r>
+              <a:rPr lang="en-US" altLang="ko-KR" sz="1600" dirty="0"/>
+              <a:t>IMU </a:t>
+            </a:r>
+            <a:r>
+              <a:rPr lang="ko-KR" altLang="en-US" sz="1600" dirty="0"/>
+              <a:t>처리</a:t>
+            </a:r>
+            <a:r>
+              <a:rPr lang="en-US" altLang="ko-KR" sz="1600" dirty="0"/>
+              <a:t>(8~32 kHz)</a:t>
+            </a:r>
+            <a:r>
+              <a:rPr lang="ko-KR" altLang="en-US" sz="1600" dirty="0"/>
+              <a:t>를 반영해야 실기체와 동일한 비행 특성을 구현할 수 있습니다</a:t>
             </a:r>
             <a:r>
               <a:rPr lang="en-US" altLang="ko-KR" sz="1600" dirty="0"/>
@@ -4520,14 +5406,14 @@
           <p:nvPr>
             <p:extLst>
               <p:ext uri="{D42A27DB-BD31-4B8C-83A1-F6EECF244321}">
-                <p14:modId xmlns:p14="http://schemas.microsoft.com/office/powerpoint/2010/main" val="2674277964"/>
+                <p14:modId xmlns:p14="http://schemas.microsoft.com/office/powerpoint/2010/main" val="2388585552"/>
               </p:ext>
             </p:extLst>
           </p:nvPr>
         </p:nvGraphicFramePr>
         <p:xfrm>
-          <a:off x="462901" y="3629653"/>
-          <a:ext cx="4146003" cy="1752600"/>
+          <a:off x="459475" y="4000697"/>
+          <a:ext cx="4423675" cy="1569720"/>
         </p:xfrm>
         <a:graphic>
           <a:graphicData uri="http://schemas.openxmlformats.org/drawingml/2006/table">
@@ -4536,14 +5422,14 @@
                 <a:tableStyleId>{5C22544A-7EE6-4342-B048-85BDC9FD1C3A}</a:tableStyleId>
               </a:tblPr>
               <a:tblGrid>
-                <a:gridCol w="1447908">
+                <a:gridCol w="1544879">
                   <a:extLst>
                     <a:ext uri="{9D8B030D-6E8A-4147-A177-3AD203B41FA5}">
                       <a16:colId xmlns:a16="http://schemas.microsoft.com/office/drawing/2014/main" val="3861258388"/>
                     </a:ext>
                   </a:extLst>
                 </a:gridCol>
-                <a:gridCol w="2698095">
+                <a:gridCol w="2878796">
                   <a:extLst>
                     <a:ext uri="{9D8B030D-6E8A-4147-A177-3AD203B41FA5}">
                       <a16:colId xmlns:a16="http://schemas.microsoft.com/office/drawing/2014/main" val="319173569"/>
@@ -4557,13 +5443,16 @@
                     <a:bodyPr/>
                     <a:lstStyle/>
                     <a:p>
-                      <a:pPr algn="ctr" latinLnBrk="1"/>
-                      <a:r>
-                        <a:rPr lang="en-US" altLang="ko-KR" dirty="0"/>
+                      <a:pPr marL="0" indent="0" algn="ctr" latinLnBrk="1">
+                        <a:buFont typeface="+mj-lt"/>
+                        <a:buNone/>
+                      </a:pPr>
+                      <a:r>
+                        <a:rPr lang="en-US" altLang="ko-KR" sz="1200" dirty="0"/>
                         <a:t>IMU</a:t>
                       </a:r>
                       <a:r>
-                        <a:rPr lang="ko-KR" altLang="en-US" dirty="0"/>
+                        <a:rPr lang="ko-KR" altLang="en-US" sz="1200" dirty="0"/>
                         <a:t>센서</a:t>
                       </a:r>
                     </a:p>
@@ -4575,23 +5464,23 @@
                     <a:bodyPr/>
                     <a:lstStyle/>
                     <a:p>
-                      <a:pPr latinLnBrk="1"/>
-                      <a:r>
-                        <a:rPr lang="ko-KR" altLang="en-US" dirty="0"/>
+                      <a:pPr algn="ctr" latinLnBrk="1"/>
+                      <a:r>
+                        <a:rPr lang="ko-KR" altLang="en-US" sz="1200" dirty="0"/>
                         <a:t>최대 샘플링 속도</a:t>
                       </a:r>
                       <a:r>
-                        <a:rPr lang="en-US" altLang="ko-KR" dirty="0"/>
+                        <a:rPr lang="en-US" altLang="ko-KR" sz="1200" dirty="0"/>
                         <a:t>(ODR)</a:t>
                       </a:r>
                     </a:p>
                     <a:p>
-                      <a:pPr latinLnBrk="1"/>
-                      <a:r>
-                        <a:rPr lang="en-US" altLang="ko-KR" dirty="0"/>
+                      <a:pPr algn="ctr" latinLnBrk="1"/>
+                      <a:r>
+                        <a:rPr lang="en-US" altLang="ko-KR" sz="1200" dirty="0"/>
                         <a:t>(Output Data Rate)</a:t>
                       </a:r>
-                      <a:endParaRPr lang="ko-KR" altLang="en-US" dirty="0"/>
+                      <a:endParaRPr lang="ko-KR" altLang="en-US" sz="1200" dirty="0"/>
                     </a:p>
                   </a:txBody>
                   <a:tcPr/>
@@ -4610,10 +5499,10 @@
                     <a:p>
                       <a:pPr algn="ctr" latinLnBrk="1"/>
                       <a:r>
-                        <a:rPr lang="en-US" altLang="ko-KR" sz="1600" dirty="0"/>
+                        <a:rPr lang="en-US" altLang="ko-KR" sz="1200" dirty="0"/>
                         <a:t>MPU–6000</a:t>
                       </a:r>
-                      <a:endParaRPr lang="ko-KR" altLang="en-US" sz="1600" dirty="0"/>
+                      <a:endParaRPr lang="ko-KR" altLang="en-US" sz="1200" dirty="0"/>
                     </a:p>
                   </a:txBody>
                   <a:tcPr/>
@@ -4625,10 +5514,10 @@
                     <a:p>
                       <a:pPr algn="ctr" latinLnBrk="1"/>
                       <a:r>
-                        <a:rPr lang="en-US" altLang="ko-KR" sz="1600" dirty="0"/>
+                        <a:rPr lang="en-US" altLang="ko-KR" sz="1200" dirty="0"/>
                         <a:t>8 kHz</a:t>
                       </a:r>
-                      <a:endParaRPr lang="ko-KR" altLang="en-US" sz="1600" dirty="0"/>
+                      <a:endParaRPr lang="ko-KR" altLang="en-US" sz="1200" dirty="0"/>
                     </a:p>
                   </a:txBody>
                   <a:tcPr/>
@@ -4647,10 +5536,10 @@
                     <a:p>
                       <a:pPr algn="ctr" latinLnBrk="1"/>
                       <a:r>
-                        <a:rPr lang="en-US" altLang="ko-KR" sz="1600" dirty="0"/>
-                        <a:t>ICM-20689</a:t>
-                      </a:r>
-                      <a:endParaRPr lang="ko-KR" altLang="en-US" sz="1600" dirty="0"/>
+                        <a:rPr lang="en-US" altLang="ko-KR" sz="1200" dirty="0"/>
+                        <a:t>ICM-42688p</a:t>
+                      </a:r>
+                      <a:endParaRPr lang="ko-KR" altLang="en-US" sz="1200" dirty="0"/>
                     </a:p>
                   </a:txBody>
                   <a:tcPr/>
@@ -4662,10 +5551,10 @@
                     <a:p>
                       <a:pPr algn="ctr" latinLnBrk="1"/>
                       <a:r>
-                        <a:rPr lang="en-US" altLang="ko-KR" sz="1600" dirty="0"/>
-                        <a:t>8 kHz</a:t>
-                      </a:r>
-                      <a:endParaRPr lang="ko-KR" altLang="en-US" sz="1600" dirty="0"/>
+                        <a:rPr lang="en-US" altLang="ko-KR" sz="1200" dirty="0"/>
+                        <a:t>32 kHz</a:t>
+                      </a:r>
+                      <a:endParaRPr lang="ko-KR" altLang="en-US" sz="1200" dirty="0"/>
                     </a:p>
                   </a:txBody>
                   <a:tcPr/>
@@ -4684,10 +5573,10 @@
                     <a:p>
                       <a:pPr algn="ctr" latinLnBrk="1"/>
                       <a:r>
-                        <a:rPr lang="en-US" altLang="ko-KR" sz="1600" dirty="0"/>
-                        <a:t>ICM-20602</a:t>
-                      </a:r>
-                      <a:endParaRPr lang="ko-KR" altLang="en-US" sz="1600" dirty="0"/>
+                        <a:rPr lang="en-US" altLang="ko-KR" sz="1200" dirty="0"/>
+                        <a:t>ICM-20689</a:t>
+                      </a:r>
+                      <a:endParaRPr lang="ko-KR" altLang="en-US" sz="1200" dirty="0"/>
                     </a:p>
                   </a:txBody>
                   <a:tcPr/>
@@ -4699,10 +5588,10 @@
                     <a:p>
                       <a:pPr algn="ctr" latinLnBrk="1"/>
                       <a:r>
-                        <a:rPr lang="en-US" altLang="ko-KR" sz="1600" dirty="0"/>
-                        <a:t>32 kHz</a:t>
-                      </a:r>
-                      <a:endParaRPr lang="ko-KR" altLang="en-US" sz="1600" dirty="0"/>
+                        <a:rPr lang="en-US" altLang="ko-KR" sz="1200" dirty="0"/>
+                        <a:t>8 kHz</a:t>
+                      </a:r>
+                      <a:endParaRPr lang="ko-KR" altLang="en-US" sz="1200" dirty="0"/>
                     </a:p>
                   </a:txBody>
                   <a:tcPr/>
@@ -4731,8 +5620,8 @@
         </p:nvSpPr>
         <p:spPr>
           <a:xfrm>
-            <a:off x="398161" y="3291099"/>
-            <a:ext cx="4210744" cy="338554"/>
+            <a:off x="459475" y="3672628"/>
+            <a:ext cx="4423675" cy="338554"/>
           </a:xfrm>
           <a:prstGeom prst="rect">
             <a:avLst/>
@@ -4785,7 +5674,7 @@
         </p:nvSpPr>
         <p:spPr>
           <a:xfrm>
-            <a:off x="430530" y="5543719"/>
+            <a:off x="459475" y="5937419"/>
             <a:ext cx="11330939" cy="461665"/>
           </a:xfrm>
           <a:prstGeom prst="rect">
@@ -4848,10 +5737,10 @@
       </p:sp>
       <p:sp>
         <p:nvSpPr>
-          <p:cNvPr id="3" name="TextBox 2">
-            <a:extLst>
-              <a:ext uri="{FF2B5EF4-FFF2-40B4-BE49-F238E27FC236}">
-                <a16:creationId xmlns:a16="http://schemas.microsoft.com/office/drawing/2014/main" id="{E07A8B1A-2753-7920-C857-61C0371288A2}"/>
+          <p:cNvPr id="2" name="TextBox 1">
+            <a:extLst>
+              <a:ext uri="{FF2B5EF4-FFF2-40B4-BE49-F238E27FC236}">
+                <a16:creationId xmlns:a16="http://schemas.microsoft.com/office/drawing/2014/main" id="{7847334D-8D6C-0BBA-0A70-ADEB9A79A7CF}"/>
               </a:ext>
             </a:extLst>
           </p:cNvPr>
@@ -4860,8 +5749,8 @@
         </p:nvSpPr>
         <p:spPr>
           <a:xfrm>
-            <a:off x="0" y="6457890"/>
-            <a:ext cx="6095316" cy="400110"/>
+            <a:off x="5631021" y="3663942"/>
+            <a:ext cx="5847847" cy="338554"/>
           </a:xfrm>
           <a:prstGeom prst="rect">
             <a:avLst/>
@@ -4869,86 +5758,6 @@
           <a:noFill/>
         </p:spPr>
         <p:txBody>
-          <a:bodyPr wrap="square">
-            <a:spAutoFit/>
-          </a:bodyPr>
-          <a:lstStyle/>
-          <a:p>
-            <a:r>
-              <a:rPr lang="en-US" altLang="ko-KR" sz="1000" dirty="0"/>
-              <a:t>[1] </a:t>
-            </a:r>
-            <a:r>
-              <a:rPr lang="en-US" altLang="ko-KR" sz="1000" dirty="0" err="1"/>
-              <a:t>Betaflight</a:t>
-            </a:r>
-            <a:r>
-              <a:rPr lang="en-US" altLang="ko-KR" sz="1000" dirty="0"/>
-              <a:t> default gyro sync 1 kHz (8 k/32 k </a:t>
-            </a:r>
-            <a:r>
-              <a:rPr lang="ko-KR" altLang="en-US" sz="1000" dirty="0"/>
-              <a:t>옵션 지원</a:t>
-            </a:r>
-            <a:r>
-              <a:rPr lang="en-US" altLang="ko-KR" sz="1000" dirty="0"/>
-              <a:t>) </a:t>
-            </a:r>
-          </a:p>
-          <a:p>
-            <a:r>
-              <a:rPr lang="en-US" altLang="ko-KR" sz="1000" dirty="0"/>
-              <a:t>[2] </a:t>
-            </a:r>
-            <a:r>
-              <a:rPr lang="en-US" altLang="ko-KR" sz="1000" dirty="0" err="1"/>
-              <a:t>ArduPilot</a:t>
-            </a:r>
-            <a:r>
-              <a:rPr lang="en-US" altLang="ko-KR" sz="1000" dirty="0"/>
-              <a:t> 4.x Quadcopter </a:t>
-            </a:r>
-            <a:r>
-              <a:rPr lang="ko-KR" altLang="en-US" sz="1000" dirty="0"/>
-              <a:t>기본 </a:t>
-            </a:r>
-            <a:r>
-              <a:rPr lang="en-US" altLang="ko-KR" sz="1000" dirty="0"/>
-              <a:t>1 kHz loop, PX4 1~8 kHz </a:t>
-            </a:r>
-            <a:r>
-              <a:rPr lang="ko-KR" altLang="en-US" sz="1000" dirty="0"/>
-              <a:t>지원</a:t>
-            </a:r>
-            <a:endParaRPr lang="ko-KR" altLang="en-US" sz="1000" dirty="0">
-              <a:effectLst/>
-            </a:endParaRPr>
-          </a:p>
-        </p:txBody>
-      </p:sp>
-      <p:sp>
-        <p:nvSpPr>
-          <p:cNvPr id="2" name="TextBox 1">
-            <a:extLst>
-              <a:ext uri="{FF2B5EF4-FFF2-40B4-BE49-F238E27FC236}">
-                <a16:creationId xmlns:a16="http://schemas.microsoft.com/office/drawing/2014/main" id="{7847334D-8D6C-0BBA-0A70-ADEB9A79A7CF}"/>
-              </a:ext>
-            </a:extLst>
-          </p:cNvPr>
-          <p:cNvSpPr txBox="1"/>
-          <p:nvPr/>
-        </p:nvSpPr>
-        <p:spPr>
-          <a:xfrm>
-            <a:off x="5582155" y="3259723"/>
-            <a:ext cx="4591057" cy="338554"/>
-          </a:xfrm>
-          <a:prstGeom prst="rect">
-            <a:avLst/>
-          </a:prstGeom>
-          <a:noFill/>
-        </p:spPr>
-        <p:txBody>
           <a:bodyPr wrap="square" rtlCol="0">
             <a:spAutoFit/>
           </a:bodyPr>
@@ -4956,7 +5765,7 @@
           <a:p>
             <a:r>
               <a:rPr lang="en-US" altLang="ko-KR" sz="1600" dirty="0"/>
-              <a:t>FC(Flight Controller)</a:t>
+              <a:t>FC(Flight Controller) Firmware</a:t>
             </a:r>
             <a:r>
               <a:rPr lang="ko-KR" altLang="en-US" sz="1600" dirty="0"/>
@@ -4991,14 +5800,14 @@
           <p:nvPr>
             <p:extLst>
               <p:ext uri="{D42A27DB-BD31-4B8C-83A1-F6EECF244321}">
-                <p14:modId xmlns:p14="http://schemas.microsoft.com/office/powerpoint/2010/main" val="2238271757"/>
+                <p14:modId xmlns:p14="http://schemas.microsoft.com/office/powerpoint/2010/main" val="252722111"/>
               </p:ext>
             </p:extLst>
           </p:nvPr>
         </p:nvGraphicFramePr>
         <p:xfrm>
-          <a:off x="5582155" y="3640138"/>
-          <a:ext cx="5847846" cy="1483360"/>
+          <a:off x="5631021" y="4000697"/>
+          <a:ext cx="5847847" cy="1483360"/>
         </p:xfrm>
         <a:graphic>
           <a:graphicData uri="http://schemas.openxmlformats.org/drawingml/2006/table">
@@ -5007,17 +5816,24 @@
                 <a:tableStyleId>{5C22544A-7EE6-4342-B048-85BDC9FD1C3A}</a:tableStyleId>
               </a:tblPr>
               <a:tblGrid>
-                <a:gridCol w="2923923">
+                <a:gridCol w="1783845">
                   <a:extLst>
                     <a:ext uri="{9D8B030D-6E8A-4147-A177-3AD203B41FA5}">
                       <a16:colId xmlns:a16="http://schemas.microsoft.com/office/drawing/2014/main" val="2050726570"/>
                     </a:ext>
                   </a:extLst>
                 </a:gridCol>
-                <a:gridCol w="2923923">
+                <a:gridCol w="1987550">
                   <a:extLst>
                     <a:ext uri="{9D8B030D-6E8A-4147-A177-3AD203B41FA5}">
                       <a16:colId xmlns:a16="http://schemas.microsoft.com/office/drawing/2014/main" val="3019296922"/>
+                    </a:ext>
+                  </a:extLst>
+                </a:gridCol>
+                <a:gridCol w="2076452">
+                  <a:extLst>
+                    <a:ext uri="{9D8B030D-6E8A-4147-A177-3AD203B41FA5}">
+                      <a16:colId xmlns:a16="http://schemas.microsoft.com/office/drawing/2014/main" val="3608366936"/>
                     </a:ext>
                   </a:extLst>
                 </a:gridCol>
@@ -5028,20 +5844,12 @@
                     <a:bodyPr/>
                     <a:lstStyle/>
                     <a:p>
-                      <a:pPr latinLnBrk="1"/>
-                      <a:r>
-                        <a:rPr lang="en-US" altLang="ko-KR" dirty="0"/>
-                        <a:t>FC</a:t>
-                      </a:r>
-                      <a:r>
-                        <a:rPr lang="ko-KR" altLang="en-US" dirty="0"/>
-                        <a:t> </a:t>
-                      </a:r>
-                      <a:r>
-                        <a:rPr lang="en-US" altLang="ko-KR" dirty="0"/>
-                        <a:t>Application</a:t>
-                      </a:r>
-                      <a:endParaRPr lang="ko-KR" altLang="en-US" dirty="0"/>
+                      <a:pPr algn="ctr" latinLnBrk="1"/>
+                      <a:r>
+                        <a:rPr lang="en-US" altLang="ko-KR" sz="1200" dirty="0"/>
+                        <a:t>Firmware</a:t>
+                      </a:r>
+                      <a:endParaRPr lang="ko-KR" altLang="en-US" sz="1200" dirty="0"/>
                     </a:p>
                   </a:txBody>
                   <a:tcPr/>
@@ -5051,8 +5859,29 @@
                     <a:bodyPr/>
                     <a:lstStyle/>
                     <a:p>
-                      <a:pPr latinLnBrk="1"/>
-                      <a:endParaRPr lang="ko-KR" altLang="en-US"/>
+                      <a:pPr algn="ctr" latinLnBrk="1"/>
+                      <a:r>
+                        <a:rPr lang="en-US" altLang="ko-KR" sz="1200" dirty="0"/>
+                        <a:t>IMU </a:t>
+                      </a:r>
+                      <a:r>
+                        <a:rPr lang="ko-KR" altLang="en-US" sz="1200" dirty="0"/>
+                        <a:t>센서 루프 속도</a:t>
+                      </a:r>
+                    </a:p>
+                  </a:txBody>
+                  <a:tcPr/>
+                </a:tc>
+                <a:tc>
+                  <a:txBody>
+                    <a:bodyPr/>
+                    <a:lstStyle/>
+                    <a:p>
+                      <a:pPr algn="ctr" latinLnBrk="1"/>
+                      <a:r>
+                        <a:rPr lang="ko-KR" altLang="en-US" sz="1200" dirty="0"/>
+                        <a:t>비고</a:t>
+                      </a:r>
                     </a:p>
                   </a:txBody>
                   <a:tcPr/>
@@ -5069,12 +5898,12 @@
                     <a:bodyPr/>
                     <a:lstStyle/>
                     <a:p>
-                      <a:pPr latinLnBrk="1"/>
-                      <a:r>
-                        <a:rPr lang="en-US" altLang="ko-KR" dirty="0" err="1"/>
+                      <a:pPr algn="ctr" latinLnBrk="1"/>
+                      <a:r>
+                        <a:rPr lang="en-US" altLang="ko-KR" sz="1200" dirty="0" err="1"/>
                         <a:t>Ardupilot</a:t>
                       </a:r>
-                      <a:endParaRPr lang="ko-KR" altLang="en-US" dirty="0"/>
+                      <a:endParaRPr lang="ko-KR" altLang="en-US" sz="1200" dirty="0"/>
                     </a:p>
                   </a:txBody>
                   <a:tcPr/>
@@ -5084,8 +5913,31 @@
                     <a:bodyPr/>
                     <a:lstStyle/>
                     <a:p>
-                      <a:pPr latinLnBrk="1"/>
-                      <a:endParaRPr lang="ko-KR" altLang="en-US"/>
+                      <a:pPr algn="ctr" latinLnBrk="1"/>
+                      <a:r>
+                        <a:rPr lang="en-US" altLang="ko-KR" sz="1200" dirty="0"/>
+                        <a:t>1 kHz ~ 8 kHz</a:t>
+                      </a:r>
+                      <a:endParaRPr lang="ko-KR" altLang="en-US" sz="1200" dirty="0"/>
+                    </a:p>
+                  </a:txBody>
+                  <a:tcPr/>
+                </a:tc>
+                <a:tc>
+                  <a:txBody>
+                    <a:bodyPr/>
+                    <a:lstStyle/>
+                    <a:p>
+                      <a:pPr algn="ctr" latinLnBrk="1"/>
+                      <a:r>
+                        <a:rPr lang="en-US" altLang="ko-KR" sz="1200" b="0" dirty="0"/>
+                        <a:t>INS_GYRO_RATE </a:t>
+                      </a:r>
+                      <a:r>
+                        <a:rPr lang="en-US" altLang="ko-KR" sz="800" b="1" dirty="0"/>
+                        <a:t>[1]</a:t>
+                      </a:r>
+                      <a:endParaRPr lang="ko-KR" altLang="en-US" sz="800" b="1" dirty="0"/>
                     </a:p>
                   </a:txBody>
                   <a:tcPr/>
@@ -5102,12 +5954,12 @@
                     <a:bodyPr/>
                     <a:lstStyle/>
                     <a:p>
-                      <a:pPr latinLnBrk="1"/>
-                      <a:r>
-                        <a:rPr lang="en-US" altLang="ko-KR" dirty="0"/>
+                      <a:pPr algn="ctr" latinLnBrk="1"/>
+                      <a:r>
+                        <a:rPr lang="en-US" altLang="ko-KR" sz="1200" dirty="0"/>
                         <a:t>PX4</a:t>
                       </a:r>
-                      <a:endParaRPr lang="ko-KR" altLang="en-US" dirty="0"/>
+                      <a:endParaRPr lang="ko-KR" altLang="en-US" sz="1200" dirty="0"/>
                     </a:p>
                   </a:txBody>
                   <a:tcPr/>
@@ -5117,8 +5969,62 @@
                     <a:bodyPr/>
                     <a:lstStyle/>
                     <a:p>
-                      <a:pPr latinLnBrk="1"/>
-                      <a:endParaRPr lang="ko-KR" altLang="en-US" dirty="0"/>
+                      <a:pPr algn="ctr" latinLnBrk="1"/>
+                      <a:r>
+                        <a:rPr lang="en-US" altLang="ko-KR" sz="1200" dirty="0"/>
+                        <a:t>8 kHz</a:t>
+                      </a:r>
+                      <a:endParaRPr lang="ko-KR" altLang="en-US" sz="1200" dirty="0"/>
+                    </a:p>
+                  </a:txBody>
+                  <a:tcPr/>
+                </a:tc>
+                <a:tc>
+                  <a:txBody>
+                    <a:bodyPr/>
+                    <a:lstStyle/>
+                    <a:p>
+                      <a:pPr marL="0" marR="0" lvl="0" indent="0" algn="ctr" defTabSz="914400" rtl="0" eaLnBrk="1" fontAlgn="auto" latinLnBrk="1" hangingPunct="1">
+                        <a:lnSpc>
+                          <a:spcPct val="100000"/>
+                        </a:lnSpc>
+                        <a:spcBef>
+                          <a:spcPts val="0"/>
+                        </a:spcBef>
+                        <a:spcAft>
+                          <a:spcPts val="0"/>
+                        </a:spcAft>
+                        <a:buClrTx/>
+                        <a:buSzTx/>
+                        <a:buFontTx/>
+                        <a:buNone/>
+                        <a:tabLst/>
+                        <a:defRPr/>
+                      </a:pPr>
+                      <a:r>
+                        <a:rPr lang="en-US" altLang="ko-KR" sz="1200" b="0" i="0" kern="1200" dirty="0">
+                          <a:solidFill>
+                            <a:schemeClr val="dk1"/>
+                          </a:solidFill>
+                          <a:effectLst/>
+                          <a:latin typeface="+mn-lt"/>
+                          <a:ea typeface="+mn-ea"/>
+                          <a:cs typeface="+mn-cs"/>
+                        </a:rPr>
+                        <a:t>IMU_GYRO_RATEMAX </a:t>
+                      </a:r>
+                      <a:r>
+                        <a:rPr lang="en-US" altLang="ko-KR" sz="800" b="1" i="0" kern="1200" dirty="0">
+                          <a:solidFill>
+                            <a:schemeClr val="dk1"/>
+                          </a:solidFill>
+                          <a:effectLst/>
+                          <a:latin typeface="+mn-lt"/>
+                          <a:ea typeface="+mn-ea"/>
+                          <a:cs typeface="+mn-cs"/>
+                        </a:rPr>
+                        <a:t>[2]</a:t>
+                      </a:r>
                     </a:p>
                   </a:txBody>
                   <a:tcPr/>
@@ -5135,12 +6041,12 @@
                     <a:bodyPr/>
                     <a:lstStyle/>
                     <a:p>
-                      <a:pPr latinLnBrk="1"/>
-                      <a:r>
-                        <a:rPr lang="en-US" altLang="ko-KR" dirty="0" err="1"/>
+                      <a:pPr algn="ctr" latinLnBrk="1"/>
+                      <a:r>
+                        <a:rPr lang="en-US" altLang="ko-KR" sz="1200" dirty="0" err="1"/>
                         <a:t>Betaflight</a:t>
                       </a:r>
-                      <a:endParaRPr lang="ko-KR" altLang="en-US" dirty="0"/>
+                      <a:endParaRPr lang="ko-KR" altLang="en-US" sz="1200" dirty="0"/>
                     </a:p>
                   </a:txBody>
                   <a:tcPr/>
@@ -5150,8 +6056,23 @@
                     <a:bodyPr/>
                     <a:lstStyle/>
                     <a:p>
-                      <a:pPr latinLnBrk="1"/>
-                      <a:endParaRPr lang="ko-KR" altLang="en-US" dirty="0"/>
+                      <a:pPr algn="ctr" latinLnBrk="1"/>
+                      <a:r>
+                        <a:rPr lang="en-US" altLang="ko-KR" sz="1200" dirty="0"/>
+                        <a:t>8 ~ 32 kHz</a:t>
+                      </a:r>
+                      <a:endParaRPr lang="ko-KR" altLang="en-US" sz="1200" dirty="0"/>
+                    </a:p>
+                  </a:txBody>
+                  <a:tcPr/>
+                </a:tc>
+                <a:tc>
+                  <a:txBody>
+                    <a:bodyPr/>
+                    <a:lstStyle/>
+                    <a:p>
+                      <a:pPr algn="ctr" latinLnBrk="1"/>
+                      <a:endParaRPr lang="ko-KR" altLang="en-US" sz="1200" dirty="0"/>
                     </a:p>
                   </a:txBody>
                   <a:tcPr/>
@@ -5166,6 +6087,80 @@
           </a:graphicData>
         </a:graphic>
       </p:graphicFrame>
+      <p:sp>
+        <p:nvSpPr>
+          <p:cNvPr id="9" name="TextBox 8">
+            <a:extLst>
+              <a:ext uri="{FF2B5EF4-FFF2-40B4-BE49-F238E27FC236}">
+                <a16:creationId xmlns:a16="http://schemas.microsoft.com/office/drawing/2014/main" id="{CD075B52-6628-5E30-6FA3-1A1C66F6DFAE}"/>
+              </a:ext>
+            </a:extLst>
+          </p:cNvPr>
+          <p:cNvSpPr txBox="1"/>
+          <p:nvPr/>
+        </p:nvSpPr>
+        <p:spPr>
+          <a:xfrm>
+            <a:off x="359246" y="6443459"/>
+            <a:ext cx="11172354" cy="338554"/>
+          </a:xfrm>
+          <a:prstGeom prst="rect">
+            <a:avLst/>
+          </a:prstGeom>
+          <a:noFill/>
+        </p:spPr>
+        <p:txBody>
+          <a:bodyPr wrap="square">
+            <a:spAutoFit/>
+          </a:bodyPr>
+          <a:lstStyle/>
+          <a:p>
+            <a:r>
+              <a:rPr lang="en-US" altLang="ko-KR" sz="800" b="1" dirty="0"/>
+              <a:t>1 [Source: </a:t>
+            </a:r>
+            <a:r>
+              <a:rPr lang="en-US" altLang="ko-KR" sz="800" b="1" dirty="0">
+                <a:hlinkClick r:id="rId3"/>
+              </a:rPr>
+              <a:t>https://ardupilot.org/copter/docs/parameters.html#ins-gyro-rate-gyro-rate-for-imus-with-fast-sampling-enabled</a:t>
+            </a:r>
+            <a:r>
+              <a:rPr lang="en-US" altLang="ko-KR" sz="800" b="1" dirty="0"/>
+              <a:t> ]</a:t>
+            </a:r>
+          </a:p>
+          <a:p>
+            <a:r>
+              <a:rPr lang="en-US" altLang="ko-KR" sz="800" b="1" dirty="0"/>
+              <a:t>2 [Source: </a:t>
+            </a:r>
+            <a:r>
+              <a:rPr lang="en-US" altLang="ko-KR" sz="800" b="1" dirty="0">
+                <a:hlinkClick r:id="rId4"/>
+              </a:rPr>
+              <a:t>https://docs.px4.io/main/en/advanced_config/parameter_reference#IMU_GYRO_RATEMAX</a:t>
+            </a:r>
+            <a:r>
+              <a:rPr lang="en-US" altLang="ko-KR" sz="800" b="1" dirty="0"/>
+              <a:t> - </a:t>
+            </a:r>
+            <a:r>
+              <a:rPr lang="en-US" altLang="ko-KR" sz="800" dirty="0" err="1"/>
+              <a:t>eg</a:t>
+            </a:r>
+            <a:r>
+              <a:rPr lang="en-US" altLang="ko-KR" sz="800" dirty="0"/>
+              <a:t> commonly 8 kHz</a:t>
+            </a:r>
+            <a:r>
+              <a:rPr lang="en-US" altLang="ko-KR" sz="800" b="1" dirty="0"/>
+              <a:t>]</a:t>
+            </a:r>
+            <a:endParaRPr lang="ko-KR" altLang="en-US" sz="800" b="1" dirty="0"/>
+          </a:p>
+        </p:txBody>
+      </p:sp>
     </p:spTree>
     <p:extLst>
       <p:ext uri="{BB962C8B-B14F-4D97-AF65-F5344CB8AC3E}">
@@ -5179,7 +6174,7 @@
 </p:sld>
 </file>
 
-<file path=ppt/slides/slide2.xml><?xml version="1.0" encoding="utf-8"?>
+<file path=ppt/slides/slide4.xml><?xml version="1.0" encoding="utf-8"?>
 <p:sld xmlns:a="http://schemas.openxmlformats.org/drawingml/2006/main" xmlns:r="http://schemas.openxmlformats.org/officeDocument/2006/relationships" xmlns:p="http://schemas.openxmlformats.org/presentationml/2006/main">
   <p:cSld>
     <p:spTree>
@@ -5210,8 +6205,8 @@
         </p:nvSpPr>
         <p:spPr>
           <a:xfrm>
-            <a:off x="422746" y="389942"/>
-            <a:ext cx="6966662" cy="369332"/>
+            <a:off x="406871" y="173267"/>
+            <a:ext cx="11077104" cy="369332"/>
           </a:xfrm>
           <a:prstGeom prst="rect">
             <a:avLst/>
@@ -5243,23 +6238,838 @@
               <a:t>– </a:t>
             </a:r>
             <a:r>
-              <a:rPr lang="ko-KR" altLang="en-US" b="1" dirty="0">
-                <a:latin typeface="+mj-lt"/>
-              </a:rPr>
+              <a:rPr lang="ko-KR" altLang="en-US" b="1" dirty="0"/>
               <a:t>기존 </a:t>
             </a:r>
             <a:r>
-              <a:rPr lang="ko-KR" altLang="en-US" b="1" dirty="0" err="1">
-                <a:latin typeface="+mj-lt"/>
-              </a:rPr>
-              <a:t>드론</a:t>
-            </a:r>
-            <a:r>
-              <a:rPr lang="ko-KR" altLang="en-US" b="1" dirty="0">
-                <a:latin typeface="+mj-lt"/>
-              </a:rPr>
-              <a:t> 개발 환경의 한계</a:t>
-            </a:r>
+              <a:rPr lang="ko-KR" altLang="en-US" b="1" dirty="0" err="1"/>
+              <a:t>시뮬레이</a:t>
+            </a:r>
+            <a:r>
+              <a:rPr lang="ko-KR" altLang="en-US" b="1" dirty="0"/>
+              <a:t> 구조와 한계</a:t>
+            </a:r>
+            <a:endParaRPr lang="ko-KR" altLang="en-US" b="1" dirty="0">
+              <a:latin typeface="+mj-lt"/>
+            </a:endParaRPr>
+          </a:p>
+        </p:txBody>
+      </p:sp>
+      <p:graphicFrame>
+        <p:nvGraphicFramePr>
+          <p:cNvPr id="2" name="표 1">
+            <a:extLst>
+              <a:ext uri="{FF2B5EF4-FFF2-40B4-BE49-F238E27FC236}">
+                <a16:creationId xmlns:a16="http://schemas.microsoft.com/office/drawing/2014/main" id="{2930A40C-3BEB-C393-4B5A-3289E7518AFD}"/>
+              </a:ext>
+            </a:extLst>
+          </p:cNvPr>
+          <p:cNvGraphicFramePr>
+            <a:graphicFrameLocks noGrp="1"/>
+          </p:cNvGraphicFramePr>
+          <p:nvPr>
+            <p:extLst>
+              <p:ext uri="{D42A27DB-BD31-4B8C-83A1-F6EECF244321}">
+                <p14:modId xmlns:p14="http://schemas.microsoft.com/office/powerpoint/2010/main" val="2563826371"/>
+              </p:ext>
+            </p:extLst>
+          </p:nvPr>
+        </p:nvGraphicFramePr>
+        <p:xfrm>
+          <a:off x="496570" y="3830333"/>
+          <a:ext cx="10782300" cy="2181860"/>
+        </p:xfrm>
+        <a:graphic>
+          <a:graphicData uri="http://schemas.openxmlformats.org/drawingml/2006/table">
+            <a:tbl>
+              <a:tblPr firstRow="1" bandRow="1">
+                <a:tableStyleId>{5C22544A-7EE6-4342-B048-85BDC9FD1C3A}</a:tableStyleId>
+              </a:tblPr>
+              <a:tblGrid>
+                <a:gridCol w="1586230">
+                  <a:extLst>
+                    <a:ext uri="{9D8B030D-6E8A-4147-A177-3AD203B41FA5}">
+                      <a16:colId xmlns:a16="http://schemas.microsoft.com/office/drawing/2014/main" val="4083537526"/>
+                    </a:ext>
+                  </a:extLst>
+                </a:gridCol>
+                <a:gridCol w="1771650">
+                  <a:extLst>
+                    <a:ext uri="{9D8B030D-6E8A-4147-A177-3AD203B41FA5}">
+                      <a16:colId xmlns:a16="http://schemas.microsoft.com/office/drawing/2014/main" val="3413285053"/>
+                    </a:ext>
+                  </a:extLst>
+                </a:gridCol>
+                <a:gridCol w="2012950">
+                  <a:extLst>
+                    <a:ext uri="{9D8B030D-6E8A-4147-A177-3AD203B41FA5}">
+                      <a16:colId xmlns:a16="http://schemas.microsoft.com/office/drawing/2014/main" val="3416323462"/>
+                    </a:ext>
+                  </a:extLst>
+                </a:gridCol>
+                <a:gridCol w="5411470">
+                  <a:extLst>
+                    <a:ext uri="{9D8B030D-6E8A-4147-A177-3AD203B41FA5}">
+                      <a16:colId xmlns:a16="http://schemas.microsoft.com/office/drawing/2014/main" val="3554125527"/>
+                    </a:ext>
+                  </a:extLst>
+                </a:gridCol>
+              </a:tblGrid>
+              <a:tr h="370840">
+                <a:tc>
+                  <a:txBody>
+                    <a:bodyPr/>
+                    <a:lstStyle/>
+                    <a:p>
+                      <a:pPr algn="ctr" latinLnBrk="1"/>
+                      <a:r>
+                        <a:rPr lang="ko-KR" altLang="en-US" sz="1200" dirty="0"/>
+                        <a:t>시뮬레이터</a:t>
+                      </a:r>
+                    </a:p>
+                  </a:txBody>
+                  <a:tcPr/>
+                </a:tc>
+                <a:tc>
+                  <a:txBody>
+                    <a:bodyPr/>
+                    <a:lstStyle/>
+                    <a:p>
+                      <a:pPr algn="ctr" latinLnBrk="1"/>
+                      <a:r>
+                        <a:rPr lang="ko-KR" altLang="en-US" sz="1200" dirty="0"/>
+                        <a:t>센서 루프 속도</a:t>
+                      </a:r>
+                    </a:p>
+                  </a:txBody>
+                  <a:tcPr/>
+                </a:tc>
+                <a:tc>
+                  <a:txBody>
+                    <a:bodyPr/>
+                    <a:lstStyle/>
+                    <a:p>
+                      <a:pPr algn="ctr" latinLnBrk="1"/>
+                      <a:r>
+                        <a:rPr lang="ko-KR" altLang="en-US" sz="1200" dirty="0"/>
+                        <a:t>제어 루프 속도</a:t>
+                      </a:r>
+                      <a:endParaRPr lang="en-US" altLang="ko-KR" sz="1200" dirty="0"/>
+                    </a:p>
+                  </a:txBody>
+                  <a:tcPr/>
+                </a:tc>
+                <a:tc>
+                  <a:txBody>
+                    <a:bodyPr/>
+                    <a:lstStyle/>
+                    <a:p>
+                      <a:pPr algn="ctr" latinLnBrk="1"/>
+                      <a:r>
+                        <a:rPr lang="ko-KR" altLang="en-US" sz="1200" dirty="0"/>
+                        <a:t>단점</a:t>
+                      </a:r>
+                      <a:r>
+                        <a:rPr lang="en-US" altLang="ko-KR" sz="1200" dirty="0"/>
+                        <a:t>/</a:t>
+                      </a:r>
+                      <a:r>
+                        <a:rPr lang="ko-KR" altLang="en-US" sz="1200" dirty="0"/>
+                        <a:t>한계</a:t>
+                      </a:r>
+                      <a:endParaRPr lang="en-US" altLang="ko-KR" sz="1200" dirty="0"/>
+                    </a:p>
+                  </a:txBody>
+                  <a:tcPr/>
+                </a:tc>
+                <a:extLst>
+                  <a:ext uri="{0D108BD9-81ED-4DB2-BD59-A6C34878D82A}">
+                    <a16:rowId xmlns:a16="http://schemas.microsoft.com/office/drawing/2014/main" val="3852214986"/>
+                  </a:ext>
+                </a:extLst>
+              </a:tr>
+              <a:tr h="370840">
+                <a:tc>
+                  <a:txBody>
+                    <a:bodyPr/>
+                    <a:lstStyle/>
+                    <a:p>
+                      <a:pPr latinLnBrk="1"/>
+                      <a:r>
+                        <a:rPr lang="en-US" altLang="ko-KR" sz="1200" dirty="0"/>
+                        <a:t>SITL</a:t>
+                      </a:r>
+                      <a:br>
+                        <a:rPr lang="en-US" altLang="ko-KR" sz="1200" dirty="0"/>
+                      </a:br>
+                      <a:r>
+                        <a:rPr lang="en-US" altLang="ko-KR" sz="1050" dirty="0"/>
+                        <a:t>(Software-In-The-Loop)</a:t>
+                      </a:r>
+                      <a:endParaRPr lang="ko-KR" altLang="en-US" sz="1200" dirty="0"/>
+                    </a:p>
+                  </a:txBody>
+                  <a:tcPr/>
+                </a:tc>
+                <a:tc>
+                  <a:txBody>
+                    <a:bodyPr/>
+                    <a:lstStyle/>
+                    <a:p>
+                      <a:pPr algn="ctr" latinLnBrk="1"/>
+                      <a:r>
+                        <a:rPr lang="ko-KR" altLang="en-US" sz="1200" dirty="0"/>
+                        <a:t>미지원</a:t>
+                      </a:r>
+                    </a:p>
+                  </a:txBody>
+                  <a:tcPr/>
+                </a:tc>
+                <a:tc>
+                  <a:txBody>
+                    <a:bodyPr/>
+                    <a:lstStyle/>
+                    <a:p>
+                      <a:pPr algn="ctr" latinLnBrk="1"/>
+                      <a:r>
+                        <a:rPr lang="en-US" altLang="ko-KR" sz="1200" dirty="0"/>
+                        <a:t>1 kHz</a:t>
+                      </a:r>
+                      <a:endParaRPr lang="ko-KR" altLang="en-US" sz="1200" dirty="0"/>
+                    </a:p>
+                  </a:txBody>
+                  <a:tcPr/>
+                </a:tc>
+                <a:tc>
+                  <a:txBody>
+                    <a:bodyPr/>
+                    <a:lstStyle/>
+                    <a:p>
+                      <a:pPr latinLnBrk="1"/>
+                      <a:r>
+                        <a:rPr lang="ko-KR" altLang="en-US" sz="1000" dirty="0"/>
+                        <a:t>고주파 </a:t>
+                      </a:r>
+                      <a:r>
+                        <a:rPr lang="en-US" altLang="ko-KR" sz="1000" dirty="0"/>
+                        <a:t>IMU </a:t>
+                      </a:r>
+                      <a:r>
+                        <a:rPr lang="ko-KR" altLang="en-US" sz="1000" dirty="0"/>
+                        <a:t>루프</a:t>
+                      </a:r>
+                      <a:r>
+                        <a:rPr lang="en-US" altLang="ko-KR" sz="1000" dirty="0"/>
+                        <a:t>(&gt;1 kHz) </a:t>
+                      </a:r>
+                      <a:r>
+                        <a:rPr lang="ko-KR" altLang="en-US" sz="1000" dirty="0"/>
+                        <a:t>불가</a:t>
+                      </a:r>
+                      <a:r>
+                        <a:rPr lang="en-US" altLang="ko-KR" sz="1000" dirty="0"/>
+                        <a:t>, RPC </a:t>
+                      </a:r>
+                      <a:r>
+                        <a:rPr lang="ko-KR" altLang="en-US" sz="1000" dirty="0"/>
+                        <a:t>기반 메시지 지연 발생</a:t>
+                      </a:r>
+                      <a:r>
+                        <a:rPr lang="en-US" altLang="ko-KR" sz="1000" dirty="0"/>
+                        <a:t>, </a:t>
+                      </a:r>
+                      <a:r>
+                        <a:rPr lang="ko-KR" altLang="en-US" sz="1000" dirty="0"/>
+                        <a:t>외부 실제 제어기와 실시간 연동 어려움</a:t>
+                      </a:r>
+                    </a:p>
+                  </a:txBody>
+                  <a:tcPr/>
+                </a:tc>
+                <a:extLst>
+                  <a:ext uri="{0D108BD9-81ED-4DB2-BD59-A6C34878D82A}">
+                    <a16:rowId xmlns:a16="http://schemas.microsoft.com/office/drawing/2014/main" val="2094547927"/>
+                  </a:ext>
+                </a:extLst>
+              </a:tr>
+              <a:tr h="370840">
+                <a:tc>
+                  <a:txBody>
+                    <a:bodyPr/>
+                    <a:lstStyle/>
+                    <a:p>
+                      <a:pPr latinLnBrk="1"/>
+                      <a:r>
+                        <a:rPr lang="en-US" altLang="ko-KR" sz="1200" dirty="0"/>
+                        <a:t>Gazebo</a:t>
+                      </a:r>
+                      <a:endParaRPr lang="ko-KR" altLang="en-US" sz="1200" dirty="0"/>
+                    </a:p>
+                  </a:txBody>
+                  <a:tcPr/>
+                </a:tc>
+                <a:tc>
+                  <a:txBody>
+                    <a:bodyPr/>
+                    <a:lstStyle/>
+                    <a:p>
+                      <a:pPr algn="ctr" latinLnBrk="1"/>
+                      <a:r>
+                        <a:rPr lang="en-US" altLang="ko-KR" sz="1200" dirty="0"/>
+                        <a:t>100~</a:t>
+                      </a:r>
+                      <a:r>
+                        <a:rPr lang="ko-KR" altLang="en-US" sz="1200" dirty="0"/>
+                        <a:t>수백 </a:t>
+                      </a:r>
+                      <a:r>
+                        <a:rPr lang="en-US" altLang="ko-KR" sz="1200" dirty="0"/>
+                        <a:t>Hz</a:t>
+                      </a:r>
+                      <a:endParaRPr lang="ko-KR" altLang="en-US" sz="1200" dirty="0"/>
+                    </a:p>
+                  </a:txBody>
+                  <a:tcPr/>
+                </a:tc>
+                <a:tc>
+                  <a:txBody>
+                    <a:bodyPr/>
+                    <a:lstStyle/>
+                    <a:p>
+                      <a:pPr algn="ctr" latinLnBrk="1"/>
+                      <a:r>
+                        <a:rPr lang="en-US" altLang="ko-KR" sz="1200" dirty="0"/>
+                        <a:t>100 ~ </a:t>
+                      </a:r>
+                      <a:r>
+                        <a:rPr lang="ko-KR" altLang="en-US" sz="1200" dirty="0"/>
+                        <a:t>수백 </a:t>
+                      </a:r>
+                      <a:r>
+                        <a:rPr lang="en-US" altLang="ko-KR" sz="1200" dirty="0"/>
+                        <a:t>Hz</a:t>
+                      </a:r>
+                      <a:endParaRPr lang="ko-KR" altLang="en-US" sz="1200" dirty="0"/>
+                    </a:p>
+                  </a:txBody>
+                  <a:tcPr/>
+                </a:tc>
+                <a:tc>
+                  <a:txBody>
+                    <a:bodyPr/>
+                    <a:lstStyle/>
+                    <a:p>
+                      <a:pPr latinLnBrk="1"/>
+                      <a:r>
+                        <a:rPr lang="en-US" altLang="ko-KR" sz="1000" dirty="0" err="1"/>
+                        <a:t>MAVLink</a:t>
+                      </a:r>
+                      <a:r>
+                        <a:rPr lang="en-US" altLang="ko-KR" sz="1000" dirty="0"/>
+                        <a:t>/ROS </a:t>
+                      </a:r>
+                      <a:r>
+                        <a:rPr lang="ko-KR" altLang="en-US" sz="1000" dirty="0"/>
+                        <a:t>기반 지연과 </a:t>
+                      </a:r>
+                      <a:r>
+                        <a:rPr lang="ko-KR" altLang="en-US" sz="1000" dirty="0" err="1"/>
+                        <a:t>지터</a:t>
+                      </a:r>
+                      <a:r>
+                        <a:rPr lang="ko-KR" altLang="en-US" sz="1000" dirty="0"/>
+                        <a:t> 매우 크게 발생</a:t>
+                      </a:r>
+                    </a:p>
+                  </a:txBody>
+                  <a:tcPr/>
+                </a:tc>
+                <a:extLst>
+                  <a:ext uri="{0D108BD9-81ED-4DB2-BD59-A6C34878D82A}">
+                    <a16:rowId xmlns:a16="http://schemas.microsoft.com/office/drawing/2014/main" val="3257696888"/>
+                  </a:ext>
+                </a:extLst>
+              </a:tr>
+              <a:tr h="370840">
+                <a:tc>
+                  <a:txBody>
+                    <a:bodyPr/>
+                    <a:lstStyle/>
+                    <a:p>
+                      <a:pPr latinLnBrk="1"/>
+                      <a:r>
+                        <a:rPr lang="en-US" altLang="ko-KR" sz="1200" dirty="0" err="1"/>
+                        <a:t>AirSim</a:t>
+                      </a:r>
+                      <a:endParaRPr lang="ko-KR" altLang="en-US" sz="1200" dirty="0"/>
+                    </a:p>
+                  </a:txBody>
+                  <a:tcPr/>
+                </a:tc>
+                <a:tc>
+                  <a:txBody>
+                    <a:bodyPr/>
+                    <a:lstStyle/>
+                    <a:p>
+                      <a:pPr algn="ctr" latinLnBrk="1"/>
+                      <a:r>
+                        <a:rPr lang="en-US" altLang="ko-KR" sz="1200" dirty="0"/>
+                        <a:t>333 Hz </a:t>
+                      </a:r>
+                    </a:p>
+                    <a:p>
+                      <a:pPr algn="ctr" latinLnBrk="1"/>
+                      <a:r>
+                        <a:rPr lang="en-US" altLang="ko-KR" sz="1200" dirty="0"/>
+                        <a:t>(RPC </a:t>
+                      </a:r>
+                      <a:r>
+                        <a:rPr lang="ko-KR" altLang="en-US" sz="1200" dirty="0"/>
+                        <a:t>사용 측정</a:t>
+                      </a:r>
+                      <a:r>
+                        <a:rPr lang="en-US" altLang="ko-KR" sz="1200" dirty="0"/>
+                        <a:t>)</a:t>
+                      </a:r>
+                      <a:endParaRPr lang="ko-KR" altLang="en-US" sz="1200" dirty="0"/>
+                    </a:p>
+                  </a:txBody>
+                  <a:tcPr/>
+                </a:tc>
+                <a:tc>
+                  <a:txBody>
+                    <a:bodyPr/>
+                    <a:lstStyle/>
+                    <a:p>
+                      <a:pPr algn="ctr" latinLnBrk="1"/>
+                      <a:r>
+                        <a:rPr lang="en-US" altLang="ko-KR" sz="1200" dirty="0"/>
+                        <a:t>333 Hz</a:t>
+                      </a:r>
+                    </a:p>
+                    <a:p>
+                      <a:pPr algn="ctr" latinLnBrk="1"/>
+                      <a:r>
+                        <a:rPr lang="en-US" altLang="ko-KR" sz="1200" dirty="0"/>
+                        <a:t>(</a:t>
+                      </a:r>
+                      <a:r>
+                        <a:rPr lang="ko-KR" altLang="en-US" sz="1200" dirty="0"/>
+                        <a:t>프레임 기반 제어</a:t>
+                      </a:r>
+                      <a:r>
+                        <a:rPr lang="en-US" altLang="ko-KR" sz="1200" dirty="0"/>
+                        <a:t>)</a:t>
+                      </a:r>
+                      <a:endParaRPr lang="ko-KR" altLang="en-US" sz="1200" dirty="0"/>
+                    </a:p>
+                  </a:txBody>
+                  <a:tcPr/>
+                </a:tc>
+                <a:tc>
+                  <a:txBody>
+                    <a:bodyPr/>
+                    <a:lstStyle/>
+                    <a:p>
+                      <a:pPr latinLnBrk="1"/>
+                      <a:r>
+                        <a:rPr lang="en-US" altLang="ko-KR" sz="1000" dirty="0"/>
+                        <a:t>RPC</a:t>
+                      </a:r>
+                      <a:r>
+                        <a:rPr lang="ko-KR" altLang="en-US" sz="1000" dirty="0"/>
+                        <a:t> 지연</a:t>
+                      </a:r>
+                      <a:r>
+                        <a:rPr lang="en-US" altLang="ko-KR" sz="1000" dirty="0"/>
+                        <a:t>, </a:t>
+                      </a:r>
+                      <a:r>
+                        <a:rPr lang="ko-KR" altLang="en-US" sz="1000" dirty="0" err="1"/>
+                        <a:t>지터</a:t>
+                      </a:r>
+                      <a:r>
+                        <a:rPr lang="ko-KR" altLang="en-US" sz="1000" dirty="0"/>
+                        <a:t> 발생</a:t>
+                      </a:r>
+                    </a:p>
+                  </a:txBody>
+                  <a:tcPr/>
+                </a:tc>
+                <a:extLst>
+                  <a:ext uri="{0D108BD9-81ED-4DB2-BD59-A6C34878D82A}">
+                    <a16:rowId xmlns:a16="http://schemas.microsoft.com/office/drawing/2014/main" val="1970932681"/>
+                  </a:ext>
+                </a:extLst>
+              </a:tr>
+              <a:tr h="370840">
+                <a:tc>
+                  <a:txBody>
+                    <a:bodyPr/>
+                    <a:lstStyle/>
+                    <a:p>
+                      <a:pPr latinLnBrk="1"/>
+                      <a:r>
+                        <a:rPr lang="en-US" altLang="ko-KR" sz="1200" dirty="0"/>
+                        <a:t>MATLAB</a:t>
+                      </a:r>
+                    </a:p>
+                    <a:p>
+                      <a:pPr latinLnBrk="1"/>
+                      <a:r>
+                        <a:rPr lang="en-US" altLang="ko-KR" sz="1200" dirty="0"/>
+                        <a:t>/Simulink</a:t>
+                      </a:r>
+                      <a:endParaRPr lang="ko-KR" altLang="en-US" sz="1200" dirty="0"/>
+                    </a:p>
+                  </a:txBody>
+                  <a:tcPr/>
+                </a:tc>
+                <a:tc>
+                  <a:txBody>
+                    <a:bodyPr/>
+                    <a:lstStyle/>
+                    <a:p>
+                      <a:pPr algn="ctr" latinLnBrk="1"/>
+                      <a:r>
+                        <a:rPr lang="ko-KR" altLang="en-US" sz="1200" dirty="0"/>
+                        <a:t>사용자 정의</a:t>
+                      </a:r>
+                      <a:endParaRPr lang="en-US" altLang="ko-KR" sz="1200" dirty="0"/>
+                    </a:p>
+                    <a:p>
+                      <a:pPr algn="ctr" latinLnBrk="1"/>
+                      <a:r>
+                        <a:rPr lang="ko-KR" altLang="en-US" sz="1200" dirty="0"/>
+                        <a:t> 실시간성 부족</a:t>
+                      </a:r>
+                    </a:p>
+                  </a:txBody>
+                  <a:tcPr/>
+                </a:tc>
+                <a:tc>
+                  <a:txBody>
+                    <a:bodyPr/>
+                    <a:lstStyle/>
+                    <a:p>
+                      <a:pPr algn="ctr" latinLnBrk="1"/>
+                      <a:r>
+                        <a:rPr lang="ko-KR" altLang="en-US" sz="1200" dirty="0"/>
+                        <a:t>사용자 정의 </a:t>
+                      </a:r>
+                      <a:endParaRPr lang="en-US" altLang="ko-KR" sz="1200" dirty="0"/>
+                    </a:p>
+                    <a:p>
+                      <a:pPr algn="ctr" latinLnBrk="1"/>
+                      <a:r>
+                        <a:rPr lang="en-US" altLang="ko-KR" sz="1200" dirty="0"/>
+                        <a:t>RTOS </a:t>
+                      </a:r>
+                      <a:r>
+                        <a:rPr lang="ko-KR" altLang="en-US" sz="1200" dirty="0"/>
+                        <a:t>없음 → 고주파 불가</a:t>
+                      </a:r>
+                    </a:p>
+                  </a:txBody>
+                  <a:tcPr/>
+                </a:tc>
+                <a:tc>
+                  <a:txBody>
+                    <a:bodyPr/>
+                    <a:lstStyle/>
+                    <a:p>
+                      <a:pPr latinLnBrk="1"/>
+                      <a:r>
+                        <a:rPr lang="ko-KR" altLang="en-US" sz="1000" dirty="0"/>
+                        <a:t>블록 모델 </a:t>
+                      </a:r>
+                      <a:r>
+                        <a:rPr lang="en-US" altLang="ko-KR" sz="1000" dirty="0"/>
+                        <a:t>+ MATLAB </a:t>
+                      </a:r>
+                      <a:r>
+                        <a:rPr lang="ko-KR" altLang="en-US" sz="1000" dirty="0"/>
+                        <a:t>스크립트로 구성 → </a:t>
+                      </a:r>
+                      <a:r>
+                        <a:rPr lang="ko-KR" altLang="en-US" sz="1000" b="1" dirty="0"/>
+                        <a:t>실시간 실행에 부적합</a:t>
+                      </a:r>
+                      <a:endParaRPr lang="en-US" altLang="ko-KR" sz="1000" b="1" dirty="0"/>
+                    </a:p>
+                    <a:p>
+                      <a:pPr latinLnBrk="1"/>
+                      <a:r>
+                        <a:rPr lang="en-US" altLang="ko-KR" sz="1000" dirty="0"/>
+                        <a:t>MATLAB </a:t>
+                      </a:r>
+                      <a:r>
+                        <a:rPr lang="ko-KR" altLang="en-US" sz="1000" dirty="0"/>
+                        <a:t>스크립트는 </a:t>
+                      </a:r>
+                      <a:r>
+                        <a:rPr lang="ko-KR" altLang="en-US" sz="1000" b="1" dirty="0"/>
+                        <a:t>인터프리터 방식</a:t>
+                      </a:r>
+                      <a:r>
+                        <a:rPr lang="ko-KR" altLang="en-US" sz="1000" dirty="0"/>
+                        <a:t> → 고주파</a:t>
+                      </a:r>
+                      <a:r>
+                        <a:rPr lang="en-US" altLang="ko-KR" sz="1000" dirty="0"/>
+                        <a:t>(&gt;1 kHz) </a:t>
+                      </a:r>
+                      <a:r>
+                        <a:rPr lang="ko-KR" altLang="en-US" sz="1000" dirty="0"/>
+                        <a:t>루프 구현 매우 어려움</a:t>
+                      </a:r>
+                      <a:endParaRPr lang="en-US" altLang="ko-KR" sz="1000" dirty="0"/>
+                    </a:p>
+                    <a:p>
+                      <a:pPr latinLnBrk="1"/>
+                      <a:r>
+                        <a:rPr lang="ko-KR" altLang="en-US" sz="1000" dirty="0"/>
+                        <a:t>실시간 스케줄러</a:t>
+                      </a:r>
+                      <a:r>
+                        <a:rPr lang="en-US" altLang="ko-KR" sz="1000" dirty="0"/>
+                        <a:t>(RTOS)</a:t>
+                      </a:r>
+                      <a:r>
+                        <a:rPr lang="ko-KR" altLang="en-US" sz="1000" dirty="0"/>
+                        <a:t>가 존재하지 않는다</a:t>
+                      </a:r>
+                    </a:p>
+                  </a:txBody>
+                  <a:tcPr/>
+                </a:tc>
+                <a:extLst>
+                  <a:ext uri="{0D108BD9-81ED-4DB2-BD59-A6C34878D82A}">
+                    <a16:rowId xmlns:a16="http://schemas.microsoft.com/office/drawing/2014/main" val="2241603663"/>
+                  </a:ext>
+                </a:extLst>
+              </a:tr>
+            </a:tbl>
+          </a:graphicData>
+        </a:graphic>
+      </p:graphicFrame>
+      <p:sp>
+        <p:nvSpPr>
+          <p:cNvPr id="5" name="TextBox 4">
+            <a:extLst>
+              <a:ext uri="{FF2B5EF4-FFF2-40B4-BE49-F238E27FC236}">
+                <a16:creationId xmlns:a16="http://schemas.microsoft.com/office/drawing/2014/main" id="{5F5029F0-7163-6DD9-59E8-075D041979B1}"/>
+              </a:ext>
+            </a:extLst>
+          </p:cNvPr>
+          <p:cNvSpPr txBox="1"/>
+          <p:nvPr/>
+        </p:nvSpPr>
+        <p:spPr>
+          <a:xfrm>
+            <a:off x="496570" y="3491779"/>
+            <a:ext cx="6096000" cy="338554"/>
+          </a:xfrm>
+          <a:prstGeom prst="rect">
+            <a:avLst/>
+          </a:prstGeom>
+          <a:noFill/>
+        </p:spPr>
+        <p:txBody>
+          <a:bodyPr wrap="square">
+            <a:spAutoFit/>
+          </a:bodyPr>
+          <a:lstStyle/>
+          <a:p>
+            <a:r>
+              <a:rPr lang="ko-KR" altLang="en-US" sz="1600" dirty="0"/>
+              <a:t>현재 시뮬레이터 종류 비교</a:t>
+            </a:r>
+          </a:p>
+        </p:txBody>
+      </p:sp>
+      <p:sp>
+        <p:nvSpPr>
+          <p:cNvPr id="7" name="TextBox 6">
+            <a:extLst>
+              <a:ext uri="{FF2B5EF4-FFF2-40B4-BE49-F238E27FC236}">
+                <a16:creationId xmlns:a16="http://schemas.microsoft.com/office/drawing/2014/main" id="{1CC1B8A0-22B8-584A-E921-6332E45921C7}"/>
+              </a:ext>
+            </a:extLst>
+          </p:cNvPr>
+          <p:cNvSpPr txBox="1"/>
+          <p:nvPr/>
+        </p:nvSpPr>
+        <p:spPr>
+          <a:xfrm>
+            <a:off x="359246" y="6099188"/>
+            <a:ext cx="11172354" cy="276999"/>
+          </a:xfrm>
+          <a:prstGeom prst="rect">
+            <a:avLst/>
+          </a:prstGeom>
+          <a:noFill/>
+        </p:spPr>
+        <p:txBody>
+          <a:bodyPr wrap="square">
+            <a:spAutoFit/>
+          </a:bodyPr>
+          <a:lstStyle/>
+          <a:p>
+            <a:r>
+              <a:rPr lang="en-US" altLang="ko-KR" sz="1200" dirty="0"/>
+              <a:t>* </a:t>
+            </a:r>
+            <a:r>
+              <a:rPr lang="ko-KR" altLang="en-US" sz="1200" dirty="0"/>
+              <a:t>로봇 시뮬레이터가 아닌 환경에서는 물리엔진</a:t>
+            </a:r>
+            <a:r>
+              <a:rPr lang="en-US" altLang="ko-KR" sz="1200" dirty="0"/>
+              <a:t>·</a:t>
+            </a:r>
+            <a:r>
+              <a:rPr lang="ko-KR" altLang="en-US" sz="1200" dirty="0"/>
+              <a:t>센서모델</a:t>
+            </a:r>
+            <a:r>
+              <a:rPr lang="en-US" altLang="ko-KR" sz="1200" dirty="0"/>
+              <a:t>·</a:t>
+            </a:r>
+            <a:r>
+              <a:rPr lang="ko-KR" altLang="en-US" sz="1200" dirty="0"/>
+              <a:t>환경 상호작용</a:t>
+            </a:r>
+            <a:r>
+              <a:rPr lang="en-US" altLang="ko-KR" sz="1200" dirty="0"/>
+              <a:t>·</a:t>
+            </a:r>
+            <a:r>
+              <a:rPr lang="ko-KR" altLang="en-US" sz="1200" dirty="0"/>
+              <a:t>실시간 루프</a:t>
+            </a:r>
+            <a:r>
+              <a:rPr lang="en-US" altLang="ko-KR" sz="1200" dirty="0"/>
+              <a:t>·</a:t>
+            </a:r>
+            <a:r>
+              <a:rPr lang="ko-KR" altLang="en-US" sz="1200" dirty="0"/>
+              <a:t>통신까지 모두 직접 구현해야 하므로 개발 난도가 급격히 높아진다</a:t>
+            </a:r>
+            <a:r>
+              <a:rPr lang="en-US" altLang="ko-KR" sz="1200" dirty="0"/>
+              <a:t>.</a:t>
+            </a:r>
+            <a:endParaRPr lang="ko-KR" altLang="en-US" sz="1200" dirty="0"/>
+          </a:p>
+        </p:txBody>
+      </p:sp>
+      <p:pic>
+        <p:nvPicPr>
+          <p:cNvPr id="16" name="그림 15" descr="텍스트, 도표, 스크린샷, 지도이(가) 표시된 사진&#10;&#10;AI 생성 콘텐츠는 정확하지 않을 수 있습니다.">
+            <a:extLst>
+              <a:ext uri="{FF2B5EF4-FFF2-40B4-BE49-F238E27FC236}">
+                <a16:creationId xmlns:a16="http://schemas.microsoft.com/office/drawing/2014/main" id="{134D919B-D323-FF83-CA7D-EDE06A18E271}"/>
+              </a:ext>
+            </a:extLst>
+          </p:cNvPr>
+          <p:cNvPicPr>
+            <a:picLocks noChangeAspect="1"/>
+          </p:cNvPicPr>
+          <p:nvPr/>
+        </p:nvPicPr>
+        <p:blipFill>
+          <a:blip r:embed="rId3"/>
+          <a:stretch>
+            <a:fillRect/>
+          </a:stretch>
+        </p:blipFill>
+        <p:spPr>
+          <a:xfrm>
+            <a:off x="5494443" y="134303"/>
+            <a:ext cx="5784427" cy="3253740"/>
+          </a:xfrm>
+          <a:prstGeom prst="rect">
+            <a:avLst/>
+          </a:prstGeom>
+        </p:spPr>
+      </p:pic>
+      <p:sp>
+        <p:nvSpPr>
+          <p:cNvPr id="17" name="TextBox 16">
+            <a:extLst>
+              <a:ext uri="{FF2B5EF4-FFF2-40B4-BE49-F238E27FC236}">
+                <a16:creationId xmlns:a16="http://schemas.microsoft.com/office/drawing/2014/main" id="{D259D321-A16C-73E5-6FA1-7245053F9BCD}"/>
+              </a:ext>
+            </a:extLst>
+          </p:cNvPr>
+          <p:cNvSpPr txBox="1"/>
+          <p:nvPr/>
+        </p:nvSpPr>
+        <p:spPr>
+          <a:xfrm>
+            <a:off x="5381413" y="3366221"/>
+            <a:ext cx="5777654" cy="307777"/>
+          </a:xfrm>
+          <a:prstGeom prst="rect">
+            <a:avLst/>
+          </a:prstGeom>
+          <a:noFill/>
+        </p:spPr>
+        <p:txBody>
+          <a:bodyPr wrap="square" rtlCol="0">
+            <a:spAutoFit/>
+          </a:bodyPr>
+          <a:lstStyle/>
+          <a:p>
+            <a:r>
+              <a:rPr lang="en-US" altLang="ko-KR" sz="1400" b="1" dirty="0"/>
+              <a:t>[</a:t>
+            </a:r>
+            <a:r>
+              <a:rPr lang="en-US" altLang="ko-KR" sz="1400" b="1" dirty="0" err="1"/>
+              <a:t>AirSim</a:t>
+            </a:r>
+            <a:r>
+              <a:rPr lang="en-US" altLang="ko-KR" sz="1400" b="1" dirty="0"/>
+              <a:t> Architecture] 1</a:t>
+            </a:r>
+          </a:p>
+        </p:txBody>
+      </p:sp>
+      <p:sp>
+        <p:nvSpPr>
+          <p:cNvPr id="18" name="TextBox 17">
+            <a:extLst>
+              <a:ext uri="{FF2B5EF4-FFF2-40B4-BE49-F238E27FC236}">
+                <a16:creationId xmlns:a16="http://schemas.microsoft.com/office/drawing/2014/main" id="{72929535-279D-43AA-E47A-239DBB977150}"/>
+              </a:ext>
+            </a:extLst>
+          </p:cNvPr>
+          <p:cNvSpPr txBox="1"/>
+          <p:nvPr/>
+        </p:nvSpPr>
+        <p:spPr>
+          <a:xfrm>
+            <a:off x="359246" y="6443459"/>
+            <a:ext cx="11172354" cy="215444"/>
+          </a:xfrm>
+          <a:prstGeom prst="rect">
+            <a:avLst/>
+          </a:prstGeom>
+          <a:noFill/>
+        </p:spPr>
+        <p:txBody>
+          <a:bodyPr wrap="square">
+            <a:spAutoFit/>
+          </a:bodyPr>
+          <a:lstStyle/>
+          <a:p>
+            <a:r>
+              <a:rPr lang="en-US" altLang="ko-KR" sz="800" b="1" dirty="0"/>
+              <a:t>1 [Source: https://microsoft.github.io/AirSim/design/#architecture]</a:t>
+            </a:r>
+            <a:endParaRPr lang="ko-KR" altLang="en-US" sz="800" b="1" dirty="0"/>
           </a:p>
         </p:txBody>
       </p:sp>
@@ -5267,6 +7077,697 @@
     <p:extLst>
       <p:ext uri="{BB962C8B-B14F-4D97-AF65-F5344CB8AC3E}">
         <p14:creationId xmlns:p14="http://schemas.microsoft.com/office/powerpoint/2010/main" val="1572460453"/>
+      </p:ext>
+    </p:extLst>
+  </p:cSld>
+  <p:clrMapOvr>
+    <a:masterClrMapping/>
+  </p:clrMapOvr>
+</p:sld>
+</file>
+
+<file path=ppt/slides/slide5.xml><?xml version="1.0" encoding="utf-8"?>
+<p:sld xmlns:a="http://schemas.openxmlformats.org/drawingml/2006/main" xmlns:r="http://schemas.openxmlformats.org/officeDocument/2006/relationships" xmlns:p="http://schemas.openxmlformats.org/presentationml/2006/main">
+  <p:cSld>
+    <p:spTree>
+      <p:nvGrpSpPr>
+        <p:cNvPr id="1" name="">
+          <a:extLst>
+            <a:ext uri="{FF2B5EF4-FFF2-40B4-BE49-F238E27FC236}">
+              <a16:creationId xmlns:a16="http://schemas.microsoft.com/office/drawing/2014/main" id="{314D9425-3F13-4F11-DC7F-4D0F5EC001FB}"/>
+            </a:ext>
+          </a:extLst>
+        </p:cNvPr>
+        <p:cNvGrpSpPr/>
+        <p:nvPr/>
+      </p:nvGrpSpPr>
+      <p:grpSpPr>
+        <a:xfrm>
+          <a:off x="0" y="0"/>
+          <a:ext cx="0" cy="0"/>
+          <a:chOff x="0" y="0"/>
+          <a:chExt cx="0" cy="0"/>
+        </a:xfrm>
+      </p:grpSpPr>
+      <p:sp>
+        <p:nvSpPr>
+          <p:cNvPr id="3" name="TextBox 2">
+            <a:extLst>
+              <a:ext uri="{FF2B5EF4-FFF2-40B4-BE49-F238E27FC236}">
+                <a16:creationId xmlns:a16="http://schemas.microsoft.com/office/drawing/2014/main" id="{D5C2CE64-D29B-9524-3657-681DCEB87C71}"/>
+              </a:ext>
+            </a:extLst>
+          </p:cNvPr>
+          <p:cNvSpPr txBox="1"/>
+          <p:nvPr/>
+        </p:nvSpPr>
+        <p:spPr>
+          <a:xfrm>
+            <a:off x="406871" y="173267"/>
+            <a:ext cx="11077104" cy="369332"/>
+          </a:xfrm>
+          <a:prstGeom prst="rect">
+            <a:avLst/>
+          </a:prstGeom>
+          <a:noFill/>
+        </p:spPr>
+        <p:txBody>
+          <a:bodyPr wrap="square" rtlCol="0">
+            <a:spAutoFit/>
+          </a:bodyPr>
+          <a:lstStyle/>
+          <a:p>
+            <a:r>
+              <a:rPr lang="en-US" altLang="ko-KR" b="1" dirty="0">
+                <a:latin typeface="+mj-lt"/>
+              </a:rPr>
+              <a:t>2. </a:t>
+            </a:r>
+            <a:r>
+              <a:rPr lang="ko-KR" altLang="en-US" b="1" dirty="0">
+                <a:latin typeface="+mj-lt"/>
+              </a:rPr>
+              <a:t>문제점</a:t>
+            </a:r>
+          </a:p>
+        </p:txBody>
+      </p:sp>
+      <p:sp>
+        <p:nvSpPr>
+          <p:cNvPr id="8" name="TextBox 7">
+            <a:extLst>
+              <a:ext uri="{FF2B5EF4-FFF2-40B4-BE49-F238E27FC236}">
+                <a16:creationId xmlns:a16="http://schemas.microsoft.com/office/drawing/2014/main" id="{D01D56B3-6F66-D517-E882-4470CD9A4621}"/>
+              </a:ext>
+            </a:extLst>
+          </p:cNvPr>
+          <p:cNvSpPr txBox="1"/>
+          <p:nvPr/>
+        </p:nvSpPr>
+        <p:spPr>
+          <a:xfrm>
+            <a:off x="602779" y="752149"/>
+            <a:ext cx="11176000" cy="3785652"/>
+          </a:xfrm>
+          <a:prstGeom prst="rect">
+            <a:avLst/>
+          </a:prstGeom>
+          <a:noFill/>
+        </p:spPr>
+        <p:txBody>
+          <a:bodyPr wrap="square">
+            <a:spAutoFit/>
+          </a:bodyPr>
+          <a:lstStyle/>
+          <a:p>
+            <a:r>
+              <a:rPr lang="en-US" altLang="ko-KR" sz="1600" b="1" dirty="0"/>
+              <a:t>2.1 </a:t>
+            </a:r>
+            <a:r>
+              <a:rPr lang="ko-KR" altLang="en-US" sz="1600" b="1" dirty="0"/>
+              <a:t>센서 모델 불일치 문제</a:t>
+            </a:r>
+            <a:endParaRPr lang="en-US" altLang="ko-KR" sz="1600" b="1" dirty="0"/>
+          </a:p>
+          <a:p>
+            <a:r>
+              <a:rPr lang="ko-KR" altLang="en-US" sz="1600" dirty="0"/>
+              <a:t>고주파 </a:t>
+            </a:r>
+            <a:r>
+              <a:rPr lang="en-US" altLang="ko-KR" sz="1600" dirty="0"/>
+              <a:t>IMU → </a:t>
+            </a:r>
+            <a:r>
+              <a:rPr lang="ko-KR" altLang="en-US" sz="1600" dirty="0"/>
+              <a:t>저주파 시뮬레이터에서는 진동</a:t>
+            </a:r>
+            <a:r>
+              <a:rPr lang="en-US" altLang="ko-KR" sz="1600" dirty="0"/>
+              <a:t>/</a:t>
+            </a:r>
+            <a:r>
+              <a:rPr lang="ko-KR" altLang="en-US" sz="1600" dirty="0" err="1"/>
+              <a:t>외란</a:t>
+            </a:r>
+            <a:r>
+              <a:rPr lang="en-US" altLang="ko-KR" sz="1600" dirty="0"/>
+              <a:t>/</a:t>
+            </a:r>
+            <a:r>
+              <a:rPr lang="ko-KR" altLang="en-US" sz="1600" dirty="0"/>
+              <a:t>가속도 패턴이 전혀 다르게 나타남</a:t>
+            </a:r>
+            <a:endParaRPr lang="en-US" altLang="ko-KR" sz="1600" dirty="0"/>
+          </a:p>
+          <a:p>
+            <a:r>
+              <a:rPr lang="ko-KR" altLang="en-US" sz="1600" dirty="0"/>
+              <a:t> → 시뮬레이션 튜닝이 실기체에서 실패</a:t>
+            </a:r>
+            <a:endParaRPr lang="en-US" altLang="ko-KR" sz="1600" dirty="0"/>
+          </a:p>
+          <a:p>
+            <a:endParaRPr lang="en-US" altLang="ko-KR" sz="1600" dirty="0"/>
+          </a:p>
+          <a:p>
+            <a:endParaRPr lang="en-US" altLang="ko-KR" sz="1600" b="1" dirty="0"/>
+          </a:p>
+          <a:p>
+            <a:r>
+              <a:rPr lang="en-US" altLang="ko-KR" sz="1600" b="1" dirty="0"/>
+              <a:t>2.2 </a:t>
+            </a:r>
+            <a:r>
+              <a:rPr lang="ko-KR" altLang="en-US" sz="1600" b="1" dirty="0"/>
+              <a:t>제어 루프 불일치 문제</a:t>
+            </a:r>
+            <a:endParaRPr lang="en-US" altLang="ko-KR" sz="1600" b="1" dirty="0"/>
+          </a:p>
+          <a:p>
+            <a:r>
+              <a:rPr lang="ko-KR" altLang="en-US" sz="1600" dirty="0" err="1"/>
+              <a:t>실기체</a:t>
+            </a:r>
+            <a:r>
+              <a:rPr lang="en-US" altLang="ko-KR" sz="1600" dirty="0"/>
+              <a:t>(1~32 kHz) vs </a:t>
+            </a:r>
+            <a:r>
+              <a:rPr lang="ko-KR" altLang="en-US" sz="1600" dirty="0"/>
+              <a:t>시뮬레이터</a:t>
+            </a:r>
+            <a:r>
+              <a:rPr lang="en-US" altLang="ko-KR" sz="1600" dirty="0"/>
+              <a:t>(100~1 kHz)</a:t>
+            </a:r>
+            <a:br>
+              <a:rPr lang="en-US" altLang="ko-KR" sz="1600" dirty="0"/>
+            </a:br>
+            <a:r>
+              <a:rPr lang="ko-KR" altLang="en-US" sz="1600" dirty="0"/>
+              <a:t> → 제어 응답</a:t>
+            </a:r>
+            <a:r>
+              <a:rPr lang="en-US" altLang="ko-KR" sz="1600" dirty="0"/>
+              <a:t>, </a:t>
+            </a:r>
+            <a:r>
+              <a:rPr lang="ko-KR" altLang="en-US" sz="1600" dirty="0"/>
+              <a:t>안정성</a:t>
+            </a:r>
+            <a:r>
+              <a:rPr lang="en-US" altLang="ko-KR" sz="1600" dirty="0"/>
+              <a:t>, overshoot/undershoot </a:t>
+            </a:r>
+            <a:r>
+              <a:rPr lang="ko-KR" altLang="en-US" sz="1600" dirty="0"/>
+              <a:t>전부 달라짐</a:t>
+            </a:r>
+            <a:endParaRPr lang="en-US" altLang="ko-KR" sz="1600" dirty="0"/>
+          </a:p>
+          <a:p>
+            <a:endParaRPr lang="ko-KR" altLang="en-US" sz="1600" dirty="0"/>
+          </a:p>
+          <a:p>
+            <a:endParaRPr lang="en-US" altLang="ko-KR" sz="1600" b="1" dirty="0"/>
+          </a:p>
+          <a:p>
+            <a:r>
+              <a:rPr lang="en-US" altLang="ko-KR" sz="1600" b="1" dirty="0"/>
+              <a:t>2.3 </a:t>
+            </a:r>
+            <a:r>
+              <a:rPr lang="ko-KR" altLang="en-US" sz="1600" b="1" dirty="0"/>
+              <a:t>지연</a:t>
+            </a:r>
+            <a:r>
+              <a:rPr lang="en-US" altLang="ko-KR" sz="1600" b="1" dirty="0"/>
+              <a:t>(latency)·</a:t>
+            </a:r>
+            <a:r>
+              <a:rPr lang="ko-KR" altLang="en-US" sz="1600" b="1" dirty="0" err="1"/>
+              <a:t>지터</a:t>
+            </a:r>
+            <a:r>
+              <a:rPr lang="en-US" altLang="ko-KR" sz="1600" b="1" dirty="0"/>
+              <a:t>(jitter) </a:t>
+            </a:r>
+            <a:r>
+              <a:rPr lang="ko-KR" altLang="en-US" sz="1600" b="1" dirty="0"/>
+              <a:t>문제</a:t>
+            </a:r>
+          </a:p>
+          <a:p>
+            <a:r>
+              <a:rPr lang="en-US" altLang="ko-KR" sz="1600" dirty="0"/>
+              <a:t>Gazebo / </a:t>
+            </a:r>
+            <a:r>
+              <a:rPr lang="en-US" altLang="ko-KR" sz="1600" dirty="0" err="1"/>
+              <a:t>AirSim</a:t>
+            </a:r>
+            <a:r>
+              <a:rPr lang="en-US" altLang="ko-KR" sz="1600" dirty="0"/>
+              <a:t> / ROS / RPC / </a:t>
+            </a:r>
+            <a:r>
+              <a:rPr lang="en-US" altLang="ko-KR" sz="1600" dirty="0" err="1"/>
+              <a:t>MAVLink</a:t>
+            </a:r>
+            <a:r>
+              <a:rPr lang="en-US" altLang="ko-KR" sz="1600" dirty="0"/>
+              <a:t> </a:t>
+            </a:r>
+            <a:r>
+              <a:rPr lang="ko-KR" altLang="en-US" sz="1600" dirty="0"/>
+              <a:t>데이터 통신의</a:t>
+            </a:r>
+            <a:r>
+              <a:rPr lang="en-US" altLang="ko-KR" sz="1600" dirty="0"/>
+              <a:t> </a:t>
+            </a:r>
+            <a:r>
+              <a:rPr lang="ko-KR" altLang="en-US" sz="1600" dirty="0"/>
+              <a:t>구조적 한계</a:t>
+            </a:r>
+            <a:br>
+              <a:rPr lang="ko-KR" altLang="en-US" sz="1600" dirty="0"/>
+            </a:br>
+            <a:r>
+              <a:rPr lang="ko-KR" altLang="en-US" sz="1600" dirty="0"/>
+              <a:t> → 실시간성 보장 불가 → 고주파 테스트 절대 불가</a:t>
+            </a:r>
+          </a:p>
+          <a:p>
+            <a:endParaRPr lang="en-US" altLang="ko-KR" sz="1600" dirty="0"/>
+          </a:p>
+          <a:p>
+            <a:endParaRPr lang="ko-KR" altLang="en-US" sz="1600" dirty="0"/>
+          </a:p>
+        </p:txBody>
+      </p:sp>
+    </p:spTree>
+    <p:extLst>
+      <p:ext uri="{BB962C8B-B14F-4D97-AF65-F5344CB8AC3E}">
+        <p14:creationId xmlns:p14="http://schemas.microsoft.com/office/powerpoint/2010/main" val="3827739299"/>
+      </p:ext>
+    </p:extLst>
+  </p:cSld>
+  <p:clrMapOvr>
+    <a:masterClrMapping/>
+  </p:clrMapOvr>
+</p:sld>
+</file>
+
+<file path=ppt/slides/slide6.xml><?xml version="1.0" encoding="utf-8"?>
+<p:sld xmlns:a="http://schemas.openxmlformats.org/drawingml/2006/main" xmlns:r="http://schemas.openxmlformats.org/officeDocument/2006/relationships" xmlns:p="http://schemas.openxmlformats.org/presentationml/2006/main">
+  <p:cSld>
+    <p:spTree>
+      <p:nvGrpSpPr>
+        <p:cNvPr id="1" name="">
+          <a:extLst>
+            <a:ext uri="{FF2B5EF4-FFF2-40B4-BE49-F238E27FC236}">
+              <a16:creationId xmlns:a16="http://schemas.microsoft.com/office/drawing/2014/main" id="{06D3415E-249B-4704-FF73-323C6812EC40}"/>
+            </a:ext>
+          </a:extLst>
+        </p:cNvPr>
+        <p:cNvGrpSpPr/>
+        <p:nvPr/>
+      </p:nvGrpSpPr>
+      <p:grpSpPr>
+        <a:xfrm>
+          <a:off x="0" y="0"/>
+          <a:ext cx="0" cy="0"/>
+          <a:chOff x="0" y="0"/>
+          <a:chExt cx="0" cy="0"/>
+        </a:xfrm>
+      </p:grpSpPr>
+      <p:sp>
+        <p:nvSpPr>
+          <p:cNvPr id="3" name="TextBox 2">
+            <a:extLst>
+              <a:ext uri="{FF2B5EF4-FFF2-40B4-BE49-F238E27FC236}">
+                <a16:creationId xmlns:a16="http://schemas.microsoft.com/office/drawing/2014/main" id="{F616F55F-95D4-E301-2F3A-F76E96B26ECF}"/>
+              </a:ext>
+            </a:extLst>
+          </p:cNvPr>
+          <p:cNvSpPr txBox="1"/>
+          <p:nvPr/>
+        </p:nvSpPr>
+        <p:spPr>
+          <a:xfrm>
+            <a:off x="406871" y="173267"/>
+            <a:ext cx="11077104" cy="369332"/>
+          </a:xfrm>
+          <a:prstGeom prst="rect">
+            <a:avLst/>
+          </a:prstGeom>
+          <a:noFill/>
+        </p:spPr>
+        <p:txBody>
+          <a:bodyPr wrap="square" rtlCol="0">
+            <a:spAutoFit/>
+          </a:bodyPr>
+          <a:lstStyle/>
+          <a:p>
+            <a:r>
+              <a:rPr lang="en-US" altLang="ko-KR" b="1" dirty="0">
+                <a:latin typeface="+mj-lt"/>
+              </a:rPr>
+              <a:t>3. </a:t>
+            </a:r>
+            <a:r>
+              <a:rPr lang="ko-KR" altLang="en-US" b="1" dirty="0">
+                <a:latin typeface="+mj-lt"/>
+              </a:rPr>
+              <a:t>연구 목표</a:t>
+            </a:r>
+          </a:p>
+        </p:txBody>
+      </p:sp>
+      <p:sp>
+        <p:nvSpPr>
+          <p:cNvPr id="8" name="TextBox 7">
+            <a:extLst>
+              <a:ext uri="{FF2B5EF4-FFF2-40B4-BE49-F238E27FC236}">
+                <a16:creationId xmlns:a16="http://schemas.microsoft.com/office/drawing/2014/main" id="{43312E6D-1C52-4C8A-7CD6-943C0DF809F6}"/>
+              </a:ext>
+            </a:extLst>
+          </p:cNvPr>
+          <p:cNvSpPr txBox="1"/>
+          <p:nvPr/>
+        </p:nvSpPr>
+        <p:spPr>
+          <a:xfrm>
+            <a:off x="583729" y="752149"/>
+            <a:ext cx="11176000" cy="3785652"/>
+          </a:xfrm>
+          <a:prstGeom prst="rect">
+            <a:avLst/>
+          </a:prstGeom>
+          <a:noFill/>
+        </p:spPr>
+        <p:txBody>
+          <a:bodyPr wrap="square">
+            <a:spAutoFit/>
+          </a:bodyPr>
+          <a:lstStyle/>
+          <a:p>
+            <a:r>
+              <a:rPr lang="en-US" altLang="ko-KR" sz="1600" b="1" dirty="0"/>
+              <a:t>3.1 </a:t>
+            </a:r>
+            <a:r>
+              <a:rPr lang="ko-KR" altLang="en-US" sz="1600" b="1" dirty="0"/>
+              <a:t>고주파 </a:t>
+            </a:r>
+            <a:r>
+              <a:rPr lang="en-US" altLang="ko-KR" sz="1600" b="1" dirty="0"/>
+              <a:t>IMU </a:t>
+            </a:r>
+            <a:r>
+              <a:rPr lang="ko-KR" altLang="en-US" sz="1600" b="1" dirty="0"/>
+              <a:t>센서 루프 재현</a:t>
+            </a:r>
+            <a:endParaRPr lang="en-US" altLang="ko-KR" sz="1600" b="1" dirty="0"/>
+          </a:p>
+          <a:p>
+            <a:r>
+              <a:rPr lang="en-US" altLang="ko-KR" sz="1600" dirty="0"/>
+              <a:t> - </a:t>
+            </a:r>
+            <a:r>
+              <a:rPr lang="ko-KR" altLang="en-US" sz="1600" dirty="0" err="1"/>
+              <a:t>실기체</a:t>
+            </a:r>
+            <a:r>
+              <a:rPr lang="ko-KR" altLang="en-US" sz="1600" dirty="0"/>
+              <a:t> </a:t>
+            </a:r>
+            <a:r>
+              <a:rPr lang="en-US" altLang="ko-KR" sz="1600" dirty="0"/>
+              <a:t>IMU </a:t>
+            </a:r>
+            <a:r>
+              <a:rPr lang="ko-KR" altLang="en-US" sz="1600" dirty="0"/>
+              <a:t>수준의 고주파</a:t>
+            </a:r>
+            <a:r>
+              <a:rPr lang="en-US" altLang="ko-KR" sz="1600" dirty="0"/>
+              <a:t>(8~32 kHz)</a:t>
+            </a:r>
+            <a:r>
+              <a:rPr lang="ko-KR" altLang="en-US" sz="1600" dirty="0"/>
+              <a:t> 출력 데이터 생성</a:t>
+            </a:r>
+          </a:p>
+          <a:p>
+            <a:endParaRPr lang="en-US" altLang="ko-KR" sz="1600" dirty="0"/>
+          </a:p>
+          <a:p>
+            <a:r>
+              <a:rPr lang="en-US" altLang="ko-KR" sz="1600" b="1" dirty="0"/>
+              <a:t>3.2 </a:t>
+            </a:r>
+            <a:r>
+              <a:rPr lang="ko-KR" altLang="en-US" sz="1600" b="1" dirty="0"/>
+              <a:t>고주파 제어 루프</a:t>
+            </a:r>
+            <a:r>
+              <a:rPr lang="en-US" altLang="ko-KR" sz="1600" b="1" dirty="0"/>
+              <a:t>(Attitude Loop) </a:t>
+            </a:r>
+            <a:r>
+              <a:rPr lang="ko-KR" altLang="en-US" sz="1600" b="1" dirty="0"/>
+              <a:t>실시간 처리</a:t>
+            </a:r>
+            <a:endParaRPr lang="en-US" altLang="ko-KR" sz="1600" b="1" dirty="0"/>
+          </a:p>
+          <a:p>
+            <a:r>
+              <a:rPr lang="en-US" altLang="ko-KR" sz="1600" dirty="0"/>
+              <a:t>- </a:t>
+            </a:r>
+            <a:r>
+              <a:rPr lang="ko-KR" altLang="en-US" sz="1600" dirty="0" err="1"/>
+              <a:t>실기체</a:t>
+            </a:r>
+            <a:r>
+              <a:rPr lang="ko-KR" altLang="en-US" sz="1600" dirty="0"/>
+              <a:t> </a:t>
+            </a:r>
+            <a:r>
+              <a:rPr lang="en-US" altLang="ko-KR" sz="1600" dirty="0"/>
+              <a:t>FC </a:t>
+            </a:r>
+            <a:r>
+              <a:rPr lang="ko-KR" altLang="en-US" sz="1600" dirty="0"/>
+              <a:t>수준의 </a:t>
+            </a:r>
+            <a:r>
+              <a:rPr lang="en-US" altLang="ko-KR" sz="1600" dirty="0"/>
+              <a:t>1~8 kHz </a:t>
+            </a:r>
+            <a:r>
+              <a:rPr lang="ko-KR" altLang="en-US" sz="1600" dirty="0"/>
+              <a:t>제어 루프 구현</a:t>
+            </a:r>
+            <a:endParaRPr lang="en-US" altLang="ko-KR" sz="1600" dirty="0"/>
+          </a:p>
+          <a:p>
+            <a:endParaRPr lang="en-US" altLang="ko-KR" sz="1600" dirty="0"/>
+          </a:p>
+          <a:p>
+            <a:r>
+              <a:rPr lang="en-US" altLang="ko-KR" sz="1600" b="1" dirty="0"/>
+              <a:t>3.3 </a:t>
+            </a:r>
+            <a:r>
+              <a:rPr lang="ko-KR" altLang="en-US" sz="1600" b="1" dirty="0"/>
+              <a:t>지연</a:t>
+            </a:r>
+            <a:r>
+              <a:rPr lang="en-US" altLang="ko-KR" sz="1600" b="1" dirty="0"/>
+              <a:t>(latency), </a:t>
+            </a:r>
+            <a:r>
+              <a:rPr lang="ko-KR" altLang="en-US" sz="1600" b="1" dirty="0" err="1"/>
+              <a:t>지터</a:t>
+            </a:r>
+            <a:r>
+              <a:rPr lang="en-US" altLang="ko-KR" sz="1600" b="1" dirty="0"/>
+              <a:t>(jitter) </a:t>
+            </a:r>
+            <a:r>
+              <a:rPr lang="ko-KR" altLang="en-US" sz="1600" b="1" dirty="0"/>
+              <a:t>없는 실시간 구조 설계</a:t>
+            </a:r>
+            <a:endParaRPr lang="en-US" altLang="ko-KR" sz="1600" b="1" dirty="0"/>
+          </a:p>
+          <a:p>
+            <a:r>
+              <a:rPr lang="en-US" altLang="ko-KR" sz="1600" dirty="0"/>
+              <a:t>- </a:t>
+            </a:r>
+            <a:r>
+              <a:rPr lang="ko-KR" altLang="en-US" sz="1600" dirty="0"/>
+              <a:t>네트워크</a:t>
+            </a:r>
+            <a:r>
+              <a:rPr lang="en-US" altLang="ko-KR" sz="1600" dirty="0"/>
+              <a:t>·RPC </a:t>
+            </a:r>
+            <a:r>
+              <a:rPr lang="ko-KR" altLang="en-US" sz="1600" dirty="0"/>
+              <a:t>기반 통신을 사용하지 않는 고정 주기 실행 엔진 구축</a:t>
+            </a:r>
+            <a:endParaRPr lang="en-US" altLang="ko-KR" sz="1600" dirty="0"/>
+          </a:p>
+          <a:p>
+            <a:pPr marL="285750" indent="-285750">
+              <a:buFontTx/>
+              <a:buChar char="-"/>
+            </a:pPr>
+            <a:endParaRPr lang="en-US" altLang="ko-KR" sz="1600" dirty="0"/>
+          </a:p>
+          <a:p>
+            <a:r>
+              <a:rPr lang="en-US" altLang="ko-KR" sz="1600" b="1" dirty="0"/>
+              <a:t>3.4 </a:t>
+            </a:r>
+            <a:r>
+              <a:rPr lang="ko-KR" altLang="en-US" sz="1600" b="1" dirty="0"/>
+              <a:t>제안된 시뮬레이터의 실시간</a:t>
+            </a:r>
+            <a:r>
+              <a:rPr lang="en-US" altLang="ko-KR" sz="1600" b="1" dirty="0"/>
+              <a:t>·</a:t>
+            </a:r>
+            <a:r>
+              <a:rPr lang="ko-KR" altLang="en-US" sz="1600" b="1" dirty="0"/>
+              <a:t>고주파 성능 검증</a:t>
+            </a:r>
+            <a:endParaRPr lang="en-US" altLang="ko-KR" sz="1600" b="1" dirty="0"/>
+          </a:p>
+          <a:p>
+            <a:r>
+              <a:rPr lang="en-US" altLang="ko-KR" sz="1600" dirty="0"/>
+              <a:t>- </a:t>
+            </a:r>
+            <a:r>
+              <a:rPr lang="ko-KR" altLang="en-US" sz="1600" dirty="0"/>
+              <a:t>센서</a:t>
+            </a:r>
+            <a:r>
+              <a:rPr lang="en-US" altLang="ko-KR" sz="1600" dirty="0"/>
+              <a:t>/</a:t>
+            </a:r>
+            <a:r>
+              <a:rPr lang="ko-KR" altLang="en-US" sz="1600" dirty="0"/>
+              <a:t>제어 루프의 </a:t>
+            </a:r>
+            <a:r>
+              <a:rPr lang="ko-KR" altLang="en-US" sz="1600" b="1" dirty="0"/>
+              <a:t>시간 정확도</a:t>
+            </a:r>
+            <a:r>
+              <a:rPr lang="en-US" altLang="ko-KR" sz="1600" b="1" dirty="0"/>
+              <a:t>(Time Determinism) </a:t>
+            </a:r>
+            <a:r>
+              <a:rPr lang="ko-KR" altLang="en-US" sz="1600" b="1" dirty="0"/>
+              <a:t>측정</a:t>
+            </a:r>
+            <a:endParaRPr lang="en-US" altLang="ko-KR" sz="1600" b="1" dirty="0"/>
+          </a:p>
+          <a:p>
+            <a:r>
+              <a:rPr lang="en-US" altLang="ko-KR" sz="1600" b="1" dirty="0"/>
+              <a:t>- </a:t>
+            </a:r>
+            <a:r>
+              <a:rPr lang="ko-KR" altLang="en-US" sz="1600" b="1" dirty="0"/>
+              <a:t>지연</a:t>
+            </a:r>
+            <a:r>
+              <a:rPr lang="en-US" altLang="ko-KR" sz="1600" b="1" dirty="0"/>
+              <a:t>·</a:t>
+            </a:r>
+            <a:r>
+              <a:rPr lang="ko-KR" altLang="en-US" sz="1600" b="1" dirty="0" err="1"/>
+              <a:t>지터</a:t>
+            </a:r>
+            <a:r>
+              <a:rPr lang="ko-KR" altLang="en-US" sz="1600" b="1" dirty="0"/>
+              <a:t> 분석</a:t>
+            </a:r>
+            <a:r>
+              <a:rPr lang="ko-KR" altLang="en-US" sz="1600" dirty="0"/>
+              <a:t>을 통한 기존 시뮬레이터 대비 성능 비교</a:t>
+            </a:r>
+            <a:endParaRPr lang="en-US" altLang="ko-KR" sz="1600" dirty="0"/>
+          </a:p>
+          <a:p>
+            <a:endParaRPr lang="en-US" altLang="ko-KR" sz="1600" dirty="0"/>
+          </a:p>
+          <a:p>
+            <a:r>
+              <a:rPr lang="en-US" altLang="ko-KR" sz="1600" dirty="0"/>
+              <a:t>3.5 </a:t>
+            </a:r>
+            <a:r>
+              <a:rPr lang="ko-KR" altLang="en-US" sz="1600" b="1" dirty="0"/>
+              <a:t>비행 시나리오 기반 비행 안정성</a:t>
+            </a:r>
+            <a:r>
+              <a:rPr lang="en-US" altLang="ko-KR" sz="1600" b="1" dirty="0"/>
+              <a:t>(Flight Dynamics) </a:t>
+            </a:r>
+            <a:r>
+              <a:rPr lang="ko-KR" altLang="en-US" sz="1600" b="1" dirty="0"/>
+              <a:t>검증</a:t>
+            </a:r>
+            <a:br>
+              <a:rPr lang="ko-KR" altLang="en-US" sz="1600" dirty="0"/>
+            </a:br>
+            <a:r>
+              <a:rPr lang="en-US" altLang="ko-KR" sz="1600" dirty="0"/>
+              <a:t>– </a:t>
+            </a:r>
+            <a:r>
+              <a:rPr lang="ko-KR" altLang="en-US" sz="1600" dirty="0"/>
+              <a:t>호버링</a:t>
+            </a:r>
+            <a:r>
+              <a:rPr lang="en-US" altLang="ko-KR" sz="1600" dirty="0"/>
+              <a:t>, </a:t>
+            </a:r>
+            <a:r>
+              <a:rPr lang="ko-KR" altLang="en-US" sz="1600" dirty="0"/>
+              <a:t>스텝 응답</a:t>
+            </a:r>
+            <a:r>
+              <a:rPr lang="en-US" altLang="ko-KR" sz="1600" dirty="0"/>
+              <a:t>, yaw </a:t>
+            </a:r>
+            <a:r>
+              <a:rPr lang="ko-KR" altLang="en-US" sz="1600" dirty="0" err="1"/>
+              <a:t>스윕</a:t>
+            </a:r>
+            <a:r>
+              <a:rPr lang="ko-KR" altLang="en-US" sz="1600" dirty="0"/>
+              <a:t> 등 단순 시나리오를 통한 제안 구조의 비행 가능성 검증</a:t>
+            </a:r>
+            <a:endParaRPr lang="en-US" altLang="ko-KR" sz="1600" dirty="0"/>
+          </a:p>
+        </p:txBody>
+      </p:sp>
+    </p:spTree>
+    <p:extLst>
+      <p:ext uri="{BB962C8B-B14F-4D97-AF65-F5344CB8AC3E}">
+        <p14:creationId xmlns:p14="http://schemas.microsoft.com/office/powerpoint/2010/main" val="410924809"/>
       </p:ext>
     </p:extLst>
   </p:cSld>

--- a/x_memory/docs2/논문연구I-발표자료.pptx
+++ b/x_memory/docs2/논문연구I-발표자료.pptx
@@ -5251,8 +5251,8 @@
         </p:nvSpPr>
         <p:spPr>
           <a:xfrm>
-            <a:off x="394735" y="2205180"/>
-            <a:ext cx="11330939" cy="1107996"/>
+            <a:off x="394735" y="2092801"/>
+            <a:ext cx="11330939" cy="1569660"/>
           </a:xfrm>
           <a:prstGeom prst="rect">
             <a:avLst/>
@@ -5270,28 +5270,107 @@
               <a:t> </a:t>
             </a:r>
             <a:r>
+              <a:rPr lang="en-US" altLang="ko-KR" sz="1600" b="1" dirty="0"/>
+              <a:t>MU </a:t>
+            </a:r>
+            <a:r>
+              <a:rPr lang="ko-KR" altLang="en-US" sz="1600" b="1" dirty="0"/>
+              <a:t>센서는 보통 </a:t>
+            </a:r>
+            <a:r>
+              <a:rPr lang="en-US" altLang="ko-KR" sz="1600" b="1" dirty="0"/>
+              <a:t>1~32 kHz</a:t>
+            </a:r>
+            <a:r>
+              <a:rPr lang="ko-KR" altLang="en-US" sz="1600" b="1" dirty="0"/>
+              <a:t>의 센서 주기</a:t>
+            </a:r>
+            <a:r>
+              <a:rPr lang="en-US" altLang="ko-KR" sz="1600" b="1" dirty="0"/>
+              <a:t>(</a:t>
+            </a:r>
+            <a:r>
+              <a:rPr lang="ko-KR" altLang="en-US" sz="1600" b="1" dirty="0"/>
+              <a:t>샘플링 주기</a:t>
+            </a:r>
+            <a:r>
+              <a:rPr lang="en-US" altLang="ko-KR" sz="1600" b="1" dirty="0"/>
+              <a:t>, Sensor Sampling Rate)</a:t>
+            </a:r>
+            <a:r>
+              <a:rPr lang="ko-KR" altLang="en-US" sz="1600" b="1" dirty="0"/>
+              <a:t>로 동작합니다</a:t>
+            </a:r>
+            <a:r>
+              <a:rPr lang="en-US" altLang="ko-KR" sz="1600" b="1" dirty="0"/>
+              <a:t>.</a:t>
+            </a:r>
+            <a:br>
+              <a:rPr lang="ko-KR" altLang="en-US" sz="1600" dirty="0"/>
+            </a:br>
+            <a:r>
+              <a:rPr lang="ko-KR" altLang="en-US" sz="1600" dirty="0"/>
+              <a:t>이는 </a:t>
+            </a:r>
+            <a:r>
+              <a:rPr lang="ko-KR" altLang="en-US" sz="1600" dirty="0" err="1"/>
+              <a:t>자이로</a:t>
+            </a:r>
+            <a:r>
               <a:rPr lang="en-US" altLang="ko-KR" sz="1600" dirty="0"/>
-              <a:t>IMU</a:t>
+              <a:t>·</a:t>
             </a:r>
             <a:r>
               <a:rPr lang="ko-KR" altLang="en-US" sz="1600" dirty="0"/>
-              <a:t>센서는 </a:t>
+              <a:t>가속도 데이터를 매우 높은 주기로 생산한다는 의미입니다</a:t>
             </a:r>
             <a:r>
               <a:rPr lang="en-US" altLang="ko-KR" sz="1600" dirty="0"/>
-              <a:t>1~32 kHz</a:t>
-            </a:r>
-            <a:r>
+              <a:t>.</a:t>
+            </a:r>
+          </a:p>
+          <a:p>
+            <a:endParaRPr lang="en-US" altLang="ko-KR" sz="1600" dirty="0"/>
+          </a:p>
+          <a:p>
+            <a:r>
+              <a:rPr lang="en-US" altLang="ko-KR" sz="1600" b="1" dirty="0"/>
+              <a:t>Flight Controller(Firmware)</a:t>
+            </a:r>
+            <a:r>
+              <a:rPr lang="ko-KR" altLang="en-US" sz="1600" b="1" dirty="0"/>
+              <a:t>의 제어 루프</a:t>
+            </a:r>
+            <a:r>
+              <a:rPr lang="en-US" altLang="ko-KR" sz="1600" b="1" dirty="0"/>
+              <a:t>(Control Loop Rate)</a:t>
+            </a:r>
+            <a:r>
+              <a:rPr lang="ko-KR" altLang="en-US" sz="1600" b="1" dirty="0"/>
+              <a:t>는</a:t>
+            </a:r>
+            <a:br>
               <a:rPr lang="ko-KR" altLang="en-US" sz="1600" dirty="0"/>
-              <a:t>의 고속 </a:t>
+            </a:br>
+            <a:r>
+              <a:rPr lang="ko-KR" altLang="en-US" sz="1600" dirty="0"/>
+              <a:t>센서 데이터를 처리하여 자세</a:t>
             </a:r>
             <a:r>
               <a:rPr lang="en-US" altLang="ko-KR" sz="1600" dirty="0"/>
-              <a:t>ODR</a:t>
+              <a:t>(</a:t>
+            </a:r>
+            <a:r>
+              <a:rPr lang="en-US" altLang="ko-KR" sz="1600" dirty="0" err="1"/>
+              <a:t>Pitch·Roll·Yaw</a:t>
+            </a:r>
+            <a:r>
+              <a:rPr lang="en-US" altLang="ko-KR" sz="1600" dirty="0"/>
+              <a:t>)</a:t>
             </a:r>
             <a:r>
               <a:rPr lang="ko-KR" altLang="en-US" sz="1600" dirty="0"/>
-              <a:t>로 동작하며</a:t>
+              <a:t>를 계산하고</a:t>
             </a:r>
             <a:r>
               <a:rPr lang="en-US" altLang="ko-KR" sz="1600" dirty="0"/>
@@ -5299,63 +5378,7 @@
             </a:r>
             <a:r>
               <a:rPr lang="ko-KR" altLang="en-US" sz="1600" dirty="0"/>
-              <a:t>각 </a:t>
-            </a:r>
-            <a:r>
-              <a:rPr lang="en-US" altLang="ko-KR" sz="1600" dirty="0"/>
-              <a:t>Flight Controller</a:t>
-            </a:r>
-            <a:r>
-              <a:rPr lang="ko-KR" altLang="en-US" sz="1600" dirty="0"/>
-              <a:t>의 </a:t>
-            </a:r>
-            <a:r>
-              <a:rPr lang="en-US" altLang="ko-KR" sz="1600" dirty="0"/>
-              <a:t>Firmware</a:t>
-            </a:r>
-            <a:r>
-              <a:rPr lang="ko-KR" altLang="en-US" sz="1600" dirty="0"/>
-              <a:t>는 이에 맞춰 </a:t>
-            </a:r>
-            <a:r>
-              <a:rPr lang="en-US" altLang="ko-KR" sz="1600" dirty="0"/>
-              <a:t>1~32 kHz </a:t>
-            </a:r>
-            <a:r>
-              <a:rPr lang="ko-KR" altLang="en-US" sz="1600" dirty="0"/>
-              <a:t>범위의 </a:t>
-            </a:r>
-            <a:r>
-              <a:rPr lang="en-US" altLang="ko-KR" sz="1600" dirty="0"/>
-              <a:t>IMU(Inertial Measurement Unit) </a:t>
-            </a:r>
-            <a:r>
-              <a:rPr lang="ko-KR" altLang="en-US" sz="1600" dirty="0"/>
-              <a:t>처리 속도를 지원합니다</a:t>
-            </a:r>
-            <a:r>
-              <a:rPr lang="en-US" altLang="ko-KR" sz="1600" dirty="0"/>
-              <a:t>. </a:t>
-            </a:r>
-            <a:r>
-              <a:rPr lang="ko-KR" altLang="en-US" sz="1600" dirty="0"/>
-              <a:t>따라서 시뮬레이터에서도 최소 </a:t>
-            </a:r>
-            <a:r>
-              <a:rPr lang="en-US" altLang="ko-KR" sz="1600" dirty="0"/>
-              <a:t>1 kHz </a:t>
-            </a:r>
-            <a:r>
-              <a:rPr lang="ko-KR" altLang="en-US" sz="1600" dirty="0"/>
-              <a:t>이상의 센서</a:t>
-            </a:r>
-            <a:r>
-              <a:rPr lang="en-US" altLang="ko-KR" sz="1600" dirty="0"/>
-              <a:t>·</a:t>
-            </a:r>
-            <a:r>
-              <a:rPr lang="ko-KR" altLang="en-US" sz="1600" dirty="0"/>
-              <a:t>제어 루프가 필요하며</a:t>
+              <a:t>모터 명령을 생성하는 주기로</a:t>
             </a:r>
             <a:r>
               <a:rPr lang="en-US" altLang="ko-KR" sz="1600" dirty="0"/>
@@ -5363,23 +5386,19 @@
             </a:r>
             <a:r>
               <a:rPr lang="ko-KR" altLang="en-US" sz="1600" dirty="0"/>
-              <a:t>고성능 재현을 위해서는 펌웨어 수준의 고주파 </a:t>
-            </a:r>
-            <a:r>
-              <a:rPr lang="en-US" altLang="ko-KR" sz="1600" dirty="0"/>
-              <a:t>IMU </a:t>
+              <a:t>보통 </a:t>
+            </a:r>
+            <a:r>
+              <a:rPr lang="en-US" altLang="ko-KR" sz="1600" b="1" dirty="0"/>
+              <a:t>1~8 kHz </a:t>
+            </a:r>
+            <a:r>
+              <a:rPr lang="ko-KR" altLang="en-US" sz="1600" b="1" dirty="0"/>
+              <a:t>범위</a:t>
             </a:r>
             <a:r>
               <a:rPr lang="ko-KR" altLang="en-US" sz="1600" dirty="0"/>
-              <a:t>처리</a:t>
-            </a:r>
-            <a:r>
-              <a:rPr lang="en-US" altLang="ko-KR" sz="1600" dirty="0"/>
-              <a:t>(8~32 kHz)</a:t>
-            </a:r>
-            <a:r>
-              <a:rPr lang="ko-KR" altLang="en-US" sz="1600" dirty="0"/>
-              <a:t>를 반영해야 실기체와 동일한 비행 특성을 구현할 수 있습니다</a:t>
+              <a:t>에서 동작합니다</a:t>
             </a:r>
             <a:r>
               <a:rPr lang="en-US" altLang="ko-KR" sz="1600" dirty="0"/>

--- a/x_memory/docs2/논문연구I-발표자료.pptx
+++ b/x_memory/docs2/논문연구I-발표자료.pptx
@@ -5,15 +5,17 @@
     <p:sldMasterId id="2147483648" r:id="rId1"/>
   </p:sldMasterIdLst>
   <p:notesMasterIdLst>
-    <p:notesMasterId r:id="rId8"/>
+    <p:notesMasterId r:id="rId10"/>
   </p:notesMasterIdLst>
   <p:sldIdLst>
     <p:sldId id="259" r:id="rId2"/>
     <p:sldId id="260" r:id="rId3"/>
-    <p:sldId id="256" r:id="rId4"/>
-    <p:sldId id="257" r:id="rId5"/>
-    <p:sldId id="258" r:id="rId6"/>
-    <p:sldId id="261" r:id="rId7"/>
+    <p:sldId id="262" r:id="rId4"/>
+    <p:sldId id="263" r:id="rId5"/>
+    <p:sldId id="256" r:id="rId6"/>
+    <p:sldId id="257" r:id="rId7"/>
+    <p:sldId id="258" r:id="rId8"/>
+    <p:sldId id="261" r:id="rId9"/>
   </p:sldIdLst>
   <p:sldSz cx="12192000" cy="6858000"/>
   <p:notesSz cx="6858000" cy="9144000"/>
@@ -202,7 +204,7 @@
           <a:p>
             <a:fld id="{1FB9BF83-B5BE-4DD4-A332-58395F2573B7}" type="datetimeFigureOut">
               <a:rPr lang="ko-KR" altLang="en-US" smtClean="0"/>
-              <a:t>2025-12-10</a:t>
+              <a:t>2025-12-11</a:t>
             </a:fld>
             <a:endParaRPr lang="ko-KR" altLang="en-US"/>
           </a:p>
@@ -750,7 +752,7 @@
           <a:p>
             <a:fld id="{0098AE32-E7AE-48A5-9392-CCB4D2CF538A}" type="slidenum">
               <a:rPr lang="ko-KR" altLang="en-US" smtClean="0"/>
-              <a:t>3</a:t>
+              <a:t>5</a:t>
             </a:fld>
             <a:endParaRPr lang="ko-KR" altLang="en-US"/>
           </a:p>
@@ -834,7 +836,7 @@
           <a:p>
             <a:fld id="{0098AE32-E7AE-48A5-9392-CCB4D2CF538A}" type="slidenum">
               <a:rPr lang="ko-KR" altLang="en-US" smtClean="0"/>
-              <a:t>4</a:t>
+              <a:t>6</a:t>
             </a:fld>
             <a:endParaRPr lang="ko-KR" altLang="en-US"/>
           </a:p>
@@ -942,7 +944,7 @@
           <a:p>
             <a:fld id="{0098AE32-E7AE-48A5-9392-CCB4D2CF538A}" type="slidenum">
               <a:rPr lang="ko-KR" altLang="en-US" smtClean="0"/>
-              <a:t>5</a:t>
+              <a:t>7</a:t>
             </a:fld>
             <a:endParaRPr lang="ko-KR" altLang="en-US"/>
           </a:p>
@@ -1050,7 +1052,7 @@
           <a:p>
             <a:fld id="{0098AE32-E7AE-48A5-9392-CCB4D2CF538A}" type="slidenum">
               <a:rPr lang="ko-KR" altLang="en-US" smtClean="0"/>
-              <a:t>6</a:t>
+              <a:t>8</a:t>
             </a:fld>
             <a:endParaRPr lang="ko-KR" altLang="en-US"/>
           </a:p>
@@ -1216,7 +1218,7 @@
           <a:p>
             <a:fld id="{36209A1A-9265-4240-B6C3-FDC5AC5FF33D}" type="datetimeFigureOut">
               <a:rPr lang="ko-KR" altLang="en-US" smtClean="0"/>
-              <a:t>2025-12-10</a:t>
+              <a:t>2025-12-11</a:t>
             </a:fld>
             <a:endParaRPr lang="ko-KR" altLang="en-US"/>
           </a:p>
@@ -1414,7 +1416,7 @@
           <a:p>
             <a:fld id="{36209A1A-9265-4240-B6C3-FDC5AC5FF33D}" type="datetimeFigureOut">
               <a:rPr lang="ko-KR" altLang="en-US" smtClean="0"/>
-              <a:t>2025-12-10</a:t>
+              <a:t>2025-12-11</a:t>
             </a:fld>
             <a:endParaRPr lang="ko-KR" altLang="en-US"/>
           </a:p>
@@ -1622,7 +1624,7 @@
           <a:p>
             <a:fld id="{36209A1A-9265-4240-B6C3-FDC5AC5FF33D}" type="datetimeFigureOut">
               <a:rPr lang="ko-KR" altLang="en-US" smtClean="0"/>
-              <a:t>2025-12-10</a:t>
+              <a:t>2025-12-11</a:t>
             </a:fld>
             <a:endParaRPr lang="ko-KR" altLang="en-US"/>
           </a:p>
@@ -1820,7 +1822,7 @@
           <a:p>
             <a:fld id="{36209A1A-9265-4240-B6C3-FDC5AC5FF33D}" type="datetimeFigureOut">
               <a:rPr lang="ko-KR" altLang="en-US" smtClean="0"/>
-              <a:t>2025-12-10</a:t>
+              <a:t>2025-12-11</a:t>
             </a:fld>
             <a:endParaRPr lang="ko-KR" altLang="en-US"/>
           </a:p>
@@ -2095,7 +2097,7 @@
           <a:p>
             <a:fld id="{36209A1A-9265-4240-B6C3-FDC5AC5FF33D}" type="datetimeFigureOut">
               <a:rPr lang="ko-KR" altLang="en-US" smtClean="0"/>
-              <a:t>2025-12-10</a:t>
+              <a:t>2025-12-11</a:t>
             </a:fld>
             <a:endParaRPr lang="ko-KR" altLang="en-US"/>
           </a:p>
@@ -2360,7 +2362,7 @@
           <a:p>
             <a:fld id="{36209A1A-9265-4240-B6C3-FDC5AC5FF33D}" type="datetimeFigureOut">
               <a:rPr lang="ko-KR" altLang="en-US" smtClean="0"/>
-              <a:t>2025-12-10</a:t>
+              <a:t>2025-12-11</a:t>
             </a:fld>
             <a:endParaRPr lang="ko-KR" altLang="en-US"/>
           </a:p>
@@ -2772,7 +2774,7 @@
           <a:p>
             <a:fld id="{36209A1A-9265-4240-B6C3-FDC5AC5FF33D}" type="datetimeFigureOut">
               <a:rPr lang="ko-KR" altLang="en-US" smtClean="0"/>
-              <a:t>2025-12-10</a:t>
+              <a:t>2025-12-11</a:t>
             </a:fld>
             <a:endParaRPr lang="ko-KR" altLang="en-US"/>
           </a:p>
@@ -2913,7 +2915,7 @@
           <a:p>
             <a:fld id="{36209A1A-9265-4240-B6C3-FDC5AC5FF33D}" type="datetimeFigureOut">
               <a:rPr lang="ko-KR" altLang="en-US" smtClean="0"/>
-              <a:t>2025-12-10</a:t>
+              <a:t>2025-12-11</a:t>
             </a:fld>
             <a:endParaRPr lang="ko-KR" altLang="en-US"/>
           </a:p>
@@ -3026,7 +3028,7 @@
           <a:p>
             <a:fld id="{36209A1A-9265-4240-B6C3-FDC5AC5FF33D}" type="datetimeFigureOut">
               <a:rPr lang="ko-KR" altLang="en-US" smtClean="0"/>
-              <a:t>2025-12-10</a:t>
+              <a:t>2025-12-11</a:t>
             </a:fld>
             <a:endParaRPr lang="ko-KR" altLang="en-US"/>
           </a:p>
@@ -3337,7 +3339,7 @@
           <a:p>
             <a:fld id="{36209A1A-9265-4240-B6C3-FDC5AC5FF33D}" type="datetimeFigureOut">
               <a:rPr lang="ko-KR" altLang="en-US" smtClean="0"/>
-              <a:t>2025-12-10</a:t>
+              <a:t>2025-12-11</a:t>
             </a:fld>
             <a:endParaRPr lang="ko-KR" altLang="en-US"/>
           </a:p>
@@ -3625,7 +3627,7 @@
           <a:p>
             <a:fld id="{36209A1A-9265-4240-B6C3-FDC5AC5FF33D}" type="datetimeFigureOut">
               <a:rPr lang="ko-KR" altLang="en-US" smtClean="0"/>
-              <a:t>2025-12-10</a:t>
+              <a:t>2025-12-11</a:t>
             </a:fld>
             <a:endParaRPr lang="ko-KR" altLang="en-US"/>
           </a:p>
@@ -3866,7 +3868,7 @@
           <a:p>
             <a:fld id="{36209A1A-9265-4240-B6C3-FDC5AC5FF33D}" type="datetimeFigureOut">
               <a:rPr lang="ko-KR" altLang="en-US" smtClean="0"/>
-              <a:t>2025-12-10</a:t>
+              <a:t>2025-12-11</a:t>
             </a:fld>
             <a:endParaRPr lang="ko-KR" altLang="en-US"/>
           </a:p>
@@ -4580,6 +4582,464 @@
           <p:cNvPr id="4" name="TextBox 3">
             <a:extLst>
               <a:ext uri="{FF2B5EF4-FFF2-40B4-BE49-F238E27FC236}">
+                <a16:creationId xmlns:a16="http://schemas.microsoft.com/office/drawing/2014/main" id="{A95541A4-BB58-0390-EF20-59D71FD413BA}"/>
+              </a:ext>
+            </a:extLst>
+          </p:cNvPr>
+          <p:cNvSpPr txBox="1"/>
+          <p:nvPr/>
+        </p:nvSpPr>
+        <p:spPr>
+          <a:xfrm>
+            <a:off x="394735" y="173013"/>
+            <a:ext cx="11302928" cy="369332"/>
+          </a:xfrm>
+          <a:prstGeom prst="rect">
+            <a:avLst/>
+          </a:prstGeom>
+          <a:noFill/>
+        </p:spPr>
+        <p:txBody>
+          <a:bodyPr wrap="square" rtlCol="0">
+            <a:spAutoFit/>
+          </a:bodyPr>
+          <a:lstStyle/>
+          <a:p>
+            <a:r>
+              <a:rPr lang="en-US" altLang="ko-KR" b="1" dirty="0">
+                <a:latin typeface="+mj-lt"/>
+              </a:rPr>
+              <a:t>1. </a:t>
+            </a:r>
+            <a:r>
+              <a:rPr lang="ko-KR" altLang="en-US" b="1" dirty="0">
+                <a:latin typeface="+mj-lt"/>
+              </a:rPr>
+              <a:t>기술의 배경 </a:t>
+            </a:r>
+            <a:r>
+              <a:rPr lang="en-US" altLang="ko-KR" b="1" dirty="0">
+                <a:latin typeface="+mj-lt"/>
+              </a:rPr>
+              <a:t>– </a:t>
+            </a:r>
+            <a:r>
+              <a:rPr lang="ko-KR" altLang="en-US" b="1" dirty="0" err="1">
+                <a:latin typeface="+mj-lt"/>
+              </a:rPr>
+              <a:t>드론의</a:t>
+            </a:r>
+            <a:r>
+              <a:rPr lang="ko-KR" altLang="en-US" b="1" dirty="0">
+                <a:latin typeface="+mj-lt"/>
+              </a:rPr>
+              <a:t> 구성</a:t>
+            </a:r>
+            <a:endParaRPr lang="ko-KR" altLang="en-US" b="1" dirty="0"/>
+          </a:p>
+        </p:txBody>
+      </p:sp>
+      <p:pic>
+        <p:nvPicPr>
+          <p:cNvPr id="9" name="그림 8">
+            <a:extLst>
+              <a:ext uri="{FF2B5EF4-FFF2-40B4-BE49-F238E27FC236}">
+                <a16:creationId xmlns:a16="http://schemas.microsoft.com/office/drawing/2014/main" id="{954A1B62-E097-C813-70EA-8B6632E04089}"/>
+              </a:ext>
+            </a:extLst>
+          </p:cNvPr>
+          <p:cNvPicPr>
+            <a:picLocks noChangeAspect="1"/>
+          </p:cNvPicPr>
+          <p:nvPr/>
+        </p:nvPicPr>
+        <p:blipFill>
+          <a:blip r:embed="rId2"/>
+          <a:stretch>
+            <a:fillRect/>
+          </a:stretch>
+        </p:blipFill>
+        <p:spPr>
+          <a:xfrm>
+            <a:off x="394735" y="713996"/>
+            <a:ext cx="7144747" cy="5430008"/>
+          </a:xfrm>
+          <a:prstGeom prst="rect">
+            <a:avLst/>
+          </a:prstGeom>
+        </p:spPr>
+      </p:pic>
+      <p:sp>
+        <p:nvSpPr>
+          <p:cNvPr id="10" name="직사각형 9">
+            <a:extLst>
+              <a:ext uri="{FF2B5EF4-FFF2-40B4-BE49-F238E27FC236}">
+                <a16:creationId xmlns:a16="http://schemas.microsoft.com/office/drawing/2014/main" id="{67CEC331-C554-2D4D-CD96-9EE7F598744F}"/>
+              </a:ext>
+            </a:extLst>
+          </p:cNvPr>
+          <p:cNvSpPr/>
+          <p:nvPr/>
+        </p:nvSpPr>
+        <p:spPr>
+          <a:xfrm>
+            <a:off x="2571327" y="2974763"/>
+            <a:ext cx="998220" cy="709930"/>
+          </a:xfrm>
+          <a:prstGeom prst="rect">
+            <a:avLst/>
+          </a:prstGeom>
+          <a:noFill/>
+          <a:ln w="25400">
+            <a:solidFill>
+              <a:srgbClr val="FF0000"/>
+            </a:solidFill>
+          </a:ln>
+        </p:spPr>
+        <p:style>
+          <a:lnRef idx="2">
+            <a:schemeClr val="accent1">
+              <a:shade val="15000"/>
+            </a:schemeClr>
+          </a:lnRef>
+          <a:fillRef idx="1">
+            <a:schemeClr val="accent1"/>
+          </a:fillRef>
+          <a:effectRef idx="0">
+            <a:schemeClr val="accent1"/>
+          </a:effectRef>
+          <a:fontRef idx="minor">
+            <a:schemeClr val="lt1"/>
+          </a:fontRef>
+        </p:style>
+        <p:txBody>
+          <a:bodyPr rtlCol="0" anchor="ctr"/>
+          <a:lstStyle/>
+          <a:p>
+            <a:pPr algn="ctr"/>
+            <a:endParaRPr lang="ko-KR" altLang="en-US"/>
+          </a:p>
+        </p:txBody>
+      </p:sp>
+      <p:sp>
+        <p:nvSpPr>
+          <p:cNvPr id="12" name="TextBox 11">
+            <a:extLst>
+              <a:ext uri="{FF2B5EF4-FFF2-40B4-BE49-F238E27FC236}">
+                <a16:creationId xmlns:a16="http://schemas.microsoft.com/office/drawing/2014/main" id="{AD0F914B-68B7-5995-3E7D-F21037B0B041}"/>
+              </a:ext>
+            </a:extLst>
+          </p:cNvPr>
+          <p:cNvSpPr txBox="1"/>
+          <p:nvPr/>
+        </p:nvSpPr>
+        <p:spPr>
+          <a:xfrm>
+            <a:off x="7613227" y="713996"/>
+            <a:ext cx="4395893" cy="1631216"/>
+          </a:xfrm>
+          <a:prstGeom prst="rect">
+            <a:avLst/>
+          </a:prstGeom>
+          <a:noFill/>
+        </p:spPr>
+        <p:txBody>
+          <a:bodyPr wrap="square">
+            <a:spAutoFit/>
+          </a:bodyPr>
+          <a:lstStyle/>
+          <a:p>
+            <a:r>
+              <a:rPr lang="ko-KR" altLang="en-US" sz="1400" dirty="0" err="1"/>
+              <a:t>드론은</a:t>
+            </a:r>
+            <a:r>
+              <a:rPr lang="ko-KR" altLang="en-US" sz="1400" dirty="0"/>
+              <a:t> 여러 센서와 제어기가 결합되어 기체의 자세를 실시간으로 </a:t>
+            </a:r>
+            <a:r>
+              <a:rPr lang="ko-KR" altLang="en-US" sz="1400" dirty="0" err="1"/>
+              <a:t>안정화시키는</a:t>
+            </a:r>
+            <a:r>
+              <a:rPr lang="ko-KR" altLang="en-US" sz="1400" dirty="0"/>
+              <a:t> 비행 로봇입니다</a:t>
+            </a:r>
+            <a:r>
+              <a:rPr lang="en-US" altLang="ko-KR" sz="1400" dirty="0"/>
+              <a:t>.</a:t>
+            </a:r>
+          </a:p>
+          <a:p>
+            <a:endParaRPr lang="en-US" altLang="ko-KR" sz="1600" dirty="0"/>
+          </a:p>
+          <a:p>
+            <a:r>
+              <a:rPr lang="ko-KR" altLang="en-US" sz="1400" dirty="0"/>
+              <a:t>이번 연구의 주제는 </a:t>
+            </a:r>
+            <a:r>
+              <a:rPr lang="ko-KR" altLang="en-US" sz="1400" dirty="0" err="1"/>
+              <a:t>드론의</a:t>
+            </a:r>
+            <a:r>
+              <a:rPr lang="ko-KR" altLang="en-US" sz="1400" dirty="0"/>
+              <a:t> 두뇌인 </a:t>
+            </a:r>
+            <a:r>
+              <a:rPr lang="en-US" altLang="ko-KR" sz="1400" dirty="0"/>
+              <a:t>Flight Controller</a:t>
+            </a:r>
+            <a:r>
+              <a:rPr lang="ko-KR" altLang="en-US" sz="1400" dirty="0"/>
+              <a:t>를 실제 하드웨어 없이</a:t>
+            </a:r>
+            <a:r>
+              <a:rPr lang="en-US" altLang="ko-KR" sz="1400" dirty="0"/>
+              <a:t>, </a:t>
+            </a:r>
+            <a:r>
+              <a:rPr lang="ko-KR" altLang="en-US" sz="1400" dirty="0"/>
+              <a:t>컴퓨터 안에서 실제와 동일하게 동작시키는 시뮬레이션 기술을 개발하는 것입니다</a:t>
+            </a:r>
+            <a:r>
+              <a:rPr lang="en-US" altLang="ko-KR" sz="1400" dirty="0"/>
+              <a:t>.</a:t>
+            </a:r>
+            <a:endParaRPr lang="ko-KR" altLang="en-US" sz="1400" dirty="0"/>
+          </a:p>
+        </p:txBody>
+      </p:sp>
+    </p:spTree>
+    <p:extLst>
+      <p:ext uri="{BB962C8B-B14F-4D97-AF65-F5344CB8AC3E}">
+        <p14:creationId xmlns:p14="http://schemas.microsoft.com/office/powerpoint/2010/main" val="1368568385"/>
+      </p:ext>
+    </p:extLst>
+  </p:cSld>
+  <p:clrMapOvr>
+    <a:masterClrMapping/>
+  </p:clrMapOvr>
+</p:sld>
+</file>
+
+<file path=ppt/slides/slide4.xml><?xml version="1.0" encoding="utf-8"?>
+<p:sld xmlns:a="http://schemas.openxmlformats.org/drawingml/2006/main" xmlns:r="http://schemas.openxmlformats.org/officeDocument/2006/relationships" xmlns:p="http://schemas.openxmlformats.org/presentationml/2006/main">
+  <p:cSld>
+    <p:spTree>
+      <p:nvGrpSpPr>
+        <p:cNvPr id="1" name=""/>
+        <p:cNvGrpSpPr/>
+        <p:nvPr/>
+      </p:nvGrpSpPr>
+      <p:grpSpPr>
+        <a:xfrm>
+          <a:off x="0" y="0"/>
+          <a:ext cx="0" cy="0"/>
+          <a:chOff x="0" y="0"/>
+          <a:chExt cx="0" cy="0"/>
+        </a:xfrm>
+      </p:grpSpPr>
+      <p:sp>
+        <p:nvSpPr>
+          <p:cNvPr id="4" name="TextBox 3">
+            <a:extLst>
+              <a:ext uri="{FF2B5EF4-FFF2-40B4-BE49-F238E27FC236}">
+                <a16:creationId xmlns:a16="http://schemas.microsoft.com/office/drawing/2014/main" id="{8463780D-B49D-434F-F941-41937DEFF62C}"/>
+              </a:ext>
+            </a:extLst>
+          </p:cNvPr>
+          <p:cNvSpPr txBox="1"/>
+          <p:nvPr/>
+        </p:nvSpPr>
+        <p:spPr>
+          <a:xfrm>
+            <a:off x="394735" y="173013"/>
+            <a:ext cx="11302928" cy="369332"/>
+          </a:xfrm>
+          <a:prstGeom prst="rect">
+            <a:avLst/>
+          </a:prstGeom>
+          <a:noFill/>
+        </p:spPr>
+        <p:txBody>
+          <a:bodyPr wrap="square" rtlCol="0">
+            <a:spAutoFit/>
+          </a:bodyPr>
+          <a:lstStyle/>
+          <a:p>
+            <a:r>
+              <a:rPr lang="en-US" altLang="ko-KR" b="1" dirty="0">
+                <a:latin typeface="+mj-lt"/>
+              </a:rPr>
+              <a:t>1. </a:t>
+            </a:r>
+            <a:r>
+              <a:rPr lang="ko-KR" altLang="en-US" b="1" dirty="0">
+                <a:latin typeface="+mj-lt"/>
+              </a:rPr>
+              <a:t>기술의 배경 </a:t>
+            </a:r>
+            <a:r>
+              <a:rPr lang="en-US" altLang="ko-KR" b="1" dirty="0">
+                <a:latin typeface="+mj-lt"/>
+              </a:rPr>
+              <a:t>– </a:t>
+            </a:r>
+            <a:r>
+              <a:rPr lang="ko-KR" altLang="en-US" b="1" dirty="0" err="1">
+                <a:latin typeface="+mj-lt"/>
+              </a:rPr>
+              <a:t>드론의</a:t>
+            </a:r>
+            <a:r>
+              <a:rPr lang="ko-KR" altLang="en-US" b="1" dirty="0">
+                <a:latin typeface="+mj-lt"/>
+              </a:rPr>
+              <a:t> 자세 제어</a:t>
+            </a:r>
+            <a:endParaRPr lang="ko-KR" altLang="en-US" b="1" dirty="0"/>
+          </a:p>
+        </p:txBody>
+      </p:sp>
+      <p:pic>
+        <p:nvPicPr>
+          <p:cNvPr id="2052" name="Picture 4">
+            <a:extLst>
+              <a:ext uri="{FF2B5EF4-FFF2-40B4-BE49-F238E27FC236}">
+                <a16:creationId xmlns:a16="http://schemas.microsoft.com/office/drawing/2014/main" id="{A31C03CB-4138-0A67-7136-5A30525E47D6}"/>
+              </a:ext>
+            </a:extLst>
+          </p:cNvPr>
+          <p:cNvPicPr>
+            <a:picLocks noChangeAspect="1" noChangeArrowheads="1"/>
+          </p:cNvPicPr>
+          <p:nvPr/>
+        </p:nvPicPr>
+        <p:blipFill>
+          <a:blip r:embed="rId2">
+            <a:extLst>
+              <a:ext uri="{28A0092B-C50C-407E-A947-70E740481C1C}">
+                <a14:useLocalDpi xmlns:a14="http://schemas.microsoft.com/office/drawing/2010/main" val="0"/>
+              </a:ext>
+            </a:extLst>
+          </a:blip>
+          <a:srcRect/>
+          <a:stretch>
+            <a:fillRect/>
+          </a:stretch>
+        </p:blipFill>
+        <p:spPr bwMode="auto">
+          <a:xfrm>
+            <a:off x="733498" y="806934"/>
+            <a:ext cx="4458400" cy="2501658"/>
+          </a:xfrm>
+          <a:prstGeom prst="rect">
+            <a:avLst/>
+          </a:prstGeom>
+          <a:noFill/>
+          <a:extLst>
+            <a:ext uri="{909E8E84-426E-40DD-AFC4-6F175D3DCCD1}">
+              <a14:hiddenFill xmlns:a14="http://schemas.microsoft.com/office/drawing/2010/main">
+                <a:solidFill>
+                  <a:srgbClr val="FFFFFF"/>
+                </a:solidFill>
+              </a14:hiddenFill>
+            </a:ext>
+          </a:extLst>
+        </p:spPr>
+      </p:pic>
+      <p:sp>
+        <p:nvSpPr>
+          <p:cNvPr id="6" name="TextBox 5">
+            <a:extLst>
+              <a:ext uri="{FF2B5EF4-FFF2-40B4-BE49-F238E27FC236}">
+                <a16:creationId xmlns:a16="http://schemas.microsoft.com/office/drawing/2014/main" id="{B0FA6BFB-B065-EE26-4AFA-2A5848589CAA}"/>
+              </a:ext>
+            </a:extLst>
+          </p:cNvPr>
+          <p:cNvSpPr txBox="1"/>
+          <p:nvPr/>
+        </p:nvSpPr>
+        <p:spPr>
+          <a:xfrm>
+            <a:off x="733498" y="3308592"/>
+            <a:ext cx="4458400" cy="246221"/>
+          </a:xfrm>
+          <a:prstGeom prst="rect">
+            <a:avLst/>
+          </a:prstGeom>
+          <a:noFill/>
+        </p:spPr>
+        <p:txBody>
+          <a:bodyPr wrap="square">
+            <a:spAutoFit/>
+          </a:bodyPr>
+          <a:lstStyle/>
+          <a:p>
+            <a:r>
+              <a:rPr lang="en-US" altLang="ko-KR" sz="1000" dirty="0"/>
+              <a:t>[</a:t>
+            </a:r>
+            <a:r>
+              <a:rPr lang="ko-KR" altLang="en-US" sz="1000" dirty="0" err="1"/>
+              <a:t>드론의</a:t>
+            </a:r>
+            <a:r>
+              <a:rPr lang="ko-KR" altLang="en-US" sz="1000" dirty="0"/>
+              <a:t> 자세</a:t>
+            </a:r>
+            <a:r>
+              <a:rPr lang="en-US" altLang="ko-KR" sz="1000" dirty="0"/>
+              <a:t>(Attitude) 3</a:t>
+            </a:r>
+            <a:r>
+              <a:rPr lang="ko-KR" altLang="en-US" sz="1000" dirty="0"/>
+              <a:t>축</a:t>
+            </a:r>
+            <a:r>
+              <a:rPr lang="en-US" altLang="ko-KR" sz="1000" dirty="0"/>
+              <a:t>]</a:t>
+            </a:r>
+            <a:endParaRPr lang="ko-KR" altLang="en-US" sz="1000" dirty="0"/>
+          </a:p>
+        </p:txBody>
+      </p:sp>
+    </p:spTree>
+    <p:extLst>
+      <p:ext uri="{BB962C8B-B14F-4D97-AF65-F5344CB8AC3E}">
+        <p14:creationId xmlns:p14="http://schemas.microsoft.com/office/powerpoint/2010/main" val="2533999468"/>
+      </p:ext>
+    </p:extLst>
+  </p:cSld>
+  <p:clrMapOvr>
+    <a:masterClrMapping/>
+  </p:clrMapOvr>
+</p:sld>
+</file>
+
+<file path=ppt/slides/slide5.xml><?xml version="1.0" encoding="utf-8"?>
+<p:sld xmlns:a="http://schemas.openxmlformats.org/drawingml/2006/main" xmlns:r="http://schemas.openxmlformats.org/officeDocument/2006/relationships" xmlns:p="http://schemas.openxmlformats.org/presentationml/2006/main">
+  <p:cSld>
+    <p:spTree>
+      <p:nvGrpSpPr>
+        <p:cNvPr id="1" name=""/>
+        <p:cNvGrpSpPr/>
+        <p:nvPr/>
+      </p:nvGrpSpPr>
+      <p:grpSpPr>
+        <a:xfrm>
+          <a:off x="0" y="0"/>
+          <a:ext cx="0" cy="0"/>
+          <a:chOff x="0" y="0"/>
+          <a:chExt cx="0" cy="0"/>
+        </a:xfrm>
+      </p:grpSpPr>
+      <p:sp>
+        <p:nvSpPr>
+          <p:cNvPr id="4" name="TextBox 3">
+            <a:extLst>
+              <a:ext uri="{FF2B5EF4-FFF2-40B4-BE49-F238E27FC236}">
                 <a16:creationId xmlns:a16="http://schemas.microsoft.com/office/drawing/2014/main" id="{3B9DA5EB-3ED9-456E-6E90-EEBB5C6DD869}"/>
               </a:ext>
             </a:extLst>
@@ -5654,16 +6114,12 @@
           <a:lstStyle/>
           <a:p>
             <a:r>
-              <a:rPr lang="ko-KR" altLang="en-US" sz="1600" dirty="0"/>
-              <a:t>실제 사용 </a:t>
-            </a:r>
-            <a:r>
               <a:rPr lang="en-US" altLang="ko-KR" sz="1600" dirty="0"/>
               <a:t>IMU </a:t>
             </a:r>
             <a:r>
               <a:rPr lang="ko-KR" altLang="en-US" sz="1600" dirty="0"/>
-              <a:t>최대 </a:t>
+              <a:t>센서 최대 </a:t>
             </a:r>
             <a:r>
               <a:rPr lang="en-US" altLang="ko-KR" sz="1600" dirty="0"/>
@@ -6193,7 +6649,7 @@
 </p:sld>
 </file>
 
-<file path=ppt/slides/slide4.xml><?xml version="1.0" encoding="utf-8"?>
+<file path=ppt/slides/slide6.xml><?xml version="1.0" encoding="utf-8"?>
 <p:sld xmlns:a="http://schemas.openxmlformats.org/drawingml/2006/main" xmlns:r="http://schemas.openxmlformats.org/officeDocument/2006/relationships" xmlns:p="http://schemas.openxmlformats.org/presentationml/2006/main">
   <p:cSld>
     <p:spTree>
@@ -7105,7 +7561,7 @@
 </p:sld>
 </file>
 
-<file path=ppt/slides/slide5.xml><?xml version="1.0" encoding="utf-8"?>
+<file path=ppt/slides/slide7.xml><?xml version="1.0" encoding="utf-8"?>
 <p:sld xmlns:a="http://schemas.openxmlformats.org/drawingml/2006/main" xmlns:r="http://schemas.openxmlformats.org/officeDocument/2006/relationships" xmlns:p="http://schemas.openxmlformats.org/presentationml/2006/main">
   <p:cSld>
     <p:spTree>
@@ -7400,7 +7856,7 @@
 </p:sld>
 </file>
 
-<file path=ppt/slides/slide6.xml><?xml version="1.0" encoding="utf-8"?>
+<file path=ppt/slides/slide8.xml><?xml version="1.0" encoding="utf-8"?>
 <p:sld xmlns:a="http://schemas.openxmlformats.org/drawingml/2006/main" xmlns:r="http://schemas.openxmlformats.org/officeDocument/2006/relationships" xmlns:p="http://schemas.openxmlformats.org/presentationml/2006/main">
   <p:cSld>
     <p:spTree>
